--- a/Merging simulation.pptx
+++ b/Merging simulation.pptx
@@ -6,25 +6,29 @@
   </p:sldMasterIdLst>
   <p:sldIdLst>
     <p:sldId id="256" r:id="rId2"/>
-    <p:sldId id="260" r:id="rId3"/>
-    <p:sldId id="278" r:id="rId4"/>
-    <p:sldId id="266" r:id="rId5"/>
-    <p:sldId id="258" r:id="rId6"/>
-    <p:sldId id="280" r:id="rId7"/>
-    <p:sldId id="269" r:id="rId8"/>
-    <p:sldId id="259" r:id="rId9"/>
-    <p:sldId id="264" r:id="rId10"/>
-    <p:sldId id="286" r:id="rId11"/>
-    <p:sldId id="273" r:id="rId12"/>
-    <p:sldId id="265" r:id="rId13"/>
-    <p:sldId id="272" r:id="rId14"/>
-    <p:sldId id="281" r:id="rId15"/>
-    <p:sldId id="279" r:id="rId16"/>
-    <p:sldId id="282" r:id="rId17"/>
-    <p:sldId id="283" r:id="rId18"/>
-    <p:sldId id="263" r:id="rId19"/>
-    <p:sldId id="284" r:id="rId20"/>
-    <p:sldId id="285" r:id="rId21"/>
+    <p:sldId id="288" r:id="rId3"/>
+    <p:sldId id="260" r:id="rId4"/>
+    <p:sldId id="278" r:id="rId5"/>
+    <p:sldId id="266" r:id="rId6"/>
+    <p:sldId id="287" r:id="rId7"/>
+    <p:sldId id="258" r:id="rId8"/>
+    <p:sldId id="291" r:id="rId9"/>
+    <p:sldId id="269" r:id="rId10"/>
+    <p:sldId id="290" r:id="rId11"/>
+    <p:sldId id="289" r:id="rId12"/>
+    <p:sldId id="264" r:id="rId13"/>
+    <p:sldId id="286" r:id="rId14"/>
+    <p:sldId id="273" r:id="rId15"/>
+    <p:sldId id="265" r:id="rId16"/>
+    <p:sldId id="272" r:id="rId17"/>
+    <p:sldId id="281" r:id="rId18"/>
+    <p:sldId id="279" r:id="rId19"/>
+    <p:sldId id="282" r:id="rId20"/>
+    <p:sldId id="283" r:id="rId21"/>
+    <p:sldId id="292" r:id="rId22"/>
+    <p:sldId id="263" r:id="rId23"/>
+    <p:sldId id="284" r:id="rId24"/>
+    <p:sldId id="285" r:id="rId25"/>
   </p:sldIdLst>
   <p:sldSz cx="12192000" cy="6858000"/>
   <p:notesSz cx="6858000" cy="9144000"/>
@@ -123,6 +127,11 @@
       </a:defRPr>
     </a:lvl9pPr>
   </p:defaultTextStyle>
+  <p:extLst>
+    <p:ext uri="{EFAFB233-063F-42B5-8137-9DF3F51BA10A}">
+      <p15:sldGuideLst xmlns:p15="http://schemas.microsoft.com/office/powerpoint/2012/main"/>
+    </p:ext>
+  </p:extLst>
 </p:presentation>
 </file>
 
@@ -273,7 +282,7 @@
           <a:p>
             <a:fld id="{C2B04BE1-6F8F-4475-867C-0F162A8DD779}" type="datetimeFigureOut">
               <a:rPr lang="it-IT" smtClean="0"/>
-              <a:t>19/04/2022</a:t>
+              <a:t>20/04/2022</a:t>
             </a:fld>
             <a:endParaRPr lang="it-IT"/>
           </a:p>
@@ -471,7 +480,7 @@
           <a:p>
             <a:fld id="{C2B04BE1-6F8F-4475-867C-0F162A8DD779}" type="datetimeFigureOut">
               <a:rPr lang="it-IT" smtClean="0"/>
-              <a:t>19/04/2022</a:t>
+              <a:t>20/04/2022</a:t>
             </a:fld>
             <a:endParaRPr lang="it-IT"/>
           </a:p>
@@ -679,7 +688,7 @@
           <a:p>
             <a:fld id="{C2B04BE1-6F8F-4475-867C-0F162A8DD779}" type="datetimeFigureOut">
               <a:rPr lang="it-IT" smtClean="0"/>
-              <a:t>19/04/2022</a:t>
+              <a:t>20/04/2022</a:t>
             </a:fld>
             <a:endParaRPr lang="it-IT"/>
           </a:p>
@@ -877,7 +886,7 @@
           <a:p>
             <a:fld id="{C2B04BE1-6F8F-4475-867C-0F162A8DD779}" type="datetimeFigureOut">
               <a:rPr lang="it-IT" smtClean="0"/>
-              <a:t>19/04/2022</a:t>
+              <a:t>20/04/2022</a:t>
             </a:fld>
             <a:endParaRPr lang="it-IT"/>
           </a:p>
@@ -1152,7 +1161,7 @@
           <a:p>
             <a:fld id="{C2B04BE1-6F8F-4475-867C-0F162A8DD779}" type="datetimeFigureOut">
               <a:rPr lang="it-IT" smtClean="0"/>
-              <a:t>19/04/2022</a:t>
+              <a:t>20/04/2022</a:t>
             </a:fld>
             <a:endParaRPr lang="it-IT"/>
           </a:p>
@@ -1417,7 +1426,7 @@
           <a:p>
             <a:fld id="{C2B04BE1-6F8F-4475-867C-0F162A8DD779}" type="datetimeFigureOut">
               <a:rPr lang="it-IT" smtClean="0"/>
-              <a:t>19/04/2022</a:t>
+              <a:t>20/04/2022</a:t>
             </a:fld>
             <a:endParaRPr lang="it-IT"/>
           </a:p>
@@ -1829,7 +1838,7 @@
           <a:p>
             <a:fld id="{C2B04BE1-6F8F-4475-867C-0F162A8DD779}" type="datetimeFigureOut">
               <a:rPr lang="it-IT" smtClean="0"/>
-              <a:t>19/04/2022</a:t>
+              <a:t>20/04/2022</a:t>
             </a:fld>
             <a:endParaRPr lang="it-IT"/>
           </a:p>
@@ -1970,7 +1979,7 @@
           <a:p>
             <a:fld id="{C2B04BE1-6F8F-4475-867C-0F162A8DD779}" type="datetimeFigureOut">
               <a:rPr lang="it-IT" smtClean="0"/>
-              <a:t>19/04/2022</a:t>
+              <a:t>20/04/2022</a:t>
             </a:fld>
             <a:endParaRPr lang="it-IT"/>
           </a:p>
@@ -2083,7 +2092,7 @@
           <a:p>
             <a:fld id="{C2B04BE1-6F8F-4475-867C-0F162A8DD779}" type="datetimeFigureOut">
               <a:rPr lang="it-IT" smtClean="0"/>
-              <a:t>19/04/2022</a:t>
+              <a:t>20/04/2022</a:t>
             </a:fld>
             <a:endParaRPr lang="it-IT"/>
           </a:p>
@@ -2394,7 +2403,7 @@
           <a:p>
             <a:fld id="{C2B04BE1-6F8F-4475-867C-0F162A8DD779}" type="datetimeFigureOut">
               <a:rPr lang="it-IT" smtClean="0"/>
-              <a:t>19/04/2022</a:t>
+              <a:t>20/04/2022</a:t>
             </a:fld>
             <a:endParaRPr lang="it-IT"/>
           </a:p>
@@ -2682,7 +2691,7 @@
           <a:p>
             <a:fld id="{C2B04BE1-6F8F-4475-867C-0F162A8DD779}" type="datetimeFigureOut">
               <a:rPr lang="it-IT" smtClean="0"/>
-              <a:t>19/04/2022</a:t>
+              <a:t>20/04/2022</a:t>
             </a:fld>
             <a:endParaRPr lang="it-IT"/>
           </a:p>
@@ -2923,7 +2932,7 @@
           <a:p>
             <a:fld id="{C2B04BE1-6F8F-4475-867C-0F162A8DD779}" type="datetimeFigureOut">
               <a:rPr lang="it-IT" smtClean="0"/>
-              <a:t>19/04/2022</a:t>
+              <a:t>20/04/2022</a:t>
             </a:fld>
             <a:endParaRPr lang="it-IT"/>
           </a:p>
@@ -3487,6 +3496,620 @@
       </p:grpSpPr>
       <p:sp>
         <p:nvSpPr>
+          <p:cNvPr id="4" name="CasellaDiTesto 3">
+            <a:extLst>
+              <a:ext uri="{FF2B5EF4-FFF2-40B4-BE49-F238E27FC236}">
+                <a16:creationId xmlns:a16="http://schemas.microsoft.com/office/drawing/2014/main" id="{795A839E-01A5-4CFB-A6DE-B7AB9C0C258C}"/>
+              </a:ext>
+            </a:extLst>
+          </p:cNvPr>
+          <p:cNvSpPr txBox="1"/>
+          <p:nvPr/>
+        </p:nvSpPr>
+        <p:spPr>
+          <a:xfrm>
+            <a:off x="589814" y="341065"/>
+            <a:ext cx="3079113" cy="523220"/>
+          </a:xfrm>
+          <a:prstGeom prst="rect">
+            <a:avLst/>
+          </a:prstGeom>
+          <a:noFill/>
+        </p:spPr>
+        <p:txBody>
+          <a:bodyPr wrap="none" rtlCol="0">
+            <a:spAutoFit/>
+          </a:bodyPr>
+          <a:lstStyle/>
+          <a:p>
+            <a:r>
+              <a:rPr lang="it-IT" sz="2800" b="1" dirty="0" err="1"/>
+              <a:t>Implementation</a:t>
+            </a:r>
+            <a:r>
+              <a:rPr lang="it-IT" sz="2800" b="1" dirty="0"/>
+              <a:t> (1)</a:t>
+            </a:r>
+          </a:p>
+        </p:txBody>
+      </p:sp>
+      <p:pic>
+        <p:nvPicPr>
+          <p:cNvPr id="6" name="Immagine 5">
+            <a:extLst>
+              <a:ext uri="{FF2B5EF4-FFF2-40B4-BE49-F238E27FC236}">
+                <a16:creationId xmlns:a16="http://schemas.microsoft.com/office/drawing/2014/main" id="{BB7F3C07-EB6A-4C2E-A61D-40C978F8A065}"/>
+              </a:ext>
+            </a:extLst>
+          </p:cNvPr>
+          <p:cNvPicPr>
+            <a:picLocks noChangeAspect="1"/>
+          </p:cNvPicPr>
+          <p:nvPr/>
+        </p:nvPicPr>
+        <p:blipFill>
+          <a:blip r:embed="rId3"/>
+          <a:stretch>
+            <a:fillRect/>
+          </a:stretch>
+        </p:blipFill>
+        <p:spPr>
+          <a:xfrm>
+            <a:off x="142044" y="2887824"/>
+            <a:ext cx="5953956" cy="1505160"/>
+          </a:xfrm>
+          <a:prstGeom prst="rect">
+            <a:avLst/>
+          </a:prstGeom>
+        </p:spPr>
+      </p:pic>
+      <p:sp>
+        <p:nvSpPr>
+          <p:cNvPr id="8" name="CasellaDiTesto 7">
+            <a:extLst>
+              <a:ext uri="{FF2B5EF4-FFF2-40B4-BE49-F238E27FC236}">
+                <a16:creationId xmlns:a16="http://schemas.microsoft.com/office/drawing/2014/main" id="{7515BD1E-ADA9-4515-AFA3-09DB334943DD}"/>
+              </a:ext>
+            </a:extLst>
+          </p:cNvPr>
+          <p:cNvSpPr txBox="1"/>
+          <p:nvPr/>
+        </p:nvSpPr>
+        <p:spPr>
+          <a:xfrm>
+            <a:off x="1733161" y="1984702"/>
+            <a:ext cx="2001080" cy="400110"/>
+          </a:xfrm>
+          <a:prstGeom prst="rect">
+            <a:avLst/>
+          </a:prstGeom>
+          <a:noFill/>
+        </p:spPr>
+        <p:txBody>
+          <a:bodyPr wrap="square">
+            <a:spAutoFit/>
+          </a:bodyPr>
+          <a:lstStyle/>
+          <a:p>
+            <a:r>
+              <a:rPr lang="it-IT" sz="2000" dirty="0"/>
+              <a:t>Agent </a:t>
+            </a:r>
+            <a:r>
+              <a:rPr lang="it-IT" sz="2000" dirty="0" err="1"/>
+              <a:t>structure</a:t>
+            </a:r>
+            <a:r>
+              <a:rPr lang="it-IT" sz="2000" dirty="0"/>
+              <a:t>:</a:t>
+            </a:r>
+          </a:p>
+        </p:txBody>
+      </p:sp>
+      <p:pic>
+        <p:nvPicPr>
+          <p:cNvPr id="12" name="Immagine 11">
+            <a:extLst>
+              <a:ext uri="{FF2B5EF4-FFF2-40B4-BE49-F238E27FC236}">
+                <a16:creationId xmlns:a16="http://schemas.microsoft.com/office/drawing/2014/main" id="{31C68DC9-8475-4845-80B2-CE595D30F986}"/>
+              </a:ext>
+            </a:extLst>
+          </p:cNvPr>
+          <p:cNvPicPr>
+            <a:picLocks noChangeAspect="1"/>
+          </p:cNvPicPr>
+          <p:nvPr/>
+        </p:nvPicPr>
+        <p:blipFill>
+          <a:blip r:embed="rId4"/>
+          <a:stretch>
+            <a:fillRect/>
+          </a:stretch>
+        </p:blipFill>
+        <p:spPr>
+          <a:xfrm>
+            <a:off x="7678556" y="2790693"/>
+            <a:ext cx="3534268" cy="1524213"/>
+          </a:xfrm>
+          <a:prstGeom prst="rect">
+            <a:avLst/>
+          </a:prstGeom>
+        </p:spPr>
+      </p:pic>
+    </p:spTree>
+    <p:extLst>
+      <p:ext uri="{BB962C8B-B14F-4D97-AF65-F5344CB8AC3E}">
+        <p14:creationId xmlns:p14="http://schemas.microsoft.com/office/powerpoint/2010/main" val="3226519333"/>
+      </p:ext>
+    </p:extLst>
+  </p:cSld>
+  <p:clrMapOvr>
+    <a:masterClrMapping/>
+  </p:clrMapOvr>
+</p:sld>
+</file>
+
+<file path=ppt/slides/slide11.xml><?xml version="1.0" encoding="utf-8"?>
+<p:sld xmlns:a="http://schemas.openxmlformats.org/drawingml/2006/main" xmlns:r="http://schemas.openxmlformats.org/officeDocument/2006/relationships" xmlns:p="http://schemas.openxmlformats.org/presentationml/2006/main">
+  <p:cSld>
+    <p:bg>
+      <p:bgPr>
+        <a:blipFill dpi="0" rotWithShape="1">
+          <a:blip r:embed="rId2">
+            <a:lum/>
+          </a:blip>
+          <a:srcRect/>
+          <a:stretch>
+            <a:fillRect/>
+          </a:stretch>
+        </a:blipFill>
+        <a:effectLst/>
+      </p:bgPr>
+    </p:bg>
+    <p:spTree>
+      <p:nvGrpSpPr>
+        <p:cNvPr id="1" name=""/>
+        <p:cNvGrpSpPr/>
+        <p:nvPr/>
+      </p:nvGrpSpPr>
+      <p:grpSpPr>
+        <a:xfrm>
+          <a:off x="0" y="0"/>
+          <a:ext cx="0" cy="0"/>
+          <a:chOff x="0" y="0"/>
+          <a:chExt cx="0" cy="0"/>
+        </a:xfrm>
+      </p:grpSpPr>
+      <p:sp>
+        <p:nvSpPr>
+          <p:cNvPr id="2" name="CasellaDiTesto 1">
+            <a:extLst>
+              <a:ext uri="{FF2B5EF4-FFF2-40B4-BE49-F238E27FC236}">
+                <a16:creationId xmlns:a16="http://schemas.microsoft.com/office/drawing/2014/main" id="{20ED1360-C7DE-4590-BF95-B8C84642AC34}"/>
+              </a:ext>
+            </a:extLst>
+          </p:cNvPr>
+          <p:cNvSpPr txBox="1"/>
+          <p:nvPr/>
+        </p:nvSpPr>
+        <p:spPr>
+          <a:xfrm>
+            <a:off x="742949" y="114300"/>
+            <a:ext cx="8010525" cy="523220"/>
+          </a:xfrm>
+          <a:prstGeom prst="rect">
+            <a:avLst/>
+          </a:prstGeom>
+          <a:noFill/>
+        </p:spPr>
+        <p:txBody>
+          <a:bodyPr wrap="square" rtlCol="0">
+            <a:spAutoFit/>
+          </a:bodyPr>
+          <a:lstStyle/>
+          <a:p>
+            <a:r>
+              <a:rPr lang="it-IT" sz="2800" b="1" dirty="0" err="1">
+                <a:solidFill>
+                  <a:schemeClr val="bg1"/>
+                </a:solidFill>
+              </a:rPr>
+              <a:t>Implementation</a:t>
+            </a:r>
+            <a:r>
+              <a:rPr lang="it-IT" sz="2800" b="1" dirty="0">
+                <a:solidFill>
+                  <a:schemeClr val="bg1"/>
+                </a:solidFill>
+              </a:rPr>
+              <a:t> (2)</a:t>
+            </a:r>
+          </a:p>
+        </p:txBody>
+      </p:sp>
+      <p:pic>
+        <p:nvPicPr>
+          <p:cNvPr id="4" name="Immagine 3">
+            <a:extLst>
+              <a:ext uri="{FF2B5EF4-FFF2-40B4-BE49-F238E27FC236}">
+                <a16:creationId xmlns:a16="http://schemas.microsoft.com/office/drawing/2014/main" id="{16F62B99-886F-4785-AE71-BE4CCBF542A6}"/>
+              </a:ext>
+            </a:extLst>
+          </p:cNvPr>
+          <p:cNvPicPr>
+            <a:picLocks noChangeAspect="1"/>
+          </p:cNvPicPr>
+          <p:nvPr/>
+        </p:nvPicPr>
+        <p:blipFill>
+          <a:blip r:embed="rId3"/>
+          <a:stretch>
+            <a:fillRect/>
+          </a:stretch>
+        </p:blipFill>
+        <p:spPr>
+          <a:xfrm>
+            <a:off x="896201" y="1642187"/>
+            <a:ext cx="10468485" cy="1441335"/>
+          </a:xfrm>
+          <a:prstGeom prst="rect">
+            <a:avLst/>
+          </a:prstGeom>
+        </p:spPr>
+      </p:pic>
+      <p:pic>
+        <p:nvPicPr>
+          <p:cNvPr id="8" name="Immagine 7">
+            <a:extLst>
+              <a:ext uri="{FF2B5EF4-FFF2-40B4-BE49-F238E27FC236}">
+                <a16:creationId xmlns:a16="http://schemas.microsoft.com/office/drawing/2014/main" id="{522B42AA-BC08-4D9F-A67B-18AB54BE20DD}"/>
+              </a:ext>
+            </a:extLst>
+          </p:cNvPr>
+          <p:cNvPicPr>
+            <a:picLocks noChangeAspect="1"/>
+          </p:cNvPicPr>
+          <p:nvPr/>
+        </p:nvPicPr>
+        <p:blipFill>
+          <a:blip r:embed="rId4">
+            <a:extLst>
+              <a:ext uri="{28A0092B-C50C-407E-A947-70E740481C1C}">
+                <a14:useLocalDpi xmlns:a14="http://schemas.microsoft.com/office/drawing/2010/main" val="0"/>
+              </a:ext>
+            </a:extLst>
+          </a:blip>
+          <a:stretch>
+            <a:fillRect/>
+          </a:stretch>
+        </p:blipFill>
+        <p:spPr>
+          <a:xfrm>
+            <a:off x="1788318" y="3747192"/>
+            <a:ext cx="8615363" cy="1348620"/>
+          </a:xfrm>
+          <a:prstGeom prst="rect">
+            <a:avLst/>
+          </a:prstGeom>
+        </p:spPr>
+      </p:pic>
+    </p:spTree>
+    <p:extLst>
+      <p:ext uri="{BB962C8B-B14F-4D97-AF65-F5344CB8AC3E}">
+        <p14:creationId xmlns:p14="http://schemas.microsoft.com/office/powerpoint/2010/main" val="3750044"/>
+      </p:ext>
+    </p:extLst>
+  </p:cSld>
+  <p:clrMapOvr>
+    <a:masterClrMapping/>
+  </p:clrMapOvr>
+</p:sld>
+</file>
+
+<file path=ppt/slides/slide12.xml><?xml version="1.0" encoding="utf-8"?>
+<p:sld xmlns:a="http://schemas.openxmlformats.org/drawingml/2006/main" xmlns:r="http://schemas.openxmlformats.org/officeDocument/2006/relationships" xmlns:p="http://schemas.openxmlformats.org/presentationml/2006/main">
+  <p:cSld>
+    <p:bg>
+      <p:bgPr>
+        <a:blipFill dpi="0" rotWithShape="1">
+          <a:blip r:embed="rId2">
+            <a:lum/>
+          </a:blip>
+          <a:srcRect/>
+          <a:stretch>
+            <a:fillRect/>
+          </a:stretch>
+        </a:blipFill>
+        <a:effectLst/>
+      </p:bgPr>
+    </p:bg>
+    <p:spTree>
+      <p:nvGrpSpPr>
+        <p:cNvPr id="1" name=""/>
+        <p:cNvGrpSpPr/>
+        <p:nvPr/>
+      </p:nvGrpSpPr>
+      <p:grpSpPr>
+        <a:xfrm>
+          <a:off x="0" y="0"/>
+          <a:ext cx="0" cy="0"/>
+          <a:chOff x="0" y="0"/>
+          <a:chExt cx="0" cy="0"/>
+        </a:xfrm>
+      </p:grpSpPr>
+      <p:sp>
+        <p:nvSpPr>
+          <p:cNvPr id="2" name="CasellaDiTesto 1">
+            <a:extLst>
+              <a:ext uri="{FF2B5EF4-FFF2-40B4-BE49-F238E27FC236}">
+                <a16:creationId xmlns:a16="http://schemas.microsoft.com/office/drawing/2014/main" id="{20ED1360-C7DE-4590-BF95-B8C84642AC34}"/>
+              </a:ext>
+            </a:extLst>
+          </p:cNvPr>
+          <p:cNvSpPr txBox="1"/>
+          <p:nvPr/>
+        </p:nvSpPr>
+        <p:spPr>
+          <a:xfrm>
+            <a:off x="742949" y="114300"/>
+            <a:ext cx="7705725" cy="523220"/>
+          </a:xfrm>
+          <a:prstGeom prst="rect">
+            <a:avLst/>
+          </a:prstGeom>
+          <a:noFill/>
+        </p:spPr>
+        <p:txBody>
+          <a:bodyPr wrap="square" rtlCol="0">
+            <a:spAutoFit/>
+          </a:bodyPr>
+          <a:lstStyle/>
+          <a:p>
+            <a:r>
+              <a:rPr lang="it-IT" sz="2800" b="1" dirty="0" err="1">
+                <a:solidFill>
+                  <a:schemeClr val="bg1"/>
+                </a:solidFill>
+              </a:rPr>
+              <a:t>Vehicle</a:t>
+            </a:r>
+            <a:r>
+              <a:rPr lang="it-IT" sz="2800" b="1" dirty="0">
+                <a:solidFill>
+                  <a:schemeClr val="bg1"/>
+                </a:solidFill>
+              </a:rPr>
+              <a:t> tracking </a:t>
+            </a:r>
+            <a:r>
+              <a:rPr lang="it-IT" sz="2800" b="1" dirty="0" err="1">
+                <a:solidFill>
+                  <a:schemeClr val="bg1"/>
+                </a:solidFill>
+              </a:rPr>
+              <a:t>algorithm</a:t>
+            </a:r>
+            <a:r>
+              <a:rPr lang="it-IT" sz="2800" b="1" dirty="0">
+                <a:solidFill>
+                  <a:schemeClr val="bg1"/>
+                </a:solidFill>
+              </a:rPr>
+              <a:t> </a:t>
+            </a:r>
+            <a:r>
+              <a:rPr lang="it-IT" sz="2800" b="1" dirty="0" err="1">
+                <a:solidFill>
+                  <a:schemeClr val="bg1"/>
+                </a:solidFill>
+              </a:rPr>
+              <a:t>Implementation</a:t>
+            </a:r>
+            <a:r>
+              <a:rPr lang="it-IT" sz="2800" b="1" dirty="0">
+                <a:solidFill>
+                  <a:schemeClr val="bg1"/>
+                </a:solidFill>
+              </a:rPr>
+              <a:t> (1)</a:t>
+            </a:r>
+          </a:p>
+        </p:txBody>
+      </p:sp>
+      <p:pic>
+        <p:nvPicPr>
+          <p:cNvPr id="3" name="Immagine 2">
+            <a:extLst>
+              <a:ext uri="{FF2B5EF4-FFF2-40B4-BE49-F238E27FC236}">
+                <a16:creationId xmlns:a16="http://schemas.microsoft.com/office/drawing/2014/main" id="{91BE1F48-9FF7-440C-9C6E-67EC770DB0B4}"/>
+              </a:ext>
+            </a:extLst>
+          </p:cNvPr>
+          <p:cNvPicPr>
+            <a:picLocks noChangeAspect="1"/>
+          </p:cNvPicPr>
+          <p:nvPr/>
+        </p:nvPicPr>
+        <p:blipFill rotWithShape="1">
+          <a:blip r:embed="rId3"/>
+          <a:srcRect r="3479"/>
+          <a:stretch/>
+        </p:blipFill>
+        <p:spPr>
+          <a:xfrm>
+            <a:off x="914724" y="1838325"/>
+            <a:ext cx="10459292" cy="3676066"/>
+          </a:xfrm>
+          <a:prstGeom prst="rect">
+            <a:avLst/>
+          </a:prstGeom>
+        </p:spPr>
+      </p:pic>
+      <p:sp>
+        <p:nvSpPr>
+          <p:cNvPr id="4" name="CasellaDiTesto 3">
+            <a:extLst>
+              <a:ext uri="{FF2B5EF4-FFF2-40B4-BE49-F238E27FC236}">
+                <a16:creationId xmlns:a16="http://schemas.microsoft.com/office/drawing/2014/main" id="{62C5354B-A5C4-45A6-89B6-013FC6FAF650}"/>
+              </a:ext>
+            </a:extLst>
+          </p:cNvPr>
+          <p:cNvSpPr txBox="1"/>
+          <p:nvPr/>
+        </p:nvSpPr>
+        <p:spPr>
+          <a:xfrm>
+            <a:off x="817984" y="1191994"/>
+            <a:ext cx="10556032" cy="646331"/>
+          </a:xfrm>
+          <a:prstGeom prst="rect">
+            <a:avLst/>
+          </a:prstGeom>
+          <a:noFill/>
+        </p:spPr>
+        <p:txBody>
+          <a:bodyPr wrap="square" rtlCol="0">
+            <a:spAutoFit/>
+          </a:bodyPr>
+          <a:lstStyle/>
+          <a:p>
+            <a:pPr algn="ctr"/>
+            <a:r>
+              <a:rPr lang="it-IT" dirty="0" err="1"/>
+              <a:t>All</a:t>
+            </a:r>
+            <a:r>
+              <a:rPr lang="it-IT" dirty="0"/>
+              <a:t> cars </a:t>
+            </a:r>
+            <a:r>
+              <a:rPr lang="it-IT" dirty="0" err="1"/>
+              <a:t>have</a:t>
+            </a:r>
+            <a:r>
+              <a:rPr lang="it-IT" dirty="0"/>
+              <a:t> to </a:t>
+            </a:r>
+            <a:r>
+              <a:rPr lang="it-IT" dirty="0" err="1"/>
+              <a:t>find</a:t>
+            </a:r>
+            <a:r>
+              <a:rPr lang="it-IT" dirty="0"/>
+              <a:t> </a:t>
+            </a:r>
+            <a:r>
+              <a:rPr lang="it-IT" dirty="0" err="1"/>
+              <a:t>their</a:t>
+            </a:r>
+            <a:r>
+              <a:rPr lang="it-IT" dirty="0"/>
+              <a:t> </a:t>
+            </a:r>
+            <a:r>
+              <a:rPr lang="it-IT" dirty="0" err="1"/>
+              <a:t>forward</a:t>
+            </a:r>
+            <a:r>
+              <a:rPr lang="it-IT" dirty="0"/>
+              <a:t> car in order to </a:t>
+            </a:r>
+            <a:r>
+              <a:rPr lang="it-IT" dirty="0" err="1"/>
+              <a:t>adjust</a:t>
+            </a:r>
+            <a:r>
+              <a:rPr lang="it-IT" dirty="0"/>
+              <a:t> </a:t>
+            </a:r>
+            <a:r>
+              <a:rPr lang="it-IT" dirty="0" err="1"/>
+              <a:t>their</a:t>
+            </a:r>
+            <a:r>
+              <a:rPr lang="it-IT" dirty="0"/>
+              <a:t> speed </a:t>
+            </a:r>
+            <a:r>
+              <a:rPr lang="it-IT" dirty="0" err="1"/>
+              <a:t>accordingly</a:t>
+            </a:r>
+            <a:r>
+              <a:rPr lang="it-IT" dirty="0"/>
+              <a:t>.</a:t>
+            </a:r>
+          </a:p>
+          <a:p>
+            <a:pPr algn="ctr"/>
+            <a:r>
+              <a:rPr lang="it-IT" dirty="0"/>
+              <a:t>Procedure to </a:t>
+            </a:r>
+            <a:r>
+              <a:rPr lang="it-IT" dirty="0" err="1"/>
+              <a:t>find</a:t>
+            </a:r>
+            <a:r>
+              <a:rPr lang="it-IT" dirty="0"/>
+              <a:t> the </a:t>
+            </a:r>
+            <a:r>
+              <a:rPr lang="it-IT" dirty="0" err="1"/>
+              <a:t>forward</a:t>
+            </a:r>
+            <a:r>
+              <a:rPr lang="it-IT" dirty="0"/>
+              <a:t> car: </a:t>
+            </a:r>
+          </a:p>
+        </p:txBody>
+      </p:sp>
+    </p:spTree>
+    <p:extLst>
+      <p:ext uri="{BB962C8B-B14F-4D97-AF65-F5344CB8AC3E}">
+        <p14:creationId xmlns:p14="http://schemas.microsoft.com/office/powerpoint/2010/main" val="2247678644"/>
+      </p:ext>
+    </p:extLst>
+  </p:cSld>
+  <p:clrMapOvr>
+    <a:masterClrMapping/>
+  </p:clrMapOvr>
+</p:sld>
+</file>
+
+<file path=ppt/slides/slide13.xml><?xml version="1.0" encoding="utf-8"?>
+<p:sld xmlns:a="http://schemas.openxmlformats.org/drawingml/2006/main" xmlns:r="http://schemas.openxmlformats.org/officeDocument/2006/relationships" xmlns:p="http://schemas.openxmlformats.org/presentationml/2006/main">
+  <p:cSld>
+    <p:bg>
+      <p:bgPr>
+        <a:blipFill dpi="0" rotWithShape="1">
+          <a:blip r:embed="rId2">
+            <a:lum/>
+          </a:blip>
+          <a:srcRect/>
+          <a:stretch>
+            <a:fillRect/>
+          </a:stretch>
+        </a:blipFill>
+        <a:effectLst/>
+      </p:bgPr>
+    </p:bg>
+    <p:spTree>
+      <p:nvGrpSpPr>
+        <p:cNvPr id="1" name=""/>
+        <p:cNvGrpSpPr/>
+        <p:nvPr/>
+      </p:nvGrpSpPr>
+      <p:grpSpPr>
+        <a:xfrm>
+          <a:off x="0" y="0"/>
+          <a:ext cx="0" cy="0"/>
+          <a:chOff x="0" y="0"/>
+          <a:chExt cx="0" cy="0"/>
+        </a:xfrm>
+      </p:grpSpPr>
+      <p:sp>
+        <p:nvSpPr>
           <p:cNvPr id="2" name="CasellaDiTesto 1">
             <a:extLst>
               <a:ext uri="{FF2B5EF4-FFF2-40B4-BE49-F238E27FC236}">
@@ -3915,41 +4538,6 @@
           </a:prstGeom>
         </p:spPr>
       </p:pic>
-      <p:pic>
-        <p:nvPicPr>
-          <p:cNvPr id="18" name="Immagine 17">
-            <a:extLst>
-              <a:ext uri="{FF2B5EF4-FFF2-40B4-BE49-F238E27FC236}">
-                <a16:creationId xmlns:a16="http://schemas.microsoft.com/office/drawing/2014/main" id="{BF1592B9-6C43-4AD0-ADAF-9663AC56D8B6}"/>
-              </a:ext>
-            </a:extLst>
-          </p:cNvPr>
-          <p:cNvPicPr>
-            <a:picLocks noChangeAspect="1"/>
-          </p:cNvPicPr>
-          <p:nvPr/>
-        </p:nvPicPr>
-        <p:blipFill rotWithShape="1">
-          <a:blip r:embed="rId4">
-            <a:extLst>
-              <a:ext uri="{28A0092B-C50C-407E-A947-70E740481C1C}">
-                <a14:useLocalDpi xmlns:a14="http://schemas.microsoft.com/office/drawing/2010/main" val="0"/>
-              </a:ext>
-            </a:extLst>
-          </a:blip>
-          <a:srcRect l="18273" r="25646" b="30010"/>
-          <a:stretch/>
-        </p:blipFill>
-        <p:spPr>
-          <a:xfrm>
-            <a:off x="2383155" y="1938053"/>
-            <a:ext cx="1257300" cy="265364"/>
-          </a:xfrm>
-          <a:prstGeom prst="rect">
-            <a:avLst/>
-          </a:prstGeom>
-        </p:spPr>
-      </p:pic>
       <p:cxnSp>
         <p:nvCxnSpPr>
           <p:cNvPr id="19" name="Connettore 2 18">
@@ -3994,6 +4582,41 @@
           </a:fontRef>
         </p:style>
       </p:cxnSp>
+      <p:pic>
+        <p:nvPicPr>
+          <p:cNvPr id="4" name="Immagine 3">
+            <a:extLst>
+              <a:ext uri="{FF2B5EF4-FFF2-40B4-BE49-F238E27FC236}">
+                <a16:creationId xmlns:a16="http://schemas.microsoft.com/office/drawing/2014/main" id="{24F07102-AB3D-4856-9703-96FE242A124A}"/>
+              </a:ext>
+            </a:extLst>
+          </p:cNvPr>
+          <p:cNvPicPr>
+            <a:picLocks noChangeAspect="1"/>
+          </p:cNvPicPr>
+          <p:nvPr/>
+        </p:nvPicPr>
+        <p:blipFill rotWithShape="1">
+          <a:blip r:embed="rId6">
+            <a:extLst>
+              <a:ext uri="{28A0092B-C50C-407E-A947-70E740481C1C}">
+                <a14:useLocalDpi xmlns:a14="http://schemas.microsoft.com/office/drawing/2010/main" val="0"/>
+              </a:ext>
+            </a:extLst>
+          </a:blip>
+          <a:srcRect l="17137" t="9103" r="28966" b="-2290"/>
+          <a:stretch/>
+        </p:blipFill>
+        <p:spPr>
+          <a:xfrm>
+            <a:off x="2327988" y="1968976"/>
+            <a:ext cx="1300429" cy="296503"/>
+          </a:xfrm>
+          <a:prstGeom prst="rect">
+            <a:avLst/>
+          </a:prstGeom>
+        </p:spPr>
+      </p:pic>
     </p:spTree>
     <p:extLst>
       <p:ext uri="{BB962C8B-B14F-4D97-AF65-F5344CB8AC3E}">
@@ -4271,7 +4894,7 @@
                             </p:stCondLst>
                             <p:childTnLst>
                               <p:par>
-                                <p:cTn id="27" presetID="10" presetClass="entr" presetSubtype="0" fill="hold" nodeType="clickEffect">
+                                <p:cTn id="27" presetID="1" presetClass="entr" presetSubtype="0" fill="hold" nodeType="clickEffect">
                                   <p:stCondLst>
                                     <p:cond delay="0"/>
                                   </p:stCondLst>
@@ -4284,7 +4907,7 @@
                                           </p:stCondLst>
                                         </p:cTn>
                                         <p:tgtEl>
-                                          <p:spTgt spid="18"/>
+                                          <p:spTgt spid="4"/>
                                         </p:tgtEl>
                                         <p:attrNameLst>
                                           <p:attrName>style.visibility</p:attrName>
@@ -4294,26 +4917,18 @@
                                         <p:strVal val="visible"/>
                                       </p:to>
                                     </p:set>
-                                    <p:animEffect transition="in" filter="fade">
-                                      <p:cBhvr>
-                                        <p:cTn id="29" dur="500"/>
-                                        <p:tgtEl>
-                                          <p:spTgt spid="18"/>
-                                        </p:tgtEl>
-                                      </p:cBhvr>
-                                    </p:animEffect>
                                   </p:childTnLst>
                                 </p:cTn>
                               </p:par>
                               <p:par>
-                                <p:cTn id="30" presetID="10" presetClass="entr" presetSubtype="0" fill="hold" nodeType="withEffect">
+                                <p:cTn id="29" presetID="1" presetClass="entr" presetSubtype="0" fill="hold" nodeType="withEffect">
                                   <p:stCondLst>
                                     <p:cond delay="0"/>
                                   </p:stCondLst>
                                   <p:childTnLst>
                                     <p:set>
                                       <p:cBhvr>
-                                        <p:cTn id="31" dur="1" fill="hold">
+                                        <p:cTn id="30" dur="1" fill="hold">
                                           <p:stCondLst>
                                             <p:cond delay="0"/>
                                           </p:stCondLst>
@@ -4329,26 +4944,18 @@
                                         <p:strVal val="visible"/>
                                       </p:to>
                                     </p:set>
-                                    <p:animEffect transition="in" filter="fade">
-                                      <p:cBhvr>
-                                        <p:cTn id="32" dur="500"/>
-                                        <p:tgtEl>
-                                          <p:spTgt spid="16"/>
-                                        </p:tgtEl>
-                                      </p:cBhvr>
-                                    </p:animEffect>
                                   </p:childTnLst>
                                 </p:cTn>
                               </p:par>
                               <p:par>
-                                <p:cTn id="33" presetID="10" presetClass="entr" presetSubtype="0" fill="hold" nodeType="withEffect">
+                                <p:cTn id="31" presetID="1" presetClass="entr" presetSubtype="0" fill="hold" nodeType="withEffect">
                                   <p:stCondLst>
                                     <p:cond delay="0"/>
                                   </p:stCondLst>
                                   <p:childTnLst>
                                     <p:set>
                                       <p:cBhvr>
-                                        <p:cTn id="34" dur="1" fill="hold">
+                                        <p:cTn id="32" dur="1" fill="hold">
                                           <p:stCondLst>
                                             <p:cond delay="0"/>
                                           </p:stCondLst>
@@ -4364,14 +4971,6 @@
                                         <p:strVal val="visible"/>
                                       </p:to>
                                     </p:set>
-                                    <p:animEffect transition="in" filter="fade">
-                                      <p:cBhvr>
-                                        <p:cTn id="35" dur="500"/>
-                                        <p:tgtEl>
-                                          <p:spTgt spid="17"/>
-                                        </p:tgtEl>
-                                      </p:cBhvr>
-                                    </p:animEffect>
                                   </p:childTnLst>
                                 </p:cTn>
                               </p:par>
@@ -4411,7 +5010,7 @@
 </p:sld>
 </file>
 
-<file path=ppt/slides/slide11.xml><?xml version="1.0" encoding="utf-8"?>
+<file path=ppt/slides/slide14.xml><?xml version="1.0" encoding="utf-8"?>
 <p:sld xmlns:a="http://schemas.openxmlformats.org/drawingml/2006/main" xmlns:r="http://schemas.openxmlformats.org/officeDocument/2006/relationships" xmlns:p="http://schemas.openxmlformats.org/presentationml/2006/main">
   <p:cSld>
     <p:bg>
@@ -4516,7 +5115,7 @@
                   <a:schemeClr val="bg1"/>
                 </a:solidFill>
               </a:rPr>
-              <a:t> (4)</a:t>
+              <a:t> (3)</a:t>
             </a:r>
           </a:p>
           <a:p>
@@ -4549,7 +5148,7 @@
         </p:blipFill>
         <p:spPr>
           <a:xfrm>
-            <a:off x="1350646" y="1440543"/>
+            <a:off x="1490881" y="2746829"/>
             <a:ext cx="4678680" cy="895412"/>
           </a:xfrm>
           <a:prstGeom prst="rect">
@@ -4579,7 +5178,7 @@
         </p:blipFill>
         <p:spPr>
           <a:xfrm>
-            <a:off x="1352221" y="2757234"/>
+            <a:off x="1480826" y="1449811"/>
             <a:ext cx="4182059" cy="743054"/>
           </a:xfrm>
           <a:prstGeom prst="rect">
@@ -4609,7 +5208,7 @@
         </p:blipFill>
         <p:spPr>
           <a:xfrm>
-            <a:off x="1480826" y="4259952"/>
+            <a:off x="1490881" y="4196205"/>
             <a:ext cx="3924848" cy="638264"/>
           </a:xfrm>
           <a:prstGeom prst="rect">
@@ -4644,7 +5243,7 @@
         </p:blipFill>
         <p:spPr>
           <a:xfrm>
-            <a:off x="6162676" y="1592896"/>
+            <a:off x="6089115" y="2823242"/>
             <a:ext cx="3471585" cy="456884"/>
           </a:xfrm>
           <a:prstGeom prst="rect">
@@ -4680,7 +5279,7 @@
         </p:blipFill>
         <p:spPr>
           <a:xfrm>
-            <a:off x="6618262" y="4115254"/>
+            <a:off x="6544702" y="4054709"/>
             <a:ext cx="2560410" cy="527143"/>
           </a:xfrm>
           <a:prstGeom prst="rect">
@@ -4690,10 +5289,10 @@
       </p:pic>
       <p:pic>
         <p:nvPicPr>
-          <p:cNvPr id="12" name="Immagine 11">
-            <a:extLst>
-              <a:ext uri="{FF2B5EF4-FFF2-40B4-BE49-F238E27FC236}">
-                <a16:creationId xmlns:a16="http://schemas.microsoft.com/office/drawing/2014/main" id="{86554195-4186-4F86-A49C-BA9367B22182}"/>
+          <p:cNvPr id="5" name="Immagine 4">
+            <a:extLst>
+              <a:ext uri="{FF2B5EF4-FFF2-40B4-BE49-F238E27FC236}">
+                <a16:creationId xmlns:a16="http://schemas.microsoft.com/office/drawing/2014/main" id="{E9180EDE-1023-45C1-95E7-4A84F044C36F}"/>
               </a:ext>
             </a:extLst>
           </p:cNvPr>
@@ -4702,21 +5301,22 @@
           </p:cNvPicPr>
           <p:nvPr/>
         </p:nvPicPr>
-        <p:blipFill rotWithShape="1">
-          <a:blip r:embed="rId6">
+        <p:blipFill>
+          <a:blip r:embed="rId8">
             <a:extLst>
               <a:ext uri="{28A0092B-C50C-407E-A947-70E740481C1C}">
                 <a14:useLocalDpi xmlns:a14="http://schemas.microsoft.com/office/drawing/2010/main" val="0"/>
               </a:ext>
             </a:extLst>
           </a:blip>
-          <a:srcRect b="22180"/>
-          <a:stretch/>
+          <a:stretch>
+            <a:fillRect/>
+          </a:stretch>
         </p:blipFill>
         <p:spPr>
           <a:xfrm>
-            <a:off x="6162675" y="2854075"/>
-            <a:ext cx="3471585" cy="456884"/>
+            <a:off x="6096000" y="1446651"/>
+            <a:ext cx="3464700" cy="456884"/>
           </a:xfrm>
           <a:prstGeom prst="rect">
             <a:avLst/>
@@ -4733,13 +5333,13 @@
   <p:clrMapOvr>
     <a:masterClrMapping/>
   </p:clrMapOvr>
-  <mc:AlternateContent xmlns:mc="http://schemas.openxmlformats.org/markup-compatibility/2006">
-    <mc:Choice xmlns:p159="http://schemas.microsoft.com/office/powerpoint/2015/09/main" Requires="p159">
+  <mc:AlternateContent xmlns:mc="http://schemas.openxmlformats.org/markup-compatibility/2006" xmlns:p159="http://schemas.microsoft.com/office/powerpoint/2015/09/main">
+    <mc:Choice Requires="p159">
       <p:transition xmlns:p14="http://schemas.microsoft.com/office/powerpoint/2010/main" spd="slow" p14:dur="2000">
         <p159:morph option="byObject"/>
       </p:transition>
     </mc:Choice>
-    <mc:Fallback>
+    <mc:Fallback xmlns="">
       <p:transition spd="slow">
         <p:fade/>
       </p:transition>
@@ -4748,7 +5348,7 @@
 </p:sld>
 </file>
 
-<file path=ppt/slides/slide12.xml><?xml version="1.0" encoding="utf-8"?>
+<file path=ppt/slides/slide15.xml><?xml version="1.0" encoding="utf-8"?>
 <p:sld xmlns:a="http://schemas.openxmlformats.org/drawingml/2006/main" xmlns:r="http://schemas.openxmlformats.org/officeDocument/2006/relationships" xmlns:p="http://schemas.openxmlformats.org/presentationml/2006/main">
   <p:cSld>
     <p:bg>
@@ -4853,7 +5453,7 @@
                   <a:schemeClr val="bg1"/>
                 </a:solidFill>
               </a:rPr>
-              <a:t> (2)</a:t>
+              <a:t> (4)</a:t>
             </a:r>
           </a:p>
           <a:p>
@@ -5213,648 +5813,6 @@
 </p:sld>
 </file>
 
-<file path=ppt/slides/slide13.xml><?xml version="1.0" encoding="utf-8"?>
-<p:sld xmlns:a="http://schemas.openxmlformats.org/drawingml/2006/main" xmlns:r="http://schemas.openxmlformats.org/officeDocument/2006/relationships" xmlns:p="http://schemas.openxmlformats.org/presentationml/2006/main">
-  <p:cSld>
-    <p:bg>
-      <p:bgPr>
-        <a:blipFill dpi="0" rotWithShape="1">
-          <a:blip r:embed="rId2">
-            <a:lum/>
-          </a:blip>
-          <a:srcRect/>
-          <a:stretch>
-            <a:fillRect/>
-          </a:stretch>
-        </a:blipFill>
-        <a:effectLst/>
-      </p:bgPr>
-    </p:bg>
-    <p:spTree>
-      <p:nvGrpSpPr>
-        <p:cNvPr id="1" name=""/>
-        <p:cNvGrpSpPr/>
-        <p:nvPr/>
-      </p:nvGrpSpPr>
-      <p:grpSpPr>
-        <a:xfrm>
-          <a:off x="0" y="0"/>
-          <a:ext cx="0" cy="0"/>
-          <a:chOff x="0" y="0"/>
-          <a:chExt cx="0" cy="0"/>
-        </a:xfrm>
-      </p:grpSpPr>
-      <p:sp>
-        <p:nvSpPr>
-          <p:cNvPr id="2" name="CasellaDiTesto 1">
-            <a:extLst>
-              <a:ext uri="{FF2B5EF4-FFF2-40B4-BE49-F238E27FC236}">
-                <a16:creationId xmlns:a16="http://schemas.microsoft.com/office/drawing/2014/main" id="{20ED1360-C7DE-4590-BF95-B8C84642AC34}"/>
-              </a:ext>
-            </a:extLst>
-          </p:cNvPr>
-          <p:cNvSpPr txBox="1"/>
-          <p:nvPr/>
-        </p:nvSpPr>
-        <p:spPr>
-          <a:xfrm>
-            <a:off x="742950" y="114300"/>
-            <a:ext cx="8001000" cy="954107"/>
-          </a:xfrm>
-          <a:prstGeom prst="rect">
-            <a:avLst/>
-          </a:prstGeom>
-          <a:noFill/>
-        </p:spPr>
-        <p:txBody>
-          <a:bodyPr wrap="square" rtlCol="0">
-            <a:spAutoFit/>
-          </a:bodyPr>
-          <a:lstStyle/>
-          <a:p>
-            <a:r>
-              <a:rPr lang="it-IT" sz="2800" b="1" dirty="0" err="1">
-                <a:solidFill>
-                  <a:schemeClr val="bg1"/>
-                </a:solidFill>
-              </a:rPr>
-              <a:t>Vehicle</a:t>
-            </a:r>
-            <a:r>
-              <a:rPr lang="it-IT" sz="2800" b="1" dirty="0">
-                <a:solidFill>
-                  <a:schemeClr val="bg1"/>
-                </a:solidFill>
-              </a:rPr>
-              <a:t> tracking </a:t>
-            </a:r>
-            <a:r>
-              <a:rPr lang="it-IT" sz="2800" b="1" dirty="0" err="1">
-                <a:solidFill>
-                  <a:schemeClr val="bg1"/>
-                </a:solidFill>
-              </a:rPr>
-              <a:t>algorithm</a:t>
-            </a:r>
-            <a:r>
-              <a:rPr lang="it-IT" sz="2800" b="1" dirty="0">
-                <a:solidFill>
-                  <a:schemeClr val="bg1"/>
-                </a:solidFill>
-              </a:rPr>
-              <a:t> </a:t>
-            </a:r>
-            <a:r>
-              <a:rPr lang="it-IT" sz="2800" b="1" dirty="0" err="1">
-                <a:solidFill>
-                  <a:schemeClr val="bg1"/>
-                </a:solidFill>
-              </a:rPr>
-              <a:t>Implementation</a:t>
-            </a:r>
-            <a:r>
-              <a:rPr lang="it-IT" sz="2800" b="1" dirty="0">
-                <a:solidFill>
-                  <a:schemeClr val="bg1"/>
-                </a:solidFill>
-              </a:rPr>
-              <a:t> (3)</a:t>
-            </a:r>
-          </a:p>
-          <a:p>
-            <a:endParaRPr lang="it-IT" sz="2800" b="1" dirty="0">
-              <a:solidFill>
-                <a:schemeClr val="bg1"/>
-              </a:solidFill>
-            </a:endParaRPr>
-          </a:p>
-        </p:txBody>
-      </p:sp>
-      <p:pic>
-        <p:nvPicPr>
-          <p:cNvPr id="5" name="Immagine 4">
-            <a:extLst>
-              <a:ext uri="{FF2B5EF4-FFF2-40B4-BE49-F238E27FC236}">
-                <a16:creationId xmlns:a16="http://schemas.microsoft.com/office/drawing/2014/main" id="{882A71CB-ED90-472C-A159-0856EAA06F82}"/>
-              </a:ext>
-            </a:extLst>
-          </p:cNvPr>
-          <p:cNvPicPr>
-            <a:picLocks noChangeAspect="1"/>
-          </p:cNvPicPr>
-          <p:nvPr/>
-        </p:nvPicPr>
-        <p:blipFill>
-          <a:blip r:embed="rId3"/>
-          <a:stretch>
-            <a:fillRect/>
-          </a:stretch>
-        </p:blipFill>
-        <p:spPr>
-          <a:xfrm>
-            <a:off x="980360" y="2647624"/>
-            <a:ext cx="10231278" cy="2333951"/>
-          </a:xfrm>
-          <a:prstGeom prst="rect">
-            <a:avLst/>
-          </a:prstGeom>
-        </p:spPr>
-      </p:pic>
-      <p:pic>
-        <p:nvPicPr>
-          <p:cNvPr id="8" name="Immagine 7">
-            <a:extLst>
-              <a:ext uri="{FF2B5EF4-FFF2-40B4-BE49-F238E27FC236}">
-                <a16:creationId xmlns:a16="http://schemas.microsoft.com/office/drawing/2014/main" id="{794102C2-0B11-4211-A9C0-377084A75D13}"/>
-              </a:ext>
-            </a:extLst>
-          </p:cNvPr>
-          <p:cNvPicPr>
-            <a:picLocks noChangeAspect="1"/>
-          </p:cNvPicPr>
-          <p:nvPr/>
-        </p:nvPicPr>
-        <p:blipFill>
-          <a:blip r:embed="rId4">
-            <a:extLst>
-              <a:ext uri="{28A0092B-C50C-407E-A947-70E740481C1C}">
-                <a14:useLocalDpi xmlns:a14="http://schemas.microsoft.com/office/drawing/2010/main" val="0"/>
-              </a:ext>
-            </a:extLst>
-          </a:blip>
-          <a:stretch>
-            <a:fillRect/>
-          </a:stretch>
-        </p:blipFill>
-        <p:spPr>
-          <a:xfrm>
-            <a:off x="3587341" y="1068407"/>
-            <a:ext cx="5017317" cy="944908"/>
-          </a:xfrm>
-          <a:prstGeom prst="rect">
-            <a:avLst/>
-          </a:prstGeom>
-        </p:spPr>
-      </p:pic>
-    </p:spTree>
-    <p:extLst>
-      <p:ext uri="{BB962C8B-B14F-4D97-AF65-F5344CB8AC3E}">
-        <p14:creationId xmlns:p14="http://schemas.microsoft.com/office/powerpoint/2010/main" val="2498455681"/>
-      </p:ext>
-    </p:extLst>
-  </p:cSld>
-  <p:clrMapOvr>
-    <a:masterClrMapping/>
-  </p:clrMapOvr>
-  <mc:AlternateContent xmlns:mc="http://schemas.openxmlformats.org/markup-compatibility/2006">
-    <mc:Choice xmlns:p159="http://schemas.microsoft.com/office/powerpoint/2015/09/main" Requires="p159">
-      <p:transition xmlns:p14="http://schemas.microsoft.com/office/powerpoint/2010/main" spd="slow" p14:dur="2000">
-        <p159:morph option="byObject"/>
-      </p:transition>
-    </mc:Choice>
-    <mc:Fallback>
-      <p:transition spd="slow">
-        <p:fade/>
-      </p:transition>
-    </mc:Fallback>
-  </mc:AlternateContent>
-</p:sld>
-</file>
-
-<file path=ppt/slides/slide14.xml><?xml version="1.0" encoding="utf-8"?>
-<p:sld xmlns:a="http://schemas.openxmlformats.org/drawingml/2006/main" xmlns:r="http://schemas.openxmlformats.org/officeDocument/2006/relationships" xmlns:p="http://schemas.openxmlformats.org/presentationml/2006/main">
-  <p:cSld>
-    <p:bg>
-      <p:bgPr>
-        <a:blipFill dpi="0" rotWithShape="1">
-          <a:blip r:embed="rId2">
-            <a:lum/>
-          </a:blip>
-          <a:srcRect/>
-          <a:stretch>
-            <a:fillRect/>
-          </a:stretch>
-        </a:blipFill>
-        <a:effectLst/>
-      </p:bgPr>
-    </p:bg>
-    <p:spTree>
-      <p:nvGrpSpPr>
-        <p:cNvPr id="1" name=""/>
-        <p:cNvGrpSpPr/>
-        <p:nvPr/>
-      </p:nvGrpSpPr>
-      <p:grpSpPr>
-        <a:xfrm>
-          <a:off x="0" y="0"/>
-          <a:ext cx="0" cy="0"/>
-          <a:chOff x="0" y="0"/>
-          <a:chExt cx="0" cy="0"/>
-        </a:xfrm>
-      </p:grpSpPr>
-      <p:sp>
-        <p:nvSpPr>
-          <p:cNvPr id="3" name="CasellaDiTesto 2">
-            <a:extLst>
-              <a:ext uri="{FF2B5EF4-FFF2-40B4-BE49-F238E27FC236}">
-                <a16:creationId xmlns:a16="http://schemas.microsoft.com/office/drawing/2014/main" id="{9F3C8097-D722-4E58-9309-5B1A232602C9}"/>
-              </a:ext>
-            </a:extLst>
-          </p:cNvPr>
-          <p:cNvSpPr txBox="1"/>
-          <p:nvPr/>
-        </p:nvSpPr>
-        <p:spPr>
-          <a:xfrm>
-            <a:off x="276224" y="272534"/>
-            <a:ext cx="7477125" cy="523220"/>
-          </a:xfrm>
-          <a:prstGeom prst="rect">
-            <a:avLst/>
-          </a:prstGeom>
-          <a:noFill/>
-        </p:spPr>
-        <p:txBody>
-          <a:bodyPr wrap="square">
-            <a:spAutoFit/>
-          </a:bodyPr>
-          <a:lstStyle/>
-          <a:p>
-            <a:r>
-              <a:rPr lang="it-IT" sz="2800" b="1" dirty="0" err="1">
-                <a:solidFill>
-                  <a:schemeClr val="bg1"/>
-                </a:solidFill>
-              </a:rPr>
-              <a:t>Merging</a:t>
-            </a:r>
-            <a:r>
-              <a:rPr lang="it-IT" sz="2800" b="1" dirty="0">
-                <a:solidFill>
-                  <a:schemeClr val="bg1"/>
-                </a:solidFill>
-              </a:rPr>
-              <a:t> control </a:t>
-            </a:r>
-            <a:r>
-              <a:rPr lang="it-IT" sz="2800" b="1" dirty="0" err="1">
-                <a:solidFill>
-                  <a:schemeClr val="bg1"/>
-                </a:solidFill>
-              </a:rPr>
-              <a:t>algorithm</a:t>
-            </a:r>
-            <a:r>
-              <a:rPr lang="it-IT" sz="2800" b="1" dirty="0">
-                <a:solidFill>
-                  <a:schemeClr val="bg1"/>
-                </a:solidFill>
-              </a:rPr>
-              <a:t> </a:t>
-            </a:r>
-            <a:r>
-              <a:rPr lang="it-IT" sz="2800" b="1" dirty="0" err="1">
-                <a:solidFill>
-                  <a:schemeClr val="bg1"/>
-                </a:solidFill>
-              </a:rPr>
-              <a:t>Implementation</a:t>
-            </a:r>
-            <a:r>
-              <a:rPr lang="it-IT" sz="2800" b="1" dirty="0">
-                <a:solidFill>
-                  <a:schemeClr val="bg1"/>
-                </a:solidFill>
-              </a:rPr>
-              <a:t> (1)</a:t>
-            </a:r>
-          </a:p>
-        </p:txBody>
-      </p:sp>
-      <p:pic>
-        <p:nvPicPr>
-          <p:cNvPr id="5" name="Immagine 4">
-            <a:extLst>
-              <a:ext uri="{FF2B5EF4-FFF2-40B4-BE49-F238E27FC236}">
-                <a16:creationId xmlns:a16="http://schemas.microsoft.com/office/drawing/2014/main" id="{0C027C5A-56CA-40A7-A006-0A9F6F7514C1}"/>
-              </a:ext>
-            </a:extLst>
-          </p:cNvPr>
-          <p:cNvPicPr>
-            <a:picLocks noChangeAspect="1"/>
-          </p:cNvPicPr>
-          <p:nvPr/>
-        </p:nvPicPr>
-        <p:blipFill>
-          <a:blip r:embed="rId3">
-            <a:extLst>
-              <a:ext uri="{28A0092B-C50C-407E-A947-70E740481C1C}">
-                <a14:useLocalDpi xmlns:a14="http://schemas.microsoft.com/office/drawing/2010/main" val="0"/>
-              </a:ext>
-            </a:extLst>
-          </a:blip>
-          <a:stretch>
-            <a:fillRect/>
-          </a:stretch>
-        </p:blipFill>
-        <p:spPr>
-          <a:xfrm>
-            <a:off x="1790700" y="1847850"/>
-            <a:ext cx="7654608" cy="4305717"/>
-          </a:xfrm>
-          <a:prstGeom prst="rect">
-            <a:avLst/>
-          </a:prstGeom>
-        </p:spPr>
-      </p:pic>
-      <p:sp>
-        <p:nvSpPr>
-          <p:cNvPr id="6" name="CasellaDiTesto 5">
-            <a:extLst>
-              <a:ext uri="{FF2B5EF4-FFF2-40B4-BE49-F238E27FC236}">
-                <a16:creationId xmlns:a16="http://schemas.microsoft.com/office/drawing/2014/main" id="{D57454C1-9C4C-4031-B39A-955289DBEBCE}"/>
-              </a:ext>
-            </a:extLst>
-          </p:cNvPr>
-          <p:cNvSpPr txBox="1"/>
-          <p:nvPr/>
-        </p:nvSpPr>
-        <p:spPr>
-          <a:xfrm>
-            <a:off x="533400" y="1257300"/>
-            <a:ext cx="5162550" cy="369332"/>
-          </a:xfrm>
-          <a:prstGeom prst="rect">
-            <a:avLst/>
-          </a:prstGeom>
-          <a:noFill/>
-        </p:spPr>
-        <p:txBody>
-          <a:bodyPr wrap="square" rtlCol="0">
-            <a:spAutoFit/>
-          </a:bodyPr>
-          <a:lstStyle/>
-          <a:p>
-            <a:r>
-              <a:rPr lang="it-IT" dirty="0" err="1"/>
-              <a:t>Change</a:t>
-            </a:r>
-            <a:r>
-              <a:rPr lang="it-IT" dirty="0"/>
-              <a:t> in the </a:t>
-            </a:r>
-            <a:r>
-              <a:rPr lang="it-IT" dirty="0" err="1"/>
-              <a:t>algorithm</a:t>
-            </a:r>
-            <a:r>
-              <a:rPr lang="it-IT" dirty="0"/>
-              <a:t> to </a:t>
-            </a:r>
-            <a:r>
-              <a:rPr lang="it-IT" dirty="0" err="1"/>
-              <a:t>avoid</a:t>
-            </a:r>
-            <a:r>
-              <a:rPr lang="it-IT" dirty="0"/>
-              <a:t> speed </a:t>
-            </a:r>
-            <a:r>
-              <a:rPr lang="it-IT" dirty="0" err="1"/>
-              <a:t>saturation</a:t>
-            </a:r>
-            <a:r>
-              <a:rPr lang="it-IT" dirty="0"/>
-              <a:t>: </a:t>
-            </a:r>
-          </a:p>
-        </p:txBody>
-      </p:sp>
-    </p:spTree>
-    <p:extLst>
-      <p:ext uri="{BB962C8B-B14F-4D97-AF65-F5344CB8AC3E}">
-        <p14:creationId xmlns:p14="http://schemas.microsoft.com/office/powerpoint/2010/main" val="4139418456"/>
-      </p:ext>
-    </p:extLst>
-  </p:cSld>
-  <p:clrMapOvr>
-    <a:masterClrMapping/>
-  </p:clrMapOvr>
-</p:sld>
-</file>
-
-<file path=ppt/slides/slide15.xml><?xml version="1.0" encoding="utf-8"?>
-<p:sld xmlns:a="http://schemas.openxmlformats.org/drawingml/2006/main" xmlns:r="http://schemas.openxmlformats.org/officeDocument/2006/relationships" xmlns:p="http://schemas.openxmlformats.org/presentationml/2006/main">
-  <p:cSld>
-    <p:bg>
-      <p:bgPr>
-        <a:blipFill dpi="0" rotWithShape="1">
-          <a:blip r:embed="rId2">
-            <a:lum/>
-          </a:blip>
-          <a:srcRect/>
-          <a:stretch>
-            <a:fillRect/>
-          </a:stretch>
-        </a:blipFill>
-        <a:effectLst/>
-      </p:bgPr>
-    </p:bg>
-    <p:spTree>
-      <p:nvGrpSpPr>
-        <p:cNvPr id="1" name=""/>
-        <p:cNvGrpSpPr/>
-        <p:nvPr/>
-      </p:nvGrpSpPr>
-      <p:grpSpPr>
-        <a:xfrm>
-          <a:off x="0" y="0"/>
-          <a:ext cx="0" cy="0"/>
-          <a:chOff x="0" y="0"/>
-          <a:chExt cx="0" cy="0"/>
-        </a:xfrm>
-      </p:grpSpPr>
-      <p:sp>
-        <p:nvSpPr>
-          <p:cNvPr id="2" name="CasellaDiTesto 1">
-            <a:extLst>
-              <a:ext uri="{FF2B5EF4-FFF2-40B4-BE49-F238E27FC236}">
-                <a16:creationId xmlns:a16="http://schemas.microsoft.com/office/drawing/2014/main" id="{09FA6223-91D1-453C-A6AF-452F46CE3BF2}"/>
-              </a:ext>
-            </a:extLst>
-          </p:cNvPr>
-          <p:cNvSpPr txBox="1"/>
-          <p:nvPr/>
-        </p:nvSpPr>
-        <p:spPr>
-          <a:xfrm>
-            <a:off x="276225" y="272534"/>
-            <a:ext cx="6096000" cy="461665"/>
-          </a:xfrm>
-          <a:prstGeom prst="rect">
-            <a:avLst/>
-          </a:prstGeom>
-          <a:noFill/>
-        </p:spPr>
-        <p:txBody>
-          <a:bodyPr wrap="square">
-            <a:spAutoFit/>
-          </a:bodyPr>
-          <a:lstStyle/>
-          <a:p>
-            <a:r>
-              <a:rPr lang="it-IT" sz="2400" b="1" dirty="0" err="1">
-                <a:solidFill>
-                  <a:schemeClr val="bg1"/>
-                </a:solidFill>
-              </a:rPr>
-              <a:t>Merging</a:t>
-            </a:r>
-            <a:r>
-              <a:rPr lang="it-IT" sz="2400" b="1" dirty="0">
-                <a:solidFill>
-                  <a:schemeClr val="bg1"/>
-                </a:solidFill>
-              </a:rPr>
-              <a:t> control </a:t>
-            </a:r>
-            <a:r>
-              <a:rPr lang="it-IT" sz="2400" b="1" dirty="0" err="1">
-                <a:solidFill>
-                  <a:schemeClr val="bg1"/>
-                </a:solidFill>
-              </a:rPr>
-              <a:t>algorithm</a:t>
-            </a:r>
-            <a:r>
-              <a:rPr lang="it-IT" sz="2400" b="1" dirty="0">
-                <a:solidFill>
-                  <a:schemeClr val="bg1"/>
-                </a:solidFill>
-              </a:rPr>
-              <a:t> </a:t>
-            </a:r>
-            <a:r>
-              <a:rPr lang="it-IT" sz="2400" b="1" dirty="0" err="1">
-                <a:solidFill>
-                  <a:schemeClr val="bg1"/>
-                </a:solidFill>
-              </a:rPr>
-              <a:t>Implementation</a:t>
-            </a:r>
-            <a:r>
-              <a:rPr lang="it-IT" sz="2400" b="1" dirty="0">
-                <a:solidFill>
-                  <a:schemeClr val="bg1"/>
-                </a:solidFill>
-              </a:rPr>
-              <a:t> (2)</a:t>
-            </a:r>
-          </a:p>
-        </p:txBody>
-      </p:sp>
-      <p:pic>
-        <p:nvPicPr>
-          <p:cNvPr id="3" name="Immagine 2">
-            <a:extLst>
-              <a:ext uri="{FF2B5EF4-FFF2-40B4-BE49-F238E27FC236}">
-                <a16:creationId xmlns:a16="http://schemas.microsoft.com/office/drawing/2014/main" id="{C7F7A018-BFA2-427B-8D1E-97FBCBE5CC1A}"/>
-              </a:ext>
-            </a:extLst>
-          </p:cNvPr>
-          <p:cNvPicPr>
-            <a:picLocks noChangeAspect="1"/>
-          </p:cNvPicPr>
-          <p:nvPr/>
-        </p:nvPicPr>
-        <p:blipFill>
-          <a:blip r:embed="rId3"/>
-          <a:stretch>
-            <a:fillRect/>
-          </a:stretch>
-        </p:blipFill>
-        <p:spPr>
-          <a:xfrm>
-            <a:off x="152400" y="2189692"/>
-            <a:ext cx="11153773" cy="2478616"/>
-          </a:xfrm>
-          <a:prstGeom prst="rect">
-            <a:avLst/>
-          </a:prstGeom>
-        </p:spPr>
-      </p:pic>
-      <p:sp>
-        <p:nvSpPr>
-          <p:cNvPr id="4" name="CasellaDiTesto 3">
-            <a:extLst>
-              <a:ext uri="{FF2B5EF4-FFF2-40B4-BE49-F238E27FC236}">
-                <a16:creationId xmlns:a16="http://schemas.microsoft.com/office/drawing/2014/main" id="{23F8A9BE-40DB-4B32-A5C9-92D3A5E2A508}"/>
-              </a:ext>
-            </a:extLst>
-          </p:cNvPr>
-          <p:cNvSpPr txBox="1"/>
-          <p:nvPr/>
-        </p:nvSpPr>
-        <p:spPr>
-          <a:xfrm>
-            <a:off x="4027251" y="1702340"/>
-            <a:ext cx="8931697" cy="369332"/>
-          </a:xfrm>
-          <a:prstGeom prst="rect">
-            <a:avLst/>
-          </a:prstGeom>
-          <a:noFill/>
-        </p:spPr>
-        <p:txBody>
-          <a:bodyPr wrap="square" rtlCol="0">
-            <a:spAutoFit/>
-          </a:bodyPr>
-          <a:lstStyle/>
-          <a:p>
-            <a:r>
-              <a:rPr lang="it-IT" dirty="0"/>
-              <a:t>Procedure to </a:t>
-            </a:r>
-            <a:r>
-              <a:rPr lang="it-IT" dirty="0" err="1"/>
-              <a:t>find</a:t>
-            </a:r>
-            <a:r>
-              <a:rPr lang="it-IT" dirty="0"/>
-              <a:t> the </a:t>
-            </a:r>
-            <a:r>
-              <a:rPr lang="it-IT" dirty="0" err="1"/>
-              <a:t>associated</a:t>
-            </a:r>
-            <a:r>
-              <a:rPr lang="it-IT" dirty="0"/>
-              <a:t> car in the </a:t>
-            </a:r>
-            <a:r>
-              <a:rPr lang="it-IT" dirty="0" err="1"/>
-              <a:t>main</a:t>
-            </a:r>
-            <a:r>
-              <a:rPr lang="it-IT" dirty="0"/>
-              <a:t> lane </a:t>
-            </a:r>
-          </a:p>
-        </p:txBody>
-      </p:sp>
-    </p:spTree>
-    <p:extLst>
-      <p:ext uri="{BB962C8B-B14F-4D97-AF65-F5344CB8AC3E}">
-        <p14:creationId xmlns:p14="http://schemas.microsoft.com/office/powerpoint/2010/main" val="1820295436"/>
-      </p:ext>
-    </p:extLst>
-  </p:cSld>
-  <p:clrMapOvr>
-    <a:masterClrMapping/>
-  </p:clrMapOvr>
-</p:sld>
-</file>
-
 <file path=ppt/slides/slide16.xml><?xml version="1.0" encoding="utf-8"?>
 <p:sld xmlns:a="http://schemas.openxmlformats.org/drawingml/2006/main" xmlns:r="http://schemas.openxmlformats.org/officeDocument/2006/relationships" xmlns:p="http://schemas.openxmlformats.org/presentationml/2006/main">
   <p:cSld>
@@ -5891,7 +5849,7 @@
           <p:cNvPr id="2" name="CasellaDiTesto 1">
             <a:extLst>
               <a:ext uri="{FF2B5EF4-FFF2-40B4-BE49-F238E27FC236}">
-                <a16:creationId xmlns:a16="http://schemas.microsoft.com/office/drawing/2014/main" id="{88F45707-6789-4500-8EBD-E6F8A37B7662}"/>
+                <a16:creationId xmlns:a16="http://schemas.microsoft.com/office/drawing/2014/main" id="{20ED1360-C7DE-4590-BF95-B8C84642AC34}"/>
               </a:ext>
             </a:extLst>
           </p:cNvPr>
@@ -5900,8 +5858,8 @@
         </p:nvSpPr>
         <p:spPr>
           <a:xfrm>
-            <a:off x="276225" y="272534"/>
-            <a:ext cx="7067550" cy="523220"/>
+            <a:off x="742950" y="114300"/>
+            <a:ext cx="8001000" cy="954107"/>
           </a:xfrm>
           <a:prstGeom prst="rect">
             <a:avLst/>
@@ -5909,7 +5867,7 @@
           <a:noFill/>
         </p:spPr>
         <p:txBody>
-          <a:bodyPr wrap="square">
+          <a:bodyPr wrap="square" rtlCol="0">
             <a:spAutoFit/>
           </a:bodyPr>
           <a:lstStyle/>
@@ -5920,7 +5878,7 @@
                   <a:schemeClr val="bg1"/>
                 </a:solidFill>
               </a:rPr>
-              <a:t>Merging</a:t>
+              <a:t>Vehicle</a:t>
             </a:r>
             <a:r>
               <a:rPr lang="it-IT" sz="2800" b="1" dirty="0">
@@ -5928,7 +5886,7 @@
                   <a:schemeClr val="bg1"/>
                 </a:solidFill>
               </a:rPr>
-              <a:t> control </a:t>
+              <a:t> tracking </a:t>
             </a:r>
             <a:r>
               <a:rPr lang="it-IT" sz="2800" b="1" dirty="0" err="1">
@@ -5960,17 +5918,24 @@
                   <a:schemeClr val="bg1"/>
                 </a:solidFill>
               </a:rPr>
-              <a:t> (3)</a:t>
-            </a:r>
+              <a:t> (5)</a:t>
+            </a:r>
+          </a:p>
+          <a:p>
+            <a:endParaRPr lang="it-IT" sz="2800" b="1" dirty="0">
+              <a:solidFill>
+                <a:schemeClr val="bg1"/>
+              </a:solidFill>
+            </a:endParaRPr>
           </a:p>
         </p:txBody>
       </p:sp>
       <p:pic>
         <p:nvPicPr>
-          <p:cNvPr id="3" name="Immagine 2">
-            <a:extLst>
-              <a:ext uri="{FF2B5EF4-FFF2-40B4-BE49-F238E27FC236}">
-                <a16:creationId xmlns:a16="http://schemas.microsoft.com/office/drawing/2014/main" id="{30F8B3A4-49FE-45F7-90B7-6A3330962693}"/>
+          <p:cNvPr id="5" name="Immagine 4">
+            <a:extLst>
+              <a:ext uri="{FF2B5EF4-FFF2-40B4-BE49-F238E27FC236}">
+                <a16:creationId xmlns:a16="http://schemas.microsoft.com/office/drawing/2014/main" id="{882A71CB-ED90-472C-A159-0856EAA06F82}"/>
               </a:ext>
             </a:extLst>
           </p:cNvPr>
@@ -5987,67 +5952,72 @@
         </p:blipFill>
         <p:spPr>
           <a:xfrm>
-            <a:off x="1395256" y="1914444"/>
-            <a:ext cx="2238687" cy="1162212"/>
+            <a:off x="980360" y="2647624"/>
+            <a:ext cx="10231278" cy="2333951"/>
           </a:xfrm>
           <a:prstGeom prst="rect">
             <a:avLst/>
           </a:prstGeom>
         </p:spPr>
       </p:pic>
-      <p:sp>
-        <p:nvSpPr>
-          <p:cNvPr id="4" name="CasellaDiTesto 3">
-            <a:extLst>
-              <a:ext uri="{FF2B5EF4-FFF2-40B4-BE49-F238E27FC236}">
-                <a16:creationId xmlns:a16="http://schemas.microsoft.com/office/drawing/2014/main" id="{3B8017D1-C37D-4C30-AD92-38A1FE8AF508}"/>
-              </a:ext>
-            </a:extLst>
-          </p:cNvPr>
-          <p:cNvSpPr txBox="1"/>
+      <p:pic>
+        <p:nvPicPr>
+          <p:cNvPr id="8" name="Immagine 7">
+            <a:extLst>
+              <a:ext uri="{FF2B5EF4-FFF2-40B4-BE49-F238E27FC236}">
+                <a16:creationId xmlns:a16="http://schemas.microsoft.com/office/drawing/2014/main" id="{794102C2-0B11-4211-A9C0-377084A75D13}"/>
+              </a:ext>
+            </a:extLst>
+          </p:cNvPr>
+          <p:cNvPicPr>
+            <a:picLocks noChangeAspect="1"/>
+          </p:cNvPicPr>
           <p:nvPr/>
-        </p:nvSpPr>
-        <p:spPr>
-          <a:xfrm>
-            <a:off x="4543425" y="2310884"/>
-            <a:ext cx="1923475" cy="369332"/>
+        </p:nvPicPr>
+        <p:blipFill>
+          <a:blip r:embed="rId4">
+            <a:extLst>
+              <a:ext uri="{28A0092B-C50C-407E-A947-70E740481C1C}">
+                <a14:useLocalDpi xmlns:a14="http://schemas.microsoft.com/office/drawing/2010/main" val="0"/>
+              </a:ext>
+            </a:extLst>
+          </a:blip>
+          <a:stretch>
+            <a:fillRect/>
+          </a:stretch>
+        </p:blipFill>
+        <p:spPr>
+          <a:xfrm>
+            <a:off x="3587341" y="1068407"/>
+            <a:ext cx="5017317" cy="944908"/>
           </a:xfrm>
           <a:prstGeom prst="rect">
             <a:avLst/>
           </a:prstGeom>
-          <a:noFill/>
-        </p:spPr>
-        <p:txBody>
-          <a:bodyPr wrap="none" rtlCol="0">
-            <a:spAutoFit/>
-          </a:bodyPr>
-          <a:lstStyle/>
-          <a:p>
-            <a:r>
-              <a:rPr lang="it-IT" dirty="0"/>
-              <a:t>Nel </a:t>
-            </a:r>
-            <a:r>
-              <a:rPr lang="it-IT" dirty="0" err="1"/>
-              <a:t>merging</a:t>
-            </a:r>
-            <a:r>
-              <a:rPr lang="it-IT" dirty="0"/>
-              <a:t> point </a:t>
-            </a:r>
-          </a:p>
-        </p:txBody>
-      </p:sp>
+        </p:spPr>
+      </p:pic>
     </p:spTree>
     <p:extLst>
       <p:ext uri="{BB962C8B-B14F-4D97-AF65-F5344CB8AC3E}">
-        <p14:creationId xmlns:p14="http://schemas.microsoft.com/office/powerpoint/2010/main" val="1520757139"/>
+        <p14:creationId xmlns:p14="http://schemas.microsoft.com/office/powerpoint/2010/main" val="2498455681"/>
       </p:ext>
     </p:extLst>
   </p:cSld>
   <p:clrMapOvr>
     <a:masterClrMapping/>
   </p:clrMapOvr>
+  <mc:AlternateContent xmlns:mc="http://schemas.openxmlformats.org/markup-compatibility/2006" xmlns:p159="http://schemas.microsoft.com/office/powerpoint/2015/09/main">
+    <mc:Choice Requires="p159">
+      <p:transition xmlns:p14="http://schemas.microsoft.com/office/powerpoint/2010/main" spd="slow" p14:dur="2000">
+        <p159:morph option="byObject"/>
+      </p:transition>
+    </mc:Choice>
+    <mc:Fallback xmlns="">
+      <p:transition spd="slow">
+        <p:fade/>
+      </p:transition>
+    </mc:Fallback>
+  </mc:AlternateContent>
 </p:sld>
 </file>
 
@@ -6084,10 +6054,10 @@
       </p:grpSpPr>
       <p:sp>
         <p:nvSpPr>
-          <p:cNvPr id="7" name="CasellaDiTesto 6">
-            <a:extLst>
-              <a:ext uri="{FF2B5EF4-FFF2-40B4-BE49-F238E27FC236}">
-                <a16:creationId xmlns:a16="http://schemas.microsoft.com/office/drawing/2014/main" id="{7501EB74-63B6-4B7B-B7BB-781D8B95C59D}"/>
+          <p:cNvPr id="3" name="CasellaDiTesto 2">
+            <a:extLst>
+              <a:ext uri="{FF2B5EF4-FFF2-40B4-BE49-F238E27FC236}">
+                <a16:creationId xmlns:a16="http://schemas.microsoft.com/office/drawing/2014/main" id="{9F3C8097-D722-4E58-9309-5B1A232602C9}"/>
               </a:ext>
             </a:extLst>
           </p:cNvPr>
@@ -6096,8 +6066,8 @@
         </p:nvSpPr>
         <p:spPr>
           <a:xfrm>
-            <a:off x="8210550" y="3167390"/>
-            <a:ext cx="2094612" cy="523220"/>
+            <a:off x="276224" y="272534"/>
+            <a:ext cx="7477125" cy="523220"/>
           </a:xfrm>
           <a:prstGeom prst="rect">
             <a:avLst/>
@@ -6105,14 +6075,157 @@
           <a:noFill/>
         </p:spPr>
         <p:txBody>
-          <a:bodyPr wrap="none" rtlCol="0">
+          <a:bodyPr wrap="square">
             <a:spAutoFit/>
           </a:bodyPr>
           <a:lstStyle/>
           <a:p>
             <a:r>
-              <a:rPr lang="it-IT" sz="2800" b="1" dirty="0"/>
-              <a:t>SIMULATION</a:t>
+              <a:rPr lang="it-IT" sz="2800" b="1" dirty="0" err="1">
+                <a:solidFill>
+                  <a:schemeClr val="bg1"/>
+                </a:solidFill>
+              </a:rPr>
+              <a:t>Merging</a:t>
+            </a:r>
+            <a:r>
+              <a:rPr lang="it-IT" sz="2800" b="1" dirty="0">
+                <a:solidFill>
+                  <a:schemeClr val="bg1"/>
+                </a:solidFill>
+              </a:rPr>
+              <a:t> control </a:t>
+            </a:r>
+            <a:r>
+              <a:rPr lang="it-IT" sz="2800" b="1" dirty="0" err="1">
+                <a:solidFill>
+                  <a:schemeClr val="bg1"/>
+                </a:solidFill>
+              </a:rPr>
+              <a:t>algorithm</a:t>
+            </a:r>
+            <a:r>
+              <a:rPr lang="it-IT" sz="2800" b="1" dirty="0">
+                <a:solidFill>
+                  <a:schemeClr val="bg1"/>
+                </a:solidFill>
+              </a:rPr>
+              <a:t> </a:t>
+            </a:r>
+            <a:r>
+              <a:rPr lang="it-IT" sz="2800" b="1" dirty="0" err="1">
+                <a:solidFill>
+                  <a:schemeClr val="bg1"/>
+                </a:solidFill>
+              </a:rPr>
+              <a:t>Implementation</a:t>
+            </a:r>
+            <a:r>
+              <a:rPr lang="it-IT" sz="2800" b="1" dirty="0">
+                <a:solidFill>
+                  <a:schemeClr val="bg1"/>
+                </a:solidFill>
+              </a:rPr>
+              <a:t> (1)</a:t>
+            </a:r>
+          </a:p>
+        </p:txBody>
+      </p:sp>
+      <p:pic>
+        <p:nvPicPr>
+          <p:cNvPr id="5" name="Immagine 4">
+            <a:extLst>
+              <a:ext uri="{FF2B5EF4-FFF2-40B4-BE49-F238E27FC236}">
+                <a16:creationId xmlns:a16="http://schemas.microsoft.com/office/drawing/2014/main" id="{0C027C5A-56CA-40A7-A006-0A9F6F7514C1}"/>
+              </a:ext>
+            </a:extLst>
+          </p:cNvPr>
+          <p:cNvPicPr>
+            <a:picLocks noChangeAspect="1"/>
+          </p:cNvPicPr>
+          <p:nvPr/>
+        </p:nvPicPr>
+        <p:blipFill>
+          <a:blip r:embed="rId3">
+            <a:extLst>
+              <a:ext uri="{28A0092B-C50C-407E-A947-70E740481C1C}">
+                <a14:useLocalDpi xmlns:a14="http://schemas.microsoft.com/office/drawing/2010/main" val="0"/>
+              </a:ext>
+            </a:extLst>
+          </a:blip>
+          <a:stretch>
+            <a:fillRect/>
+          </a:stretch>
+        </p:blipFill>
+        <p:spPr>
+          <a:xfrm>
+            <a:off x="1893337" y="1922494"/>
+            <a:ext cx="7654608" cy="4305717"/>
+          </a:xfrm>
+          <a:prstGeom prst="rect">
+            <a:avLst/>
+          </a:prstGeom>
+        </p:spPr>
+      </p:pic>
+      <p:sp>
+        <p:nvSpPr>
+          <p:cNvPr id="6" name="CasellaDiTesto 5">
+            <a:extLst>
+              <a:ext uri="{FF2B5EF4-FFF2-40B4-BE49-F238E27FC236}">
+                <a16:creationId xmlns:a16="http://schemas.microsoft.com/office/drawing/2014/main" id="{D57454C1-9C4C-4031-B39A-955289DBEBCE}"/>
+              </a:ext>
+            </a:extLst>
+          </p:cNvPr>
+          <p:cNvSpPr txBox="1"/>
+          <p:nvPr/>
+        </p:nvSpPr>
+        <p:spPr>
+          <a:xfrm>
+            <a:off x="533399" y="1257300"/>
+            <a:ext cx="6501883" cy="400110"/>
+          </a:xfrm>
+          <a:prstGeom prst="rect">
+            <a:avLst/>
+          </a:prstGeom>
+          <a:noFill/>
+        </p:spPr>
+        <p:txBody>
+          <a:bodyPr wrap="square" rtlCol="0">
+            <a:spAutoFit/>
+          </a:bodyPr>
+          <a:lstStyle/>
+          <a:p>
+            <a:r>
+              <a:rPr lang="it-IT" sz="2000" dirty="0" err="1"/>
+              <a:t>Changes</a:t>
+            </a:r>
+            <a:r>
+              <a:rPr lang="it-IT" sz="2000" dirty="0"/>
+              <a:t> in the </a:t>
+            </a:r>
+            <a:r>
+              <a:rPr lang="it-IT" sz="2000" dirty="0" err="1"/>
+              <a:t>algorithm</a:t>
+            </a:r>
+            <a:r>
+              <a:rPr lang="it-IT" sz="2000" dirty="0"/>
+              <a:t> in order to </a:t>
+            </a:r>
+            <a:r>
+              <a:rPr lang="it-IT" sz="2000" b="1" dirty="0" err="1"/>
+              <a:t>avoid</a:t>
+            </a:r>
+            <a:r>
+              <a:rPr lang="it-IT" sz="2000" b="1" dirty="0"/>
+              <a:t> speed </a:t>
+            </a:r>
+            <a:r>
+              <a:rPr lang="it-IT" sz="2000" b="1" dirty="0" err="1"/>
+              <a:t>saturation</a:t>
+            </a:r>
+            <a:r>
+              <a:rPr lang="it-IT" sz="2000" dirty="0"/>
+              <a:t>: </a:t>
             </a:r>
           </a:p>
         </p:txBody>
@@ -6120,7 +6233,7 @@
     </p:spTree>
     <p:extLst>
       <p:ext uri="{BB962C8B-B14F-4D97-AF65-F5344CB8AC3E}">
-        <p14:creationId xmlns:p14="http://schemas.microsoft.com/office/powerpoint/2010/main" val="2369498941"/>
+        <p14:creationId xmlns:p14="http://schemas.microsoft.com/office/powerpoint/2010/main" val="4139418456"/>
       </p:ext>
     </p:extLst>
   </p:cSld>
@@ -6166,7 +6279,7 @@
           <p:cNvPr id="2" name="CasellaDiTesto 1">
             <a:extLst>
               <a:ext uri="{FF2B5EF4-FFF2-40B4-BE49-F238E27FC236}">
-                <a16:creationId xmlns:a16="http://schemas.microsoft.com/office/drawing/2014/main" id="{B953746A-4E80-4A20-81D8-886B26F27555}"/>
+                <a16:creationId xmlns:a16="http://schemas.microsoft.com/office/drawing/2014/main" id="{09FA6223-91D1-453C-A6AF-452F46CE3BF2}"/>
               </a:ext>
             </a:extLst>
           </p:cNvPr>
@@ -6175,8 +6288,8 @@
         </p:nvSpPr>
         <p:spPr>
           <a:xfrm>
-            <a:off x="3657600" y="2362200"/>
-            <a:ext cx="3882986" cy="1200329"/>
+            <a:off x="276225" y="272534"/>
+            <a:ext cx="6096000" cy="461665"/>
           </a:xfrm>
           <a:prstGeom prst="rect">
             <a:avLst/>
@@ -6184,36 +6297,148 @@
           <a:noFill/>
         </p:spPr>
         <p:txBody>
-          <a:bodyPr wrap="none" rtlCol="0">
+          <a:bodyPr wrap="square">
             <a:spAutoFit/>
           </a:bodyPr>
           <a:lstStyle/>
           <a:p>
             <a:r>
-              <a:rPr lang="it-IT" dirty="0"/>
-              <a:t>Scrivi tutti i parametri che valori hanno </a:t>
-            </a:r>
-          </a:p>
-          <a:p>
-            <a:r>
-              <a:rPr lang="it-IT" dirty="0"/>
-              <a:t>Acc</a:t>
-            </a:r>
-          </a:p>
-          <a:p>
-            <a:r>
-              <a:rPr lang="it-IT" dirty="0" err="1"/>
-              <a:t>Dec</a:t>
-            </a:r>
-            <a:r>
-              <a:rPr lang="it-IT" dirty="0"/>
+              <a:rPr lang="it-IT" sz="2400" b="1" dirty="0" err="1">
+                <a:solidFill>
+                  <a:schemeClr val="bg1"/>
+                </a:solidFill>
+              </a:rPr>
+              <a:t>Merging</a:t>
+            </a:r>
+            <a:r>
+              <a:rPr lang="it-IT" sz="2400" b="1" dirty="0">
+                <a:solidFill>
+                  <a:schemeClr val="bg1"/>
+                </a:solidFill>
+              </a:rPr>
+              <a:t> control </a:t>
+            </a:r>
+            <a:r>
+              <a:rPr lang="it-IT" sz="2400" b="1" dirty="0" err="1">
+                <a:solidFill>
+                  <a:schemeClr val="bg1"/>
+                </a:solidFill>
+              </a:rPr>
+              <a:t>algorithm</a:t>
+            </a:r>
+            <a:r>
+              <a:rPr lang="it-IT" sz="2400" b="1" dirty="0">
+                <a:solidFill>
+                  <a:schemeClr val="bg1"/>
+                </a:solidFill>
+              </a:rPr>
               <a:t> </a:t>
             </a:r>
-          </a:p>
-          <a:p>
-            <a:r>
-              <a:rPr lang="it-IT" dirty="0"/>
-              <a:t>….</a:t>
+            <a:r>
+              <a:rPr lang="it-IT" sz="2400" b="1" dirty="0" err="1">
+                <a:solidFill>
+                  <a:schemeClr val="bg1"/>
+                </a:solidFill>
+              </a:rPr>
+              <a:t>Implementation</a:t>
+            </a:r>
+            <a:r>
+              <a:rPr lang="it-IT" sz="2400" b="1" dirty="0">
+                <a:solidFill>
+                  <a:schemeClr val="bg1"/>
+                </a:solidFill>
+              </a:rPr>
+              <a:t> (2)</a:t>
+            </a:r>
+          </a:p>
+        </p:txBody>
+      </p:sp>
+      <p:pic>
+        <p:nvPicPr>
+          <p:cNvPr id="3" name="Immagine 2">
+            <a:extLst>
+              <a:ext uri="{FF2B5EF4-FFF2-40B4-BE49-F238E27FC236}">
+                <a16:creationId xmlns:a16="http://schemas.microsoft.com/office/drawing/2014/main" id="{C7F7A018-BFA2-427B-8D1E-97FBCBE5CC1A}"/>
+              </a:ext>
+            </a:extLst>
+          </p:cNvPr>
+          <p:cNvPicPr>
+            <a:picLocks noChangeAspect="1"/>
+          </p:cNvPicPr>
+          <p:nvPr/>
+        </p:nvPicPr>
+        <p:blipFill>
+          <a:blip r:embed="rId3"/>
+          <a:stretch>
+            <a:fillRect/>
+          </a:stretch>
+        </p:blipFill>
+        <p:spPr>
+          <a:xfrm>
+            <a:off x="145596" y="2590907"/>
+            <a:ext cx="11153773" cy="2478616"/>
+          </a:xfrm>
+          <a:prstGeom prst="rect">
+            <a:avLst/>
+          </a:prstGeom>
+        </p:spPr>
+      </p:pic>
+      <p:sp>
+        <p:nvSpPr>
+          <p:cNvPr id="4" name="CasellaDiTesto 3">
+            <a:extLst>
+              <a:ext uri="{FF2B5EF4-FFF2-40B4-BE49-F238E27FC236}">
+                <a16:creationId xmlns:a16="http://schemas.microsoft.com/office/drawing/2014/main" id="{23F8A9BE-40DB-4B32-A5C9-92D3A5E2A508}"/>
+              </a:ext>
+            </a:extLst>
+          </p:cNvPr>
+          <p:cNvSpPr txBox="1"/>
+          <p:nvPr/>
+        </p:nvSpPr>
+        <p:spPr>
+          <a:xfrm>
+            <a:off x="-130627" y="1786316"/>
+            <a:ext cx="12100532" cy="400110"/>
+          </a:xfrm>
+          <a:prstGeom prst="rect">
+            <a:avLst/>
+          </a:prstGeom>
+          <a:noFill/>
+        </p:spPr>
+        <p:txBody>
+          <a:bodyPr wrap="square" rtlCol="0">
+            <a:spAutoFit/>
+          </a:bodyPr>
+          <a:lstStyle/>
+          <a:p>
+            <a:pPr algn="ctr"/>
+            <a:r>
+              <a:rPr lang="it-IT" sz="2000" dirty="0"/>
+              <a:t>Procedure to </a:t>
+            </a:r>
+            <a:r>
+              <a:rPr lang="it-IT" sz="2000" dirty="0" err="1"/>
+              <a:t>find</a:t>
+            </a:r>
+            <a:r>
+              <a:rPr lang="it-IT" sz="2000" dirty="0"/>
+              <a:t> the </a:t>
+            </a:r>
+            <a:r>
+              <a:rPr lang="it-IT" sz="2000" dirty="0" err="1"/>
+              <a:t>associated</a:t>
+            </a:r>
+            <a:r>
+              <a:rPr lang="it-IT" sz="2000" dirty="0"/>
+              <a:t> car in the </a:t>
+            </a:r>
+            <a:r>
+              <a:rPr lang="it-IT" sz="2000" dirty="0" err="1"/>
+              <a:t>main</a:t>
+            </a:r>
+            <a:r>
+              <a:rPr lang="it-IT" sz="2000" dirty="0"/>
+              <a:t> lane </a:t>
             </a:r>
           </a:p>
         </p:txBody>
@@ -6221,7 +6446,7 @@
     </p:spTree>
     <p:extLst>
       <p:ext uri="{BB962C8B-B14F-4D97-AF65-F5344CB8AC3E}">
-        <p14:creationId xmlns:p14="http://schemas.microsoft.com/office/powerpoint/2010/main" val="901659302"/>
+        <p14:creationId xmlns:p14="http://schemas.microsoft.com/office/powerpoint/2010/main" val="1820295436"/>
       </p:ext>
     </p:extLst>
   </p:cSld>
@@ -6262,10 +6487,162 @@
           <a:chExt cx="0" cy="0"/>
         </a:xfrm>
       </p:grpSpPr>
+      <p:sp>
+        <p:nvSpPr>
+          <p:cNvPr id="2" name="CasellaDiTesto 1">
+            <a:extLst>
+              <a:ext uri="{FF2B5EF4-FFF2-40B4-BE49-F238E27FC236}">
+                <a16:creationId xmlns:a16="http://schemas.microsoft.com/office/drawing/2014/main" id="{88F45707-6789-4500-8EBD-E6F8A37B7662}"/>
+              </a:ext>
+            </a:extLst>
+          </p:cNvPr>
+          <p:cNvSpPr txBox="1"/>
+          <p:nvPr/>
+        </p:nvSpPr>
+        <p:spPr>
+          <a:xfrm>
+            <a:off x="276225" y="272534"/>
+            <a:ext cx="7067550" cy="523220"/>
+          </a:xfrm>
+          <a:prstGeom prst="rect">
+            <a:avLst/>
+          </a:prstGeom>
+          <a:noFill/>
+        </p:spPr>
+        <p:txBody>
+          <a:bodyPr wrap="square">
+            <a:spAutoFit/>
+          </a:bodyPr>
+          <a:lstStyle/>
+          <a:p>
+            <a:r>
+              <a:rPr lang="it-IT" sz="2800" b="1" dirty="0" err="1">
+                <a:solidFill>
+                  <a:schemeClr val="bg1"/>
+                </a:solidFill>
+              </a:rPr>
+              <a:t>Merging</a:t>
+            </a:r>
+            <a:r>
+              <a:rPr lang="it-IT" sz="2800" b="1" dirty="0">
+                <a:solidFill>
+                  <a:schemeClr val="bg1"/>
+                </a:solidFill>
+              </a:rPr>
+              <a:t> control </a:t>
+            </a:r>
+            <a:r>
+              <a:rPr lang="it-IT" sz="2800" b="1" dirty="0" err="1">
+                <a:solidFill>
+                  <a:schemeClr val="bg1"/>
+                </a:solidFill>
+              </a:rPr>
+              <a:t>algorithm</a:t>
+            </a:r>
+            <a:r>
+              <a:rPr lang="it-IT" sz="2800" b="1" dirty="0">
+                <a:solidFill>
+                  <a:schemeClr val="bg1"/>
+                </a:solidFill>
+              </a:rPr>
+              <a:t> </a:t>
+            </a:r>
+            <a:r>
+              <a:rPr lang="it-IT" sz="2800" b="1" dirty="0" err="1">
+                <a:solidFill>
+                  <a:schemeClr val="bg1"/>
+                </a:solidFill>
+              </a:rPr>
+              <a:t>Implementation</a:t>
+            </a:r>
+            <a:r>
+              <a:rPr lang="it-IT" sz="2800" b="1" dirty="0">
+                <a:solidFill>
+                  <a:schemeClr val="bg1"/>
+                </a:solidFill>
+              </a:rPr>
+              <a:t> (3)</a:t>
+            </a:r>
+          </a:p>
+        </p:txBody>
+      </p:sp>
+      <p:pic>
+        <p:nvPicPr>
+          <p:cNvPr id="3" name="Immagine 2">
+            <a:extLst>
+              <a:ext uri="{FF2B5EF4-FFF2-40B4-BE49-F238E27FC236}">
+                <a16:creationId xmlns:a16="http://schemas.microsoft.com/office/drawing/2014/main" id="{30F8B3A4-49FE-45F7-90B7-6A3330962693}"/>
+              </a:ext>
+            </a:extLst>
+          </p:cNvPr>
+          <p:cNvPicPr>
+            <a:picLocks noChangeAspect="1"/>
+          </p:cNvPicPr>
+          <p:nvPr/>
+        </p:nvPicPr>
+        <p:blipFill>
+          <a:blip r:embed="rId3"/>
+          <a:stretch>
+            <a:fillRect/>
+          </a:stretch>
+        </p:blipFill>
+        <p:spPr>
+          <a:xfrm>
+            <a:off x="1395256" y="1914444"/>
+            <a:ext cx="2238687" cy="1162212"/>
+          </a:xfrm>
+          <a:prstGeom prst="rect">
+            <a:avLst/>
+          </a:prstGeom>
+        </p:spPr>
+      </p:pic>
+      <p:sp>
+        <p:nvSpPr>
+          <p:cNvPr id="4" name="CasellaDiTesto 3">
+            <a:extLst>
+              <a:ext uri="{FF2B5EF4-FFF2-40B4-BE49-F238E27FC236}">
+                <a16:creationId xmlns:a16="http://schemas.microsoft.com/office/drawing/2014/main" id="{3B8017D1-C37D-4C30-AD92-38A1FE8AF508}"/>
+              </a:ext>
+            </a:extLst>
+          </p:cNvPr>
+          <p:cNvSpPr txBox="1"/>
+          <p:nvPr/>
+        </p:nvSpPr>
+        <p:spPr>
+          <a:xfrm>
+            <a:off x="4543425" y="2310884"/>
+            <a:ext cx="1923475" cy="369332"/>
+          </a:xfrm>
+          <a:prstGeom prst="rect">
+            <a:avLst/>
+          </a:prstGeom>
+          <a:noFill/>
+        </p:spPr>
+        <p:txBody>
+          <a:bodyPr wrap="none" rtlCol="0">
+            <a:spAutoFit/>
+          </a:bodyPr>
+          <a:lstStyle/>
+          <a:p>
+            <a:r>
+              <a:rPr lang="it-IT" dirty="0"/>
+              <a:t>Nel </a:t>
+            </a:r>
+            <a:r>
+              <a:rPr lang="it-IT" dirty="0" err="1"/>
+              <a:t>merging</a:t>
+            </a:r>
+            <a:r>
+              <a:rPr lang="it-IT" dirty="0"/>
+              <a:t> point </a:t>
+            </a:r>
+          </a:p>
+        </p:txBody>
+      </p:sp>
     </p:spTree>
     <p:extLst>
       <p:ext uri="{BB962C8B-B14F-4D97-AF65-F5344CB8AC3E}">
-        <p14:creationId xmlns:p14="http://schemas.microsoft.com/office/powerpoint/2010/main" val="4235247673"/>
+        <p14:creationId xmlns:p14="http://schemas.microsoft.com/office/powerpoint/2010/main" val="1520757139"/>
       </p:ext>
     </p:extLst>
   </p:cSld>
@@ -6311,7 +6688,7 @@
           <p:cNvPr id="4" name="CasellaDiTesto 3">
             <a:extLst>
               <a:ext uri="{FF2B5EF4-FFF2-40B4-BE49-F238E27FC236}">
-                <a16:creationId xmlns:a16="http://schemas.microsoft.com/office/drawing/2014/main" id="{49CC19CC-87B5-4470-A749-4D27692979A3}"/>
+                <a16:creationId xmlns:a16="http://schemas.microsoft.com/office/drawing/2014/main" id="{795A839E-01A5-4CFB-A6DE-B7AB9C0C258C}"/>
               </a:ext>
             </a:extLst>
           </p:cNvPr>
@@ -6320,8 +6697,8 @@
         </p:nvSpPr>
         <p:spPr>
           <a:xfrm>
-            <a:off x="6816860" y="2733675"/>
-            <a:ext cx="4946515" cy="2092881"/>
+            <a:off x="487178" y="219767"/>
+            <a:ext cx="2322046" cy="523220"/>
           </a:xfrm>
           <a:prstGeom prst="rect">
             <a:avLst/>
@@ -6329,6 +6706,150 @@
           <a:noFill/>
         </p:spPr>
         <p:txBody>
+          <a:bodyPr wrap="none" rtlCol="0">
+            <a:spAutoFit/>
+          </a:bodyPr>
+          <a:lstStyle/>
+          <a:p>
+            <a:r>
+              <a:rPr lang="it-IT" sz="2800" b="1" dirty="0"/>
+              <a:t>THE CONTEXT </a:t>
+            </a:r>
+          </a:p>
+        </p:txBody>
+      </p:sp>
+      <p:sp>
+        <p:nvSpPr>
+          <p:cNvPr id="7" name="CasellaDiTesto 6">
+            <a:extLst>
+              <a:ext uri="{FF2B5EF4-FFF2-40B4-BE49-F238E27FC236}">
+                <a16:creationId xmlns:a16="http://schemas.microsoft.com/office/drawing/2014/main" id="{691E5416-1555-42C2-BD2E-2D184C2B8525}"/>
+              </a:ext>
+            </a:extLst>
+          </p:cNvPr>
+          <p:cNvSpPr txBox="1"/>
+          <p:nvPr/>
+        </p:nvSpPr>
+        <p:spPr>
+          <a:xfrm>
+            <a:off x="487178" y="1100793"/>
+            <a:ext cx="4039376" cy="830997"/>
+          </a:xfrm>
+          <a:prstGeom prst="rect">
+            <a:avLst/>
+          </a:prstGeom>
+          <a:noFill/>
+        </p:spPr>
+        <p:txBody>
+          <a:bodyPr wrap="none" rtlCol="0">
+            <a:spAutoFit/>
+          </a:bodyPr>
+          <a:lstStyle/>
+          <a:p>
+            <a:pPr marL="285750" indent="-285750">
+              <a:buFont typeface="Arial" panose="020B0604020202020204" pitchFamily="34" charset="0"/>
+              <a:buChar char="•"/>
+            </a:pPr>
+            <a:r>
+              <a:rPr lang="it-IT" sz="2400" dirty="0"/>
+              <a:t>One </a:t>
+            </a:r>
+            <a:r>
+              <a:rPr lang="it-IT" sz="2400" dirty="0" err="1"/>
+              <a:t>main</a:t>
+            </a:r>
+            <a:r>
+              <a:rPr lang="it-IT" sz="2400" dirty="0"/>
+              <a:t> lane</a:t>
+            </a:r>
+          </a:p>
+          <a:p>
+            <a:pPr marL="285750" indent="-285750">
+              <a:buFont typeface="Arial" panose="020B0604020202020204" pitchFamily="34" charset="0"/>
+              <a:buChar char="•"/>
+            </a:pPr>
+            <a:r>
+              <a:rPr lang="it-IT" sz="2400" dirty="0"/>
+              <a:t>One </a:t>
+            </a:r>
+            <a:r>
+              <a:rPr lang="it-IT" sz="2400" dirty="0" err="1"/>
+              <a:t>secondary</a:t>
+            </a:r>
+            <a:r>
+              <a:rPr lang="it-IT" sz="2400" dirty="0"/>
+              <a:t> </a:t>
+            </a:r>
+            <a:r>
+              <a:rPr lang="it-IT" sz="2400" dirty="0" err="1"/>
+              <a:t>merging</a:t>
+            </a:r>
+            <a:r>
+              <a:rPr lang="it-IT" sz="2400" dirty="0"/>
+              <a:t> lane</a:t>
+            </a:r>
+          </a:p>
+        </p:txBody>
+      </p:sp>
+      <p:pic>
+        <p:nvPicPr>
+          <p:cNvPr id="9" name="Immagine 8">
+            <a:extLst>
+              <a:ext uri="{FF2B5EF4-FFF2-40B4-BE49-F238E27FC236}">
+                <a16:creationId xmlns:a16="http://schemas.microsoft.com/office/drawing/2014/main" id="{602A0A59-50F2-44A1-8C27-111CAD62BB46}"/>
+              </a:ext>
+            </a:extLst>
+          </p:cNvPr>
+          <p:cNvPicPr>
+            <a:picLocks noChangeAspect="1"/>
+          </p:cNvPicPr>
+          <p:nvPr/>
+        </p:nvPicPr>
+        <p:blipFill>
+          <a:blip r:embed="rId3">
+            <a:extLst>
+              <a:ext uri="{28A0092B-C50C-407E-A947-70E740481C1C}">
+                <a14:useLocalDpi xmlns:a14="http://schemas.microsoft.com/office/drawing/2010/main" val="0"/>
+              </a:ext>
+            </a:extLst>
+          </a:blip>
+          <a:stretch>
+            <a:fillRect/>
+          </a:stretch>
+        </p:blipFill>
+        <p:spPr>
+          <a:xfrm>
+            <a:off x="626646" y="2522861"/>
+            <a:ext cx="10448791" cy="1355078"/>
+          </a:xfrm>
+          <a:prstGeom prst="rect">
+            <a:avLst/>
+          </a:prstGeom>
+        </p:spPr>
+      </p:pic>
+      <p:sp>
+        <p:nvSpPr>
+          <p:cNvPr id="10" name="CasellaDiTesto 9">
+            <a:extLst>
+              <a:ext uri="{FF2B5EF4-FFF2-40B4-BE49-F238E27FC236}">
+                <a16:creationId xmlns:a16="http://schemas.microsoft.com/office/drawing/2014/main" id="{12D2F575-1457-428D-B1C9-AFBCD8664E16}"/>
+              </a:ext>
+            </a:extLst>
+          </p:cNvPr>
+          <p:cNvSpPr txBox="1"/>
+          <p:nvPr/>
+        </p:nvSpPr>
+        <p:spPr>
+          <a:xfrm>
+            <a:off x="8873413" y="4077125"/>
+            <a:ext cx="2839393" cy="1692771"/>
+          </a:xfrm>
+          <a:prstGeom prst="rect">
+            <a:avLst/>
+          </a:prstGeom>
+          <a:noFill/>
+        </p:spPr>
+        <p:txBody>
           <a:bodyPr wrap="square" rtlCol="0">
             <a:spAutoFit/>
           </a:bodyPr>
@@ -6336,18 +6857,11 @@
           <a:p>
             <a:r>
               <a:rPr lang="it-IT" sz="2800" b="1" dirty="0"/>
-              <a:t>IMPLEMENTED ALGORITHMS</a:t>
-            </a:r>
-            <a:r>
-              <a:rPr lang="it-IT" sz="2800" dirty="0"/>
-              <a:t>:</a:t>
-            </a:r>
-          </a:p>
-          <a:p>
-            <a:r>
-              <a:rPr lang="it-IT" sz="2800" dirty="0"/>
-              <a:t> </a:t>
-            </a:r>
+              <a:t>THE GOAL</a:t>
+            </a:r>
+          </a:p>
+          <a:p>
+            <a:endParaRPr lang="it-IT" sz="2800" b="1" dirty="0"/>
           </a:p>
           <a:p>
             <a:pPr marL="285750" indent="-285750">
@@ -6355,18 +6869,14 @@
               <a:buChar char="•"/>
             </a:pPr>
             <a:r>
-              <a:rPr lang="it-IT" sz="2800" dirty="0" err="1"/>
-              <a:t>Vehicle</a:t>
-            </a:r>
-            <a:r>
-              <a:rPr lang="it-IT" sz="2800" dirty="0"/>
-              <a:t> tracking </a:t>
-            </a:r>
-            <a:r>
-              <a:rPr lang="it-IT" sz="2800" dirty="0" err="1"/>
-              <a:t>algorithm</a:t>
-            </a:r>
-            <a:endParaRPr lang="it-IT" sz="2800" dirty="0"/>
+              <a:rPr lang="it-IT" sz="2400" dirty="0"/>
+              <a:t>Safe </a:t>
+            </a:r>
+            <a:r>
+              <a:rPr lang="it-IT" sz="2400" dirty="0" err="1"/>
+              <a:t>traffic</a:t>
+            </a:r>
+            <a:endParaRPr lang="it-IT" sz="2400" dirty="0"/>
           </a:p>
           <a:p>
             <a:pPr marL="285750" indent="-285750">
@@ -6374,28 +6884,21 @@
               <a:buChar char="•"/>
             </a:pPr>
             <a:r>
-              <a:rPr lang="it-IT" sz="2800" dirty="0" err="1"/>
-              <a:t>Merging</a:t>
-            </a:r>
-            <a:r>
-              <a:rPr lang="it-IT" sz="2800" dirty="0"/>
-              <a:t> control </a:t>
-            </a:r>
-            <a:r>
-              <a:rPr lang="it-IT" sz="2800" dirty="0" err="1"/>
-              <a:t>algorithm</a:t>
-            </a:r>
-            <a:endParaRPr lang="it-IT" sz="2800" dirty="0"/>
-          </a:p>
-          <a:p>
-            <a:endParaRPr lang="it-IT" dirty="0"/>
+              <a:rPr lang="it-IT" sz="2400" dirty="0"/>
+              <a:t>Safe </a:t>
+            </a:r>
+            <a:r>
+              <a:rPr lang="it-IT" sz="2400" dirty="0" err="1"/>
+              <a:t>merging</a:t>
+            </a:r>
+            <a:endParaRPr lang="it-IT" sz="2400" dirty="0"/>
           </a:p>
         </p:txBody>
       </p:sp>
     </p:spTree>
     <p:extLst>
       <p:ext uri="{BB962C8B-B14F-4D97-AF65-F5344CB8AC3E}">
-        <p14:creationId xmlns:p14="http://schemas.microsoft.com/office/powerpoint/2010/main" val="1424924553"/>
+        <p14:creationId xmlns:p14="http://schemas.microsoft.com/office/powerpoint/2010/main" val="3087398603"/>
       </p:ext>
     </p:extLst>
   </p:cSld>
@@ -6406,6 +6909,631 @@
 </file>
 
 <file path=ppt/slides/slide20.xml><?xml version="1.0" encoding="utf-8"?>
+<p:sld xmlns:a="http://schemas.openxmlformats.org/drawingml/2006/main" xmlns:r="http://schemas.openxmlformats.org/officeDocument/2006/relationships" xmlns:p="http://schemas.openxmlformats.org/presentationml/2006/main">
+  <p:cSld>
+    <p:bg>
+      <p:bgPr>
+        <a:blipFill dpi="0" rotWithShape="1">
+          <a:blip r:embed="rId2">
+            <a:lum/>
+          </a:blip>
+          <a:srcRect/>
+          <a:stretch>
+            <a:fillRect/>
+          </a:stretch>
+        </a:blipFill>
+        <a:effectLst/>
+      </p:bgPr>
+    </p:bg>
+    <p:spTree>
+      <p:nvGrpSpPr>
+        <p:cNvPr id="1" name=""/>
+        <p:cNvGrpSpPr/>
+        <p:nvPr/>
+      </p:nvGrpSpPr>
+      <p:grpSpPr>
+        <a:xfrm>
+          <a:off x="0" y="0"/>
+          <a:ext cx="0" cy="0"/>
+          <a:chOff x="0" y="0"/>
+          <a:chExt cx="0" cy="0"/>
+        </a:xfrm>
+      </p:grpSpPr>
+      <p:sp>
+        <p:nvSpPr>
+          <p:cNvPr id="7" name="CasellaDiTesto 6">
+            <a:extLst>
+              <a:ext uri="{FF2B5EF4-FFF2-40B4-BE49-F238E27FC236}">
+                <a16:creationId xmlns:a16="http://schemas.microsoft.com/office/drawing/2014/main" id="{7501EB74-63B6-4B7B-B7BB-781D8B95C59D}"/>
+              </a:ext>
+            </a:extLst>
+          </p:cNvPr>
+          <p:cNvSpPr txBox="1"/>
+          <p:nvPr/>
+        </p:nvSpPr>
+        <p:spPr>
+          <a:xfrm>
+            <a:off x="8210550" y="3167390"/>
+            <a:ext cx="2094612" cy="523220"/>
+          </a:xfrm>
+          <a:prstGeom prst="rect">
+            <a:avLst/>
+          </a:prstGeom>
+          <a:noFill/>
+        </p:spPr>
+        <p:txBody>
+          <a:bodyPr wrap="none" rtlCol="0">
+            <a:spAutoFit/>
+          </a:bodyPr>
+          <a:lstStyle/>
+          <a:p>
+            <a:r>
+              <a:rPr lang="it-IT" sz="2800" b="1" dirty="0"/>
+              <a:t>SIMULATION</a:t>
+            </a:r>
+          </a:p>
+        </p:txBody>
+      </p:sp>
+    </p:spTree>
+    <p:extLst>
+      <p:ext uri="{BB962C8B-B14F-4D97-AF65-F5344CB8AC3E}">
+        <p14:creationId xmlns:p14="http://schemas.microsoft.com/office/powerpoint/2010/main" val="2369498941"/>
+      </p:ext>
+    </p:extLst>
+  </p:cSld>
+  <p:clrMapOvr>
+    <a:masterClrMapping/>
+  </p:clrMapOvr>
+</p:sld>
+</file>
+
+<file path=ppt/slides/slide21.xml><?xml version="1.0" encoding="utf-8"?>
+<p:sld xmlns:a="http://schemas.openxmlformats.org/drawingml/2006/main" xmlns:r="http://schemas.openxmlformats.org/officeDocument/2006/relationships" xmlns:p="http://schemas.openxmlformats.org/presentationml/2006/main">
+  <p:cSld>
+    <p:bg>
+      <p:bgPr>
+        <a:blipFill dpi="0" rotWithShape="1">
+          <a:blip r:embed="rId2">
+            <a:lum/>
+          </a:blip>
+          <a:srcRect/>
+          <a:stretch>
+            <a:fillRect/>
+          </a:stretch>
+        </a:blipFill>
+        <a:effectLst/>
+      </p:bgPr>
+    </p:bg>
+    <p:spTree>
+      <p:nvGrpSpPr>
+        <p:cNvPr id="1" name=""/>
+        <p:cNvGrpSpPr/>
+        <p:nvPr/>
+      </p:nvGrpSpPr>
+      <p:grpSpPr>
+        <a:xfrm>
+          <a:off x="0" y="0"/>
+          <a:ext cx="0" cy="0"/>
+          <a:chOff x="0" y="0"/>
+          <a:chExt cx="0" cy="0"/>
+        </a:xfrm>
+      </p:grpSpPr>
+      <p:sp>
+        <p:nvSpPr>
+          <p:cNvPr id="5" name="CasellaDiTesto 4">
+            <a:extLst>
+              <a:ext uri="{FF2B5EF4-FFF2-40B4-BE49-F238E27FC236}">
+                <a16:creationId xmlns:a16="http://schemas.microsoft.com/office/drawing/2014/main" id="{FCA189A5-08E4-47CC-BE73-F8A93D34B276}"/>
+              </a:ext>
+            </a:extLst>
+          </p:cNvPr>
+          <p:cNvSpPr txBox="1"/>
+          <p:nvPr/>
+        </p:nvSpPr>
+        <p:spPr>
+          <a:xfrm>
+            <a:off x="459631" y="306581"/>
+            <a:ext cx="6094378" cy="523220"/>
+          </a:xfrm>
+          <a:prstGeom prst="rect">
+            <a:avLst/>
+          </a:prstGeom>
+          <a:noFill/>
+        </p:spPr>
+        <p:txBody>
+          <a:bodyPr wrap="square">
+            <a:spAutoFit/>
+          </a:bodyPr>
+          <a:lstStyle/>
+          <a:p>
+            <a:r>
+              <a:rPr lang="it-IT" sz="2800" b="1" dirty="0" err="1"/>
+              <a:t>Simulation</a:t>
+            </a:r>
+            <a:r>
+              <a:rPr lang="it-IT" sz="2800" b="1" dirty="0"/>
+              <a:t> (1)</a:t>
+            </a:r>
+          </a:p>
+        </p:txBody>
+      </p:sp>
+      <p:sp>
+        <p:nvSpPr>
+          <p:cNvPr id="6" name="CasellaDiTesto 5">
+            <a:extLst>
+              <a:ext uri="{FF2B5EF4-FFF2-40B4-BE49-F238E27FC236}">
+                <a16:creationId xmlns:a16="http://schemas.microsoft.com/office/drawing/2014/main" id="{23C8D226-A53F-4DE7-9257-234486DD59C0}"/>
+              </a:ext>
+            </a:extLst>
+          </p:cNvPr>
+          <p:cNvSpPr txBox="1"/>
+          <p:nvPr/>
+        </p:nvSpPr>
+        <p:spPr>
+          <a:xfrm>
+            <a:off x="161795" y="1394755"/>
+            <a:ext cx="6690049" cy="3447098"/>
+          </a:xfrm>
+          <a:prstGeom prst="rect">
+            <a:avLst/>
+          </a:prstGeom>
+          <a:noFill/>
+        </p:spPr>
+        <p:txBody>
+          <a:bodyPr wrap="square" rtlCol="0">
+            <a:spAutoFit/>
+          </a:bodyPr>
+          <a:lstStyle/>
+          <a:p>
+            <a:r>
+              <a:rPr lang="it-IT" sz="2400" dirty="0" err="1"/>
+              <a:t>Parameters</a:t>
+            </a:r>
+            <a:r>
+              <a:rPr lang="it-IT" sz="2400" dirty="0"/>
+              <a:t>: </a:t>
+            </a:r>
+          </a:p>
+          <a:p>
+            <a:endParaRPr lang="it-IT" sz="1400" dirty="0"/>
+          </a:p>
+          <a:p>
+            <a:pPr marL="285750" indent="-285750">
+              <a:buFont typeface="Arial" panose="020B0604020202020204" pitchFamily="34" charset="0"/>
+              <a:buChar char="•"/>
+            </a:pPr>
+            <a:r>
+              <a:rPr lang="it-IT" sz="2000" dirty="0" err="1"/>
+              <a:t>a</a:t>
+            </a:r>
+            <a:r>
+              <a:rPr lang="it-IT" sz="1200" dirty="0" err="1"/>
+              <a:t>acc</a:t>
+            </a:r>
+            <a:r>
+              <a:rPr lang="it-IT" sz="1200" dirty="0"/>
+              <a:t> </a:t>
+            </a:r>
+            <a:r>
+              <a:rPr lang="it-IT" sz="2000" dirty="0"/>
+              <a:t>=  0.005</a:t>
+            </a:r>
+          </a:p>
+          <a:p>
+            <a:pPr marL="285750" indent="-285750">
+              <a:buFont typeface="Arial" panose="020B0604020202020204" pitchFamily="34" charset="0"/>
+              <a:buChar char="•"/>
+            </a:pPr>
+            <a:r>
+              <a:rPr lang="it-IT" sz="2000" dirty="0" err="1"/>
+              <a:t>a</a:t>
+            </a:r>
+            <a:r>
+              <a:rPr lang="it-IT" sz="1200" dirty="0" err="1"/>
+              <a:t>dec</a:t>
+            </a:r>
+            <a:r>
+              <a:rPr lang="it-IT" sz="1200" dirty="0"/>
+              <a:t> </a:t>
+            </a:r>
+            <a:r>
+              <a:rPr lang="it-IT" sz="2000" dirty="0"/>
+              <a:t>=  0.15</a:t>
+            </a:r>
+          </a:p>
+          <a:p>
+            <a:pPr marL="285750" indent="-285750">
+              <a:buFont typeface="Arial" panose="020B0604020202020204" pitchFamily="34" charset="0"/>
+              <a:buChar char="•"/>
+            </a:pPr>
+            <a:r>
+              <a:rPr lang="el-GR" sz="2000" dirty="0"/>
+              <a:t>τ</a:t>
+            </a:r>
+            <a:r>
+              <a:rPr lang="it-IT" sz="2000" dirty="0"/>
+              <a:t>= 1</a:t>
+            </a:r>
+          </a:p>
+          <a:p>
+            <a:pPr marL="285750" indent="-285750">
+              <a:buFont typeface="Arial" panose="020B0604020202020204" pitchFamily="34" charset="0"/>
+              <a:buChar char="•"/>
+            </a:pPr>
+            <a:r>
+              <a:rPr lang="it-IT" sz="2000" dirty="0" err="1"/>
+              <a:t>Δx</a:t>
+            </a:r>
+            <a:r>
+              <a:rPr lang="it-IT" sz="1200" dirty="0" err="1"/>
+              <a:t>min</a:t>
+            </a:r>
+            <a:r>
+              <a:rPr lang="it-IT" sz="1200" dirty="0"/>
+              <a:t> </a:t>
+            </a:r>
+            <a:r>
+              <a:rPr lang="it-IT" sz="2000" dirty="0"/>
+              <a:t>=  6</a:t>
+            </a:r>
+          </a:p>
+          <a:p>
+            <a:pPr marL="285750" indent="-285750">
+              <a:buFont typeface="Arial" panose="020B0604020202020204" pitchFamily="34" charset="0"/>
+              <a:buChar char="•"/>
+            </a:pPr>
+            <a:r>
+              <a:rPr lang="it-IT" sz="2000" dirty="0"/>
+              <a:t>Top-speed</a:t>
+            </a:r>
+            <a:r>
+              <a:rPr lang="it-IT" sz="1600" dirty="0"/>
+              <a:t> </a:t>
+            </a:r>
+            <a:r>
+              <a:rPr lang="it-IT" sz="2000" dirty="0"/>
+              <a:t>= 0.5</a:t>
+            </a:r>
+          </a:p>
+          <a:p>
+            <a:pPr marL="285750" indent="-285750">
+              <a:buFont typeface="Arial" panose="020B0604020202020204" pitchFamily="34" charset="0"/>
+              <a:buChar char="•"/>
+            </a:pPr>
+            <a:r>
+              <a:rPr lang="it-IT" sz="2000" dirty="0"/>
+              <a:t>Max </a:t>
+            </a:r>
+            <a:r>
+              <a:rPr lang="it-IT" sz="2000" dirty="0" err="1"/>
+              <a:t>initial</a:t>
+            </a:r>
+            <a:r>
+              <a:rPr lang="it-IT" sz="2000" dirty="0"/>
+              <a:t> </a:t>
+            </a:r>
+            <a:r>
+              <a:rPr lang="it-IT" sz="2000" dirty="0" err="1"/>
+              <a:t>number</a:t>
+            </a:r>
+            <a:r>
+              <a:rPr lang="it-IT" sz="2000" dirty="0"/>
+              <a:t> of cars on </a:t>
+            </a:r>
+            <a:r>
+              <a:rPr lang="it-IT" sz="2000" dirty="0" err="1"/>
+              <a:t>main</a:t>
+            </a:r>
+            <a:r>
+              <a:rPr lang="it-IT" sz="2000" dirty="0"/>
+              <a:t> lane = 8</a:t>
+            </a:r>
+          </a:p>
+          <a:p>
+            <a:pPr marL="285750" indent="-285750">
+              <a:buFont typeface="Arial" panose="020B0604020202020204" pitchFamily="34" charset="0"/>
+              <a:buChar char="•"/>
+            </a:pPr>
+            <a:r>
+              <a:rPr lang="it-IT" sz="2000" dirty="0"/>
+              <a:t>Max </a:t>
+            </a:r>
+            <a:r>
+              <a:rPr lang="it-IT" sz="2000" dirty="0" err="1"/>
+              <a:t>initial</a:t>
+            </a:r>
+            <a:r>
+              <a:rPr lang="it-IT" sz="2000" dirty="0"/>
+              <a:t> </a:t>
+            </a:r>
+            <a:r>
+              <a:rPr lang="it-IT" sz="2000" dirty="0" err="1"/>
+              <a:t>number</a:t>
+            </a:r>
+            <a:r>
+              <a:rPr lang="it-IT" sz="2000" dirty="0"/>
+              <a:t> of cars on </a:t>
+            </a:r>
+            <a:r>
+              <a:rPr lang="it-IT" sz="2000" dirty="0" err="1"/>
+              <a:t>secondary</a:t>
+            </a:r>
+            <a:r>
+              <a:rPr lang="it-IT" sz="2000" dirty="0"/>
+              <a:t> lane = 3</a:t>
+            </a:r>
+          </a:p>
+          <a:p>
+            <a:pPr marL="285750" indent="-285750">
+              <a:buFont typeface="Arial" panose="020B0604020202020204" pitchFamily="34" charset="0"/>
+              <a:buChar char="•"/>
+            </a:pPr>
+            <a:endParaRPr lang="it-IT" sz="2000" dirty="0"/>
+          </a:p>
+          <a:p>
+            <a:pPr marL="285750" indent="-285750">
+              <a:buFont typeface="Arial" panose="020B0604020202020204" pitchFamily="34" charset="0"/>
+              <a:buChar char="•"/>
+            </a:pPr>
+            <a:endParaRPr lang="it-IT" sz="2000" dirty="0"/>
+          </a:p>
+        </p:txBody>
+      </p:sp>
+    </p:spTree>
+    <p:extLst>
+      <p:ext uri="{BB962C8B-B14F-4D97-AF65-F5344CB8AC3E}">
+        <p14:creationId xmlns:p14="http://schemas.microsoft.com/office/powerpoint/2010/main" val="3471653489"/>
+      </p:ext>
+    </p:extLst>
+  </p:cSld>
+  <p:clrMapOvr>
+    <a:masterClrMapping/>
+  </p:clrMapOvr>
+</p:sld>
+</file>
+
+<file path=ppt/slides/slide22.xml><?xml version="1.0" encoding="utf-8"?>
+<p:sld xmlns:a="http://schemas.openxmlformats.org/drawingml/2006/main" xmlns:r="http://schemas.openxmlformats.org/officeDocument/2006/relationships" xmlns:p="http://schemas.openxmlformats.org/presentationml/2006/main">
+  <p:cSld>
+    <p:bg>
+      <p:bgPr>
+        <a:blipFill dpi="0" rotWithShape="1">
+          <a:blip r:embed="rId2">
+            <a:lum/>
+          </a:blip>
+          <a:srcRect/>
+          <a:stretch>
+            <a:fillRect/>
+          </a:stretch>
+        </a:blipFill>
+        <a:effectLst/>
+      </p:bgPr>
+    </p:bg>
+    <p:spTree>
+      <p:nvGrpSpPr>
+        <p:cNvPr id="1" name=""/>
+        <p:cNvGrpSpPr/>
+        <p:nvPr/>
+      </p:nvGrpSpPr>
+      <p:grpSpPr>
+        <a:xfrm>
+          <a:off x="0" y="0"/>
+          <a:ext cx="0" cy="0"/>
+          <a:chOff x="0" y="0"/>
+          <a:chExt cx="0" cy="0"/>
+        </a:xfrm>
+      </p:grpSpPr>
+      <p:sp>
+        <p:nvSpPr>
+          <p:cNvPr id="3" name="CasellaDiTesto 2">
+            <a:extLst>
+              <a:ext uri="{FF2B5EF4-FFF2-40B4-BE49-F238E27FC236}">
+                <a16:creationId xmlns:a16="http://schemas.microsoft.com/office/drawing/2014/main" id="{CE2DDAFF-8A59-4A03-9E07-89CCFCE639F1}"/>
+              </a:ext>
+            </a:extLst>
+          </p:cNvPr>
+          <p:cNvSpPr txBox="1"/>
+          <p:nvPr/>
+        </p:nvSpPr>
+        <p:spPr>
+          <a:xfrm>
+            <a:off x="335902" y="205274"/>
+            <a:ext cx="2204321" cy="523220"/>
+          </a:xfrm>
+          <a:prstGeom prst="rect">
+            <a:avLst/>
+          </a:prstGeom>
+          <a:noFill/>
+        </p:spPr>
+        <p:txBody>
+          <a:bodyPr wrap="none" rtlCol="0">
+            <a:spAutoFit/>
+          </a:bodyPr>
+          <a:lstStyle/>
+          <a:p>
+            <a:r>
+              <a:rPr lang="it-IT" sz="2800" b="1" dirty="0" err="1"/>
+              <a:t>Simulation</a:t>
+            </a:r>
+            <a:r>
+              <a:rPr lang="it-IT" sz="2400" b="1" dirty="0"/>
+              <a:t> (2)</a:t>
+            </a:r>
+          </a:p>
+        </p:txBody>
+      </p:sp>
+      <p:pic>
+        <p:nvPicPr>
+          <p:cNvPr id="5" name="Immagine 4">
+            <a:extLst>
+              <a:ext uri="{FF2B5EF4-FFF2-40B4-BE49-F238E27FC236}">
+                <a16:creationId xmlns:a16="http://schemas.microsoft.com/office/drawing/2014/main" id="{B97F4A5A-8930-4090-A0BE-DBE46CCE45D2}"/>
+              </a:ext>
+            </a:extLst>
+          </p:cNvPr>
+          <p:cNvPicPr>
+            <a:picLocks noChangeAspect="1"/>
+          </p:cNvPicPr>
+          <p:nvPr/>
+        </p:nvPicPr>
+        <p:blipFill>
+          <a:blip r:embed="rId3"/>
+          <a:stretch>
+            <a:fillRect/>
+          </a:stretch>
+        </p:blipFill>
+        <p:spPr>
+          <a:xfrm>
+            <a:off x="8081601" y="205274"/>
+            <a:ext cx="3997469" cy="1678495"/>
+          </a:xfrm>
+          <a:prstGeom prst="rect">
+            <a:avLst/>
+          </a:prstGeom>
+        </p:spPr>
+      </p:pic>
+      <p:sp>
+        <p:nvSpPr>
+          <p:cNvPr id="7" name="CasellaDiTesto 6">
+            <a:extLst>
+              <a:ext uri="{FF2B5EF4-FFF2-40B4-BE49-F238E27FC236}">
+                <a16:creationId xmlns:a16="http://schemas.microsoft.com/office/drawing/2014/main" id="{809F9C0A-CF6E-47AF-A08B-A53BCD7F90BF}"/>
+              </a:ext>
+            </a:extLst>
+          </p:cNvPr>
+          <p:cNvSpPr txBox="1"/>
+          <p:nvPr/>
+        </p:nvSpPr>
+        <p:spPr>
+          <a:xfrm>
+            <a:off x="2780522" y="1707502"/>
+            <a:ext cx="1037143" cy="646331"/>
+          </a:xfrm>
+          <a:prstGeom prst="rect">
+            <a:avLst/>
+          </a:prstGeom>
+          <a:noFill/>
+        </p:spPr>
+        <p:txBody>
+          <a:bodyPr wrap="none" rtlCol="0">
+            <a:spAutoFit/>
+          </a:bodyPr>
+          <a:lstStyle/>
+          <a:p>
+            <a:r>
+              <a:rPr lang="it-IT" dirty="0" err="1"/>
+              <a:t>Main</a:t>
+            </a:r>
+            <a:r>
+              <a:rPr lang="it-IT" dirty="0"/>
+              <a:t> 8</a:t>
+            </a:r>
+          </a:p>
+          <a:p>
+            <a:r>
+              <a:rPr lang="it-IT"/>
+              <a:t>Second 3</a:t>
+            </a:r>
+          </a:p>
+        </p:txBody>
+      </p:sp>
+    </p:spTree>
+    <p:extLst>
+      <p:ext uri="{BB962C8B-B14F-4D97-AF65-F5344CB8AC3E}">
+        <p14:creationId xmlns:p14="http://schemas.microsoft.com/office/powerpoint/2010/main" val="901659302"/>
+      </p:ext>
+    </p:extLst>
+  </p:cSld>
+  <p:clrMapOvr>
+    <a:masterClrMapping/>
+  </p:clrMapOvr>
+</p:sld>
+</file>
+
+<file path=ppt/slides/slide23.xml><?xml version="1.0" encoding="utf-8"?>
+<p:sld xmlns:a="http://schemas.openxmlformats.org/drawingml/2006/main" xmlns:r="http://schemas.openxmlformats.org/officeDocument/2006/relationships" xmlns:p="http://schemas.openxmlformats.org/presentationml/2006/main">
+  <p:cSld>
+    <p:bg>
+      <p:bgPr>
+        <a:blipFill dpi="0" rotWithShape="1">
+          <a:blip r:embed="rId2">
+            <a:lum/>
+          </a:blip>
+          <a:srcRect/>
+          <a:stretch>
+            <a:fillRect/>
+          </a:stretch>
+        </a:blipFill>
+        <a:effectLst/>
+      </p:bgPr>
+    </p:bg>
+    <p:spTree>
+      <p:nvGrpSpPr>
+        <p:cNvPr id="1" name=""/>
+        <p:cNvGrpSpPr/>
+        <p:nvPr/>
+      </p:nvGrpSpPr>
+      <p:grpSpPr>
+        <a:xfrm>
+          <a:off x="0" y="0"/>
+          <a:ext cx="0" cy="0"/>
+          <a:chOff x="0" y="0"/>
+          <a:chExt cx="0" cy="0"/>
+        </a:xfrm>
+      </p:grpSpPr>
+      <p:sp>
+        <p:nvSpPr>
+          <p:cNvPr id="3" name="CasellaDiTesto 2">
+            <a:extLst>
+              <a:ext uri="{FF2B5EF4-FFF2-40B4-BE49-F238E27FC236}">
+                <a16:creationId xmlns:a16="http://schemas.microsoft.com/office/drawing/2014/main" id="{D8C730FB-44ED-4CFB-88A7-ABD102AAC0FE}"/>
+              </a:ext>
+            </a:extLst>
+          </p:cNvPr>
+          <p:cNvSpPr txBox="1"/>
+          <p:nvPr/>
+        </p:nvSpPr>
+        <p:spPr>
+          <a:xfrm>
+            <a:off x="352230" y="202554"/>
+            <a:ext cx="6097554" cy="523220"/>
+          </a:xfrm>
+          <a:prstGeom prst="rect">
+            <a:avLst/>
+          </a:prstGeom>
+          <a:noFill/>
+        </p:spPr>
+        <p:txBody>
+          <a:bodyPr wrap="square">
+            <a:spAutoFit/>
+          </a:bodyPr>
+          <a:lstStyle/>
+          <a:p>
+            <a:r>
+              <a:rPr lang="it-IT" sz="2800" b="1" dirty="0" err="1"/>
+              <a:t>Simulation</a:t>
+            </a:r>
+            <a:r>
+              <a:rPr lang="it-IT" sz="2800" b="1" dirty="0"/>
+              <a:t> (3)</a:t>
+            </a:r>
+          </a:p>
+        </p:txBody>
+      </p:sp>
+    </p:spTree>
+    <p:extLst>
+      <p:ext uri="{BB962C8B-B14F-4D97-AF65-F5344CB8AC3E}">
+        <p14:creationId xmlns:p14="http://schemas.microsoft.com/office/powerpoint/2010/main" val="4235247673"/>
+      </p:ext>
+    </p:extLst>
+  </p:cSld>
+  <p:clrMapOvr>
+    <a:masterClrMapping/>
+  </p:clrMapOvr>
+</p:sld>
+</file>
+
+<file path=ppt/slides/slide24.xml><?xml version="1.0" encoding="utf-8"?>
 <p:sld xmlns:a="http://schemas.openxmlformats.org/drawingml/2006/main" xmlns:r="http://schemas.openxmlformats.org/officeDocument/2006/relationships" xmlns:p="http://schemas.openxmlformats.org/presentationml/2006/main">
   <p:cSld>
     <p:bg>
@@ -6485,7 +7613,7 @@
           <p:cNvPr id="4" name="CasellaDiTesto 3">
             <a:extLst>
               <a:ext uri="{FF2B5EF4-FFF2-40B4-BE49-F238E27FC236}">
-                <a16:creationId xmlns:a16="http://schemas.microsoft.com/office/drawing/2014/main" id="{F7DC57B2-4E6E-4CAD-8AB9-3F9BA8B562C5}"/>
+                <a16:creationId xmlns:a16="http://schemas.microsoft.com/office/drawing/2014/main" id="{49CC19CC-87B5-4470-A749-4D27692979A3}"/>
               </a:ext>
             </a:extLst>
           </p:cNvPr>
@@ -6494,8 +7622,8 @@
         </p:nvSpPr>
         <p:spPr>
           <a:xfrm>
-            <a:off x="361950" y="215384"/>
-            <a:ext cx="6096000" cy="523220"/>
+            <a:off x="6816860" y="2733675"/>
+            <a:ext cx="4946515" cy="2092881"/>
           </a:xfrm>
           <a:prstGeom prst="rect">
             <a:avLst/>
@@ -6503,136 +7631,73 @@
           <a:noFill/>
         </p:spPr>
         <p:txBody>
-          <a:bodyPr wrap="square">
+          <a:bodyPr wrap="square" rtlCol="0">
             <a:spAutoFit/>
           </a:bodyPr>
           <a:lstStyle/>
           <a:p>
             <a:r>
               <a:rPr lang="it-IT" sz="2800" b="1" dirty="0"/>
-              <a:t>IMPLEMENTED ALGORITHMS:</a:t>
-            </a:r>
-          </a:p>
-        </p:txBody>
-      </p:sp>
-      <p:sp>
-        <p:nvSpPr>
-          <p:cNvPr id="5" name="CasellaDiTesto 4">
-            <a:extLst>
-              <a:ext uri="{FF2B5EF4-FFF2-40B4-BE49-F238E27FC236}">
-                <a16:creationId xmlns:a16="http://schemas.microsoft.com/office/drawing/2014/main" id="{F8FB8706-45D3-4153-B744-8DD2829DE297}"/>
-              </a:ext>
-            </a:extLst>
-          </p:cNvPr>
-          <p:cNvSpPr txBox="1"/>
-          <p:nvPr/>
-        </p:nvSpPr>
-        <p:spPr>
-          <a:xfrm>
-            <a:off x="361950" y="1190536"/>
-            <a:ext cx="10706100" cy="1569660"/>
-          </a:xfrm>
-          <a:prstGeom prst="rect">
-            <a:avLst/>
-          </a:prstGeom>
-          <a:noFill/>
-        </p:spPr>
-        <p:txBody>
-          <a:bodyPr wrap="square">
-            <a:spAutoFit/>
-          </a:bodyPr>
-          <a:lstStyle/>
-          <a:p>
-            <a:pPr algn="ctr"/>
-            <a:endParaRPr lang="it-IT" sz="2400" dirty="0"/>
-          </a:p>
-          <a:p>
-            <a:pPr marL="285750" indent="-285750" algn="ctr">
+              <a:t>IMPLEMENTED ALGORITHMS</a:t>
+            </a:r>
+            <a:r>
+              <a:rPr lang="it-IT" sz="2800" dirty="0"/>
+              <a:t>:</a:t>
+            </a:r>
+          </a:p>
+          <a:p>
+            <a:r>
+              <a:rPr lang="it-IT" sz="2800" dirty="0"/>
+              <a:t> </a:t>
+            </a:r>
+          </a:p>
+          <a:p>
+            <a:pPr marL="285750" indent="-285750">
               <a:buFont typeface="Arial" panose="020B0604020202020204" pitchFamily="34" charset="0"/>
               <a:buChar char="•"/>
             </a:pPr>
             <a:r>
-              <a:rPr lang="it-IT" sz="2400" dirty="0" err="1"/>
+              <a:rPr lang="it-IT" sz="2800" dirty="0" err="1"/>
               <a:t>Vehicle</a:t>
             </a:r>
             <a:r>
-              <a:rPr lang="it-IT" sz="2400" dirty="0"/>
+              <a:rPr lang="it-IT" sz="2800" dirty="0"/>
               <a:t> tracking </a:t>
             </a:r>
             <a:r>
-              <a:rPr lang="it-IT" sz="2400" dirty="0" err="1"/>
+              <a:rPr lang="it-IT" sz="2800" dirty="0" err="1"/>
               <a:t>algorithm</a:t>
             </a:r>
-            <a:endParaRPr lang="it-IT" sz="2400" dirty="0"/>
-          </a:p>
-          <a:p>
-            <a:pPr marL="285750" indent="-285750" algn="ctr">
+            <a:endParaRPr lang="it-IT" sz="2800" dirty="0"/>
+          </a:p>
+          <a:p>
+            <a:pPr marL="285750" indent="-285750">
               <a:buFont typeface="Arial" panose="020B0604020202020204" pitchFamily="34" charset="0"/>
               <a:buChar char="•"/>
             </a:pPr>
             <a:r>
-              <a:rPr lang="it-IT" sz="2400" dirty="0" err="1"/>
+              <a:rPr lang="it-IT" sz="2800" dirty="0" err="1"/>
               <a:t>Merging</a:t>
             </a:r>
             <a:r>
-              <a:rPr lang="it-IT" sz="2400" dirty="0"/>
+              <a:rPr lang="it-IT" sz="2800" dirty="0"/>
               <a:t> control </a:t>
             </a:r>
             <a:r>
-              <a:rPr lang="it-IT" sz="2400" dirty="0" err="1"/>
+              <a:rPr lang="it-IT" sz="2800" dirty="0" err="1"/>
               <a:t>algorithm</a:t>
             </a:r>
-            <a:endParaRPr lang="it-IT" sz="2400" dirty="0"/>
-          </a:p>
-          <a:p>
-            <a:pPr marL="285750" indent="-285750" algn="ctr">
-              <a:buFont typeface="Arial" panose="020B0604020202020204" pitchFamily="34" charset="0"/>
-              <a:buChar char="•"/>
-            </a:pPr>
-            <a:endParaRPr lang="it-IT" sz="2400" dirty="0"/>
-          </a:p>
-        </p:txBody>
-      </p:sp>
-      <p:pic>
-        <p:nvPicPr>
-          <p:cNvPr id="6" name="Immagine 5">
-            <a:extLst>
-              <a:ext uri="{FF2B5EF4-FFF2-40B4-BE49-F238E27FC236}">
-                <a16:creationId xmlns:a16="http://schemas.microsoft.com/office/drawing/2014/main" id="{0F3B680A-B850-4426-A159-B1A217605FDB}"/>
-              </a:ext>
-            </a:extLst>
-          </p:cNvPr>
-          <p:cNvPicPr>
-            <a:picLocks noChangeAspect="1"/>
-          </p:cNvPicPr>
-          <p:nvPr/>
-        </p:nvPicPr>
-        <p:blipFill>
-          <a:blip r:embed="rId3">
-            <a:extLst>
-              <a:ext uri="{28A0092B-C50C-407E-A947-70E740481C1C}">
-                <a14:useLocalDpi xmlns:a14="http://schemas.microsoft.com/office/drawing/2010/main" val="0"/>
-              </a:ext>
-            </a:extLst>
-          </a:blip>
-          <a:stretch>
-            <a:fillRect/>
-          </a:stretch>
-        </p:blipFill>
-        <p:spPr>
-          <a:xfrm>
-            <a:off x="361950" y="3212128"/>
-            <a:ext cx="10706100" cy="1675897"/>
-          </a:xfrm>
-          <a:prstGeom prst="rect">
-            <a:avLst/>
-          </a:prstGeom>
-        </p:spPr>
-      </p:pic>
+            <a:endParaRPr lang="it-IT" sz="2800" dirty="0"/>
+          </a:p>
+          <a:p>
+            <a:endParaRPr lang="it-IT" dirty="0"/>
+          </a:p>
+        </p:txBody>
+      </p:sp>
     </p:spTree>
     <p:extLst>
       <p:ext uri="{BB962C8B-B14F-4D97-AF65-F5344CB8AC3E}">
-        <p14:creationId xmlns:p14="http://schemas.microsoft.com/office/powerpoint/2010/main" val="757039202"/>
+        <p14:creationId xmlns:p14="http://schemas.microsoft.com/office/powerpoint/2010/main" val="1424924553"/>
       </p:ext>
     </p:extLst>
   </p:cSld>
@@ -6673,12 +7738,155 @@
           <a:chExt cx="0" cy="0"/>
         </a:xfrm>
       </p:grpSpPr>
+      <p:sp>
+        <p:nvSpPr>
+          <p:cNvPr id="4" name="CasellaDiTesto 3">
+            <a:extLst>
+              <a:ext uri="{FF2B5EF4-FFF2-40B4-BE49-F238E27FC236}">
+                <a16:creationId xmlns:a16="http://schemas.microsoft.com/office/drawing/2014/main" id="{F7DC57B2-4E6E-4CAD-8AB9-3F9BA8B562C5}"/>
+              </a:ext>
+            </a:extLst>
+          </p:cNvPr>
+          <p:cNvSpPr txBox="1"/>
+          <p:nvPr/>
+        </p:nvSpPr>
+        <p:spPr>
+          <a:xfrm>
+            <a:off x="361950" y="215384"/>
+            <a:ext cx="6096000" cy="523220"/>
+          </a:xfrm>
+          <a:prstGeom prst="rect">
+            <a:avLst/>
+          </a:prstGeom>
+          <a:noFill/>
+        </p:spPr>
+        <p:txBody>
+          <a:bodyPr wrap="square">
+            <a:spAutoFit/>
+          </a:bodyPr>
+          <a:lstStyle/>
+          <a:p>
+            <a:r>
+              <a:rPr lang="it-IT" sz="2800" b="1" dirty="0"/>
+              <a:t>IMPLEMENTED ALGORITHMS:</a:t>
+            </a:r>
+          </a:p>
+        </p:txBody>
+      </p:sp>
+      <p:sp>
+        <p:nvSpPr>
+          <p:cNvPr id="5" name="CasellaDiTesto 4">
+            <a:extLst>
+              <a:ext uri="{FF2B5EF4-FFF2-40B4-BE49-F238E27FC236}">
+                <a16:creationId xmlns:a16="http://schemas.microsoft.com/office/drawing/2014/main" id="{F8FB8706-45D3-4153-B744-8DD2829DE297}"/>
+              </a:ext>
+            </a:extLst>
+          </p:cNvPr>
+          <p:cNvSpPr txBox="1"/>
+          <p:nvPr/>
+        </p:nvSpPr>
+        <p:spPr>
+          <a:xfrm>
+            <a:off x="361950" y="4289185"/>
+            <a:ext cx="10706100" cy="1569660"/>
+          </a:xfrm>
+          <a:prstGeom prst="rect">
+            <a:avLst/>
+          </a:prstGeom>
+          <a:noFill/>
+        </p:spPr>
+        <p:txBody>
+          <a:bodyPr wrap="square">
+            <a:spAutoFit/>
+          </a:bodyPr>
+          <a:lstStyle/>
+          <a:p>
+            <a:pPr algn="ctr"/>
+            <a:endParaRPr lang="it-IT" sz="2400" dirty="0"/>
+          </a:p>
+          <a:p>
+            <a:pPr marL="285750" indent="-285750">
+              <a:buFont typeface="Arial" panose="020B0604020202020204" pitchFamily="34" charset="0"/>
+              <a:buChar char="•"/>
+            </a:pPr>
+            <a:r>
+              <a:rPr lang="it-IT" sz="2400" dirty="0" err="1"/>
+              <a:t>Vehicle</a:t>
+            </a:r>
+            <a:r>
+              <a:rPr lang="it-IT" sz="2400" dirty="0"/>
+              <a:t> tracking </a:t>
+            </a:r>
+            <a:r>
+              <a:rPr lang="it-IT" sz="2400" dirty="0" err="1"/>
+              <a:t>algorithm</a:t>
+            </a:r>
+            <a:r>
+              <a:rPr lang="it-IT" sz="2400" dirty="0"/>
+              <a:t> </a:t>
+            </a:r>
+            <a:r>
+              <a:rPr lang="it-IT" sz="2400" dirty="0" err="1"/>
+              <a:t>observed</a:t>
+            </a:r>
+            <a:r>
+              <a:rPr lang="it-IT" sz="2400" dirty="0"/>
+              <a:t> in </a:t>
+            </a:r>
+            <a:r>
+              <a:rPr lang="it-IT" sz="2400" dirty="0" err="1"/>
+              <a:t>all</a:t>
+            </a:r>
+            <a:r>
+              <a:rPr lang="it-IT" sz="2400" dirty="0"/>
+              <a:t> zones </a:t>
+            </a:r>
+          </a:p>
+          <a:p>
+            <a:pPr marL="285750" indent="-285750">
+              <a:buFont typeface="Arial" panose="020B0604020202020204" pitchFamily="34" charset="0"/>
+              <a:buChar char="•"/>
+            </a:pPr>
+            <a:r>
+              <a:rPr lang="it-IT" sz="2400" dirty="0" err="1"/>
+              <a:t>Merging</a:t>
+            </a:r>
+            <a:r>
+              <a:rPr lang="it-IT" sz="2400" dirty="0"/>
+              <a:t> control </a:t>
+            </a:r>
+            <a:r>
+              <a:rPr lang="it-IT" sz="2400" dirty="0" err="1"/>
+              <a:t>algorithm</a:t>
+            </a:r>
+            <a:r>
+              <a:rPr lang="it-IT" sz="2400" dirty="0"/>
+              <a:t> </a:t>
+            </a:r>
+            <a:r>
+              <a:rPr lang="it-IT" sz="2400" dirty="0" err="1"/>
+              <a:t>observed</a:t>
+            </a:r>
+            <a:r>
+              <a:rPr lang="it-IT" sz="2400" dirty="0"/>
+              <a:t> in control zone</a:t>
+            </a:r>
+          </a:p>
+          <a:p>
+            <a:pPr marL="285750" indent="-285750" algn="ctr">
+              <a:buFont typeface="Arial" panose="020B0604020202020204" pitchFamily="34" charset="0"/>
+              <a:buChar char="•"/>
+            </a:pPr>
+            <a:endParaRPr lang="it-IT" sz="2400" dirty="0"/>
+          </a:p>
+        </p:txBody>
+      </p:sp>
       <p:pic>
         <p:nvPicPr>
-          <p:cNvPr id="3" name="Immagine 2">
-            <a:extLst>
-              <a:ext uri="{FF2B5EF4-FFF2-40B4-BE49-F238E27FC236}">
-                <a16:creationId xmlns:a16="http://schemas.microsoft.com/office/drawing/2014/main" id="{AE988B39-7FE7-4930-8363-2E3C9D5F75BE}"/>
+          <p:cNvPr id="6" name="Immagine 5">
+            <a:extLst>
+              <a:ext uri="{FF2B5EF4-FFF2-40B4-BE49-F238E27FC236}">
+                <a16:creationId xmlns:a16="http://schemas.microsoft.com/office/drawing/2014/main" id="{0F3B680A-B850-4426-A159-B1A217605FDB}"/>
               </a:ext>
             </a:extLst>
           </p:cNvPr>
@@ -6701,140 +7909,20 @@
         </p:blipFill>
         <p:spPr>
           <a:xfrm>
-            <a:off x="5911673" y="2933700"/>
-            <a:ext cx="5276392" cy="2476500"/>
+            <a:off x="361950" y="2419025"/>
+            <a:ext cx="10706100" cy="1675897"/>
           </a:xfrm>
           <a:prstGeom prst="rect">
             <a:avLst/>
           </a:prstGeom>
         </p:spPr>
       </p:pic>
-      <p:pic>
-        <p:nvPicPr>
-          <p:cNvPr id="4" name="Immagine 3">
-            <a:extLst>
-              <a:ext uri="{FF2B5EF4-FFF2-40B4-BE49-F238E27FC236}">
-                <a16:creationId xmlns:a16="http://schemas.microsoft.com/office/drawing/2014/main" id="{4DCD4C48-C312-4875-BE1D-D2CF211B9D7E}"/>
-              </a:ext>
-            </a:extLst>
-          </p:cNvPr>
-          <p:cNvPicPr>
-            <a:picLocks noChangeAspect="1"/>
-          </p:cNvPicPr>
-          <p:nvPr/>
-        </p:nvPicPr>
-        <p:blipFill>
-          <a:blip r:embed="rId4"/>
-          <a:stretch>
-            <a:fillRect/>
-          </a:stretch>
-        </p:blipFill>
-        <p:spPr>
-          <a:xfrm>
-            <a:off x="1464946" y="1640796"/>
-            <a:ext cx="1912619" cy="1019642"/>
-          </a:xfrm>
-          <a:prstGeom prst="rect">
-            <a:avLst/>
-          </a:prstGeom>
-        </p:spPr>
-      </p:pic>
-      <p:pic>
-        <p:nvPicPr>
-          <p:cNvPr id="5" name="Immagine 4">
-            <a:extLst>
-              <a:ext uri="{FF2B5EF4-FFF2-40B4-BE49-F238E27FC236}">
-                <a16:creationId xmlns:a16="http://schemas.microsoft.com/office/drawing/2014/main" id="{D195A954-EFCA-4C05-B318-3AA5F6610B5F}"/>
-              </a:ext>
-            </a:extLst>
-          </p:cNvPr>
-          <p:cNvPicPr>
-            <a:picLocks noChangeAspect="1"/>
-          </p:cNvPicPr>
-          <p:nvPr/>
-        </p:nvPicPr>
-        <p:blipFill>
-          <a:blip r:embed="rId5"/>
-          <a:stretch>
-            <a:fillRect/>
-          </a:stretch>
-        </p:blipFill>
-        <p:spPr>
-          <a:xfrm>
-            <a:off x="1464946" y="2792653"/>
-            <a:ext cx="2590115" cy="913714"/>
-          </a:xfrm>
-          <a:prstGeom prst="rect">
-            <a:avLst/>
-          </a:prstGeom>
-        </p:spPr>
-      </p:pic>
-      <p:pic>
-        <p:nvPicPr>
-          <p:cNvPr id="6" name="Immagine 5">
-            <a:extLst>
-              <a:ext uri="{FF2B5EF4-FFF2-40B4-BE49-F238E27FC236}">
-                <a16:creationId xmlns:a16="http://schemas.microsoft.com/office/drawing/2014/main" id="{8B1130EA-C041-49AB-B309-C3EF677208A6}"/>
-              </a:ext>
-            </a:extLst>
-          </p:cNvPr>
-          <p:cNvPicPr>
-            <a:picLocks noChangeAspect="1"/>
-          </p:cNvPicPr>
-          <p:nvPr/>
-        </p:nvPicPr>
-        <p:blipFill>
-          <a:blip r:embed="rId6"/>
-          <a:stretch>
-            <a:fillRect/>
-          </a:stretch>
-        </p:blipFill>
-        <p:spPr>
-          <a:xfrm>
-            <a:off x="1556385" y="3876150"/>
-            <a:ext cx="4291283" cy="697230"/>
-          </a:xfrm>
-          <a:prstGeom prst="rect">
-            <a:avLst/>
-          </a:prstGeom>
-        </p:spPr>
-      </p:pic>
-      <p:pic>
-        <p:nvPicPr>
-          <p:cNvPr id="7" name="Immagine 6">
-            <a:extLst>
-              <a:ext uri="{FF2B5EF4-FFF2-40B4-BE49-F238E27FC236}">
-                <a16:creationId xmlns:a16="http://schemas.microsoft.com/office/drawing/2014/main" id="{F951BCD5-47FF-431F-94FD-0852D9EFFA0C}"/>
-              </a:ext>
-            </a:extLst>
-          </p:cNvPr>
-          <p:cNvPicPr>
-            <a:picLocks noChangeAspect="1"/>
-          </p:cNvPicPr>
-          <p:nvPr/>
-        </p:nvPicPr>
-        <p:blipFill>
-          <a:blip r:embed="rId7"/>
-          <a:stretch>
-            <a:fillRect/>
-          </a:stretch>
-        </p:blipFill>
-        <p:spPr>
-          <a:xfrm>
-            <a:off x="1450886" y="4819630"/>
-            <a:ext cx="2552921" cy="457240"/>
-          </a:xfrm>
-          <a:prstGeom prst="rect">
-            <a:avLst/>
-          </a:prstGeom>
-        </p:spPr>
-      </p:pic>
-      <p:sp>
-        <p:nvSpPr>
-          <p:cNvPr id="8" name="CasellaDiTesto 7">
-            <a:extLst>
-              <a:ext uri="{FF2B5EF4-FFF2-40B4-BE49-F238E27FC236}">
-                <a16:creationId xmlns:a16="http://schemas.microsoft.com/office/drawing/2014/main" id="{903817DD-F13D-4789-8533-178146CF311F}"/>
+      <p:sp>
+        <p:nvSpPr>
+          <p:cNvPr id="2" name="CasellaDiTesto 1">
+            <a:extLst>
+              <a:ext uri="{FF2B5EF4-FFF2-40B4-BE49-F238E27FC236}">
+                <a16:creationId xmlns:a16="http://schemas.microsoft.com/office/drawing/2014/main" id="{96A47846-AC07-45A7-88D7-03BE0A2CCDF8}"/>
               </a:ext>
             </a:extLst>
           </p:cNvPr>
@@ -6843,8 +7931,8 @@
         </p:nvSpPr>
         <p:spPr>
           <a:xfrm>
-            <a:off x="3990930" y="1177843"/>
-            <a:ext cx="5783314" cy="369332"/>
+            <a:off x="361949" y="1729534"/>
+            <a:ext cx="6095999" cy="461665"/>
           </a:xfrm>
           <a:prstGeom prst="rect">
             <a:avLst/>
@@ -6852,88 +7940,58 @@
           <a:noFill/>
         </p:spPr>
         <p:txBody>
-          <a:bodyPr wrap="none" rtlCol="0">
-            <a:spAutoFit/>
-          </a:bodyPr>
-          <a:lstStyle/>
-          <a:p>
-            <a:r>
-              <a:rPr lang="it-IT" dirty="0"/>
-              <a:t>Inserisci qualche parola per dare un filo logico alle equazioni</a:t>
-            </a:r>
-          </a:p>
-        </p:txBody>
-      </p:sp>
-      <p:sp>
-        <p:nvSpPr>
-          <p:cNvPr id="9" name="CasellaDiTesto 8">
-            <a:extLst>
-              <a:ext uri="{FF2B5EF4-FFF2-40B4-BE49-F238E27FC236}">
-                <a16:creationId xmlns:a16="http://schemas.microsoft.com/office/drawing/2014/main" id="{BBEC0838-1DB6-48D0-856B-CC108AEAC156}"/>
-              </a:ext>
-            </a:extLst>
-          </p:cNvPr>
-          <p:cNvSpPr txBox="1"/>
-          <p:nvPr/>
-        </p:nvSpPr>
-        <p:spPr>
-          <a:xfrm>
-            <a:off x="937682" y="207257"/>
-            <a:ext cx="6148918" cy="830997"/>
-          </a:xfrm>
-          <a:prstGeom prst="rect">
-            <a:avLst/>
-          </a:prstGeom>
-          <a:noFill/>
-        </p:spPr>
-        <p:txBody>
           <a:bodyPr wrap="square" rtlCol="0">
             <a:spAutoFit/>
           </a:bodyPr>
           <a:lstStyle/>
           <a:p>
-            <a:r>
-              <a:rPr lang="it-IT" sz="2800" b="1" dirty="0" err="1">
-                <a:solidFill>
-                  <a:schemeClr val="bg1"/>
-                </a:solidFill>
-              </a:rPr>
-              <a:t>Vehicle</a:t>
-            </a:r>
-            <a:r>
-              <a:rPr lang="it-IT" sz="2800" b="1" dirty="0">
-                <a:solidFill>
-                  <a:schemeClr val="bg1"/>
-                </a:solidFill>
-              </a:rPr>
-              <a:t> tracking </a:t>
-            </a:r>
-            <a:r>
-              <a:rPr lang="it-IT" sz="2800" b="1" dirty="0" err="1">
-                <a:solidFill>
-                  <a:schemeClr val="bg1"/>
-                </a:solidFill>
-              </a:rPr>
-              <a:t>algorithm</a:t>
-            </a:r>
-            <a:r>
-              <a:rPr lang="it-IT" sz="2800" b="1" dirty="0">
-                <a:solidFill>
-                  <a:schemeClr val="bg1"/>
-                </a:solidFill>
-              </a:rPr>
-              <a:t> (1)</a:t>
-            </a:r>
-          </a:p>
-          <a:p>
-            <a:endParaRPr lang="it-IT" sz="2000" dirty="0"/>
+            <a:pPr marL="342900" indent="-342900">
+              <a:buFont typeface="Arial" panose="020B0604020202020204" pitchFamily="34" charset="0"/>
+              <a:buChar char="•"/>
+            </a:pPr>
+            <a:r>
+              <a:rPr lang="it-IT" sz="2400" dirty="0"/>
+              <a:t>The street </a:t>
+            </a:r>
+            <a:r>
+              <a:rPr lang="it-IT" sz="2400" dirty="0" err="1"/>
+              <a:t>is</a:t>
+            </a:r>
+            <a:r>
+              <a:rPr lang="it-IT" sz="2400" dirty="0"/>
+              <a:t> </a:t>
+            </a:r>
+            <a:r>
+              <a:rPr lang="it-IT" sz="2400" dirty="0" err="1"/>
+              <a:t>divided</a:t>
+            </a:r>
+            <a:r>
+              <a:rPr lang="it-IT" sz="2400" dirty="0"/>
+              <a:t> </a:t>
+            </a:r>
+            <a:r>
+              <a:rPr lang="it-IT" sz="2400" dirty="0" err="1"/>
+              <a:t>into</a:t>
+            </a:r>
+            <a:r>
+              <a:rPr lang="it-IT" sz="2400" dirty="0"/>
+              <a:t> </a:t>
+            </a:r>
+            <a:r>
+              <a:rPr lang="it-IT" sz="2400" dirty="0" err="1"/>
+              <a:t>different</a:t>
+            </a:r>
+            <a:r>
+              <a:rPr lang="it-IT" sz="2400" dirty="0"/>
+              <a:t> zones:</a:t>
+            </a:r>
           </a:p>
         </p:txBody>
       </p:sp>
     </p:spTree>
     <p:extLst>
       <p:ext uri="{BB962C8B-B14F-4D97-AF65-F5344CB8AC3E}">
-        <p14:creationId xmlns:p14="http://schemas.microsoft.com/office/powerpoint/2010/main" val="3780226227"/>
+        <p14:creationId xmlns:p14="http://schemas.microsoft.com/office/powerpoint/2010/main" val="757039202"/>
       </p:ext>
     </p:extLst>
   </p:cSld>
@@ -6976,10 +8034,10 @@
       </p:grpSpPr>
       <p:pic>
         <p:nvPicPr>
-          <p:cNvPr id="3" name="Immagine 2">
-            <a:extLst>
-              <a:ext uri="{FF2B5EF4-FFF2-40B4-BE49-F238E27FC236}">
-                <a16:creationId xmlns:a16="http://schemas.microsoft.com/office/drawing/2014/main" id="{FB8BD74F-A7FB-4F19-B5DE-94F0A00E2F18}"/>
+          <p:cNvPr id="4" name="Immagine 3">
+            <a:extLst>
+              <a:ext uri="{FF2B5EF4-FFF2-40B4-BE49-F238E27FC236}">
+                <a16:creationId xmlns:a16="http://schemas.microsoft.com/office/drawing/2014/main" id="{4DCD4C48-C312-4875-BE1D-D2CF211B9D7E}"/>
               </a:ext>
             </a:extLst>
           </p:cNvPr>
@@ -6989,21 +8047,15 @@
           <p:nvPr/>
         </p:nvPicPr>
         <p:blipFill>
-          <a:blip r:embed="rId3">
-            <a:extLst>
-              <a:ext uri="{28A0092B-C50C-407E-A947-70E740481C1C}">
-                <a14:useLocalDpi xmlns:a14="http://schemas.microsoft.com/office/drawing/2010/main" val="0"/>
-              </a:ext>
-            </a:extLst>
-          </a:blip>
+          <a:blip r:embed="rId3"/>
           <a:stretch>
             <a:fillRect/>
           </a:stretch>
         </p:blipFill>
         <p:spPr>
           <a:xfrm>
-            <a:off x="6757431" y="1645920"/>
-            <a:ext cx="4802433" cy="3429000"/>
+            <a:off x="4943849" y="1348299"/>
+            <a:ext cx="2353041" cy="1055696"/>
           </a:xfrm>
           <a:prstGeom prst="rect">
             <a:avLst/>
@@ -7012,10 +8064,10 @@
       </p:pic>
       <p:pic>
         <p:nvPicPr>
-          <p:cNvPr id="18" name="Immagine 17">
-            <a:extLst>
-              <a:ext uri="{FF2B5EF4-FFF2-40B4-BE49-F238E27FC236}">
-                <a16:creationId xmlns:a16="http://schemas.microsoft.com/office/drawing/2014/main" id="{29CD3BFE-EF3C-4B76-8B5C-BD3AB22E3A83}"/>
+          <p:cNvPr id="5" name="Immagine 4">
+            <a:extLst>
+              <a:ext uri="{FF2B5EF4-FFF2-40B4-BE49-F238E27FC236}">
+                <a16:creationId xmlns:a16="http://schemas.microsoft.com/office/drawing/2014/main" id="{D195A954-EFCA-4C05-B318-3AA5F6610B5F}"/>
               </a:ext>
             </a:extLst>
           </p:cNvPr>
@@ -7025,21 +8077,15 @@
           <p:nvPr/>
         </p:nvPicPr>
         <p:blipFill>
-          <a:blip r:embed="rId4">
-            <a:extLst>
-              <a:ext uri="{28A0092B-C50C-407E-A947-70E740481C1C}">
-                <a14:useLocalDpi xmlns:a14="http://schemas.microsoft.com/office/drawing/2010/main" val="0"/>
-              </a:ext>
-            </a:extLst>
-          </a:blip>
+          <a:blip r:embed="rId4"/>
           <a:stretch>
             <a:fillRect/>
           </a:stretch>
         </p:blipFill>
         <p:spPr>
           <a:xfrm>
-            <a:off x="1039791" y="1524000"/>
-            <a:ext cx="2822659" cy="1070664"/>
+            <a:off x="4825313" y="2738035"/>
+            <a:ext cx="2590115" cy="913714"/>
           </a:xfrm>
           <a:prstGeom prst="rect">
             <a:avLst/>
@@ -7048,10 +8094,10 @@
       </p:pic>
       <p:pic>
         <p:nvPicPr>
-          <p:cNvPr id="21" name="Immagine 20">
-            <a:extLst>
-              <a:ext uri="{FF2B5EF4-FFF2-40B4-BE49-F238E27FC236}">
-                <a16:creationId xmlns:a16="http://schemas.microsoft.com/office/drawing/2014/main" id="{5F1F9F2C-04F2-4644-9081-C24CFFCF33D0}"/>
+          <p:cNvPr id="6" name="Immagine 5">
+            <a:extLst>
+              <a:ext uri="{FF2B5EF4-FFF2-40B4-BE49-F238E27FC236}">
+                <a16:creationId xmlns:a16="http://schemas.microsoft.com/office/drawing/2014/main" id="{8B1130EA-C041-49AB-B309-C3EF677208A6}"/>
               </a:ext>
             </a:extLst>
           </p:cNvPr>
@@ -7060,64 +8106,27 @@
           </p:cNvPicPr>
           <p:nvPr/>
         </p:nvPicPr>
-        <p:blipFill>
+        <p:blipFill rotWithShape="1">
           <a:blip r:embed="rId5"/>
-          <a:stretch>
-            <a:fillRect/>
-          </a:stretch>
+          <a:srcRect t="-4415" r="7374"/>
+          <a:stretch/>
         </p:blipFill>
         <p:spPr>
           <a:xfrm>
-            <a:off x="1021533" y="2728268"/>
-            <a:ext cx="2552921" cy="457240"/>
+            <a:off x="4124033" y="4164560"/>
+            <a:ext cx="3992676" cy="731275"/>
           </a:xfrm>
           <a:prstGeom prst="rect">
             <a:avLst/>
           </a:prstGeom>
         </p:spPr>
       </p:pic>
-      <p:pic>
-        <p:nvPicPr>
-          <p:cNvPr id="23" name="Immagine 22">
-            <a:extLst>
-              <a:ext uri="{FF2B5EF4-FFF2-40B4-BE49-F238E27FC236}">
-                <a16:creationId xmlns:a16="http://schemas.microsoft.com/office/drawing/2014/main" id="{4AE58046-946A-4FBD-AEDB-6CDBE4F86CBC}"/>
-              </a:ext>
-            </a:extLst>
-          </p:cNvPr>
-          <p:cNvPicPr>
-            <a:picLocks noChangeAspect="1"/>
-          </p:cNvPicPr>
-          <p:nvPr/>
-        </p:nvPicPr>
-        <p:blipFill>
-          <a:blip r:embed="rId6">
-            <a:extLst>
-              <a:ext uri="{28A0092B-C50C-407E-A947-70E740481C1C}">
-                <a14:useLocalDpi xmlns:a14="http://schemas.microsoft.com/office/drawing/2010/main" val="0"/>
-              </a:ext>
-            </a:extLst>
-          </a:blip>
-          <a:stretch>
-            <a:fillRect/>
-          </a:stretch>
-        </p:blipFill>
-        <p:spPr>
-          <a:xfrm>
-            <a:off x="850083" y="3185508"/>
-            <a:ext cx="3764476" cy="731275"/>
-          </a:xfrm>
-          <a:prstGeom prst="rect">
-            <a:avLst/>
-          </a:prstGeom>
-        </p:spPr>
-      </p:pic>
-      <p:sp>
-        <p:nvSpPr>
-          <p:cNvPr id="25" name="CasellaDiTesto 24">
-            <a:extLst>
-              <a:ext uri="{FF2B5EF4-FFF2-40B4-BE49-F238E27FC236}">
-                <a16:creationId xmlns:a16="http://schemas.microsoft.com/office/drawing/2014/main" id="{7F24B239-0015-4E6E-B566-8D93328F75BC}"/>
+      <p:sp>
+        <p:nvSpPr>
+          <p:cNvPr id="9" name="CasellaDiTesto 8">
+            <a:extLst>
+              <a:ext uri="{FF2B5EF4-FFF2-40B4-BE49-F238E27FC236}">
+                <a16:creationId xmlns:a16="http://schemas.microsoft.com/office/drawing/2014/main" id="{BBEC0838-1DB6-48D0-856B-CC108AEAC156}"/>
               </a:ext>
             </a:extLst>
           </p:cNvPr>
@@ -7126,8 +8135,8 @@
         </p:nvSpPr>
         <p:spPr>
           <a:xfrm>
-            <a:off x="371475" y="409936"/>
-            <a:ext cx="6096000" cy="523220"/>
+            <a:off x="937682" y="207257"/>
+            <a:ext cx="6148918" cy="830997"/>
           </a:xfrm>
           <a:prstGeom prst="rect">
             <a:avLst/>
@@ -7135,34 +8144,453 @@
           <a:noFill/>
         </p:spPr>
         <p:txBody>
-          <a:bodyPr wrap="square">
+          <a:bodyPr wrap="square" rtlCol="0">
             <a:spAutoFit/>
           </a:bodyPr>
           <a:lstStyle/>
           <a:p>
             <a:r>
-              <a:rPr lang="it-IT" sz="2800" b="1" dirty="0" err="1"/>
+              <a:rPr lang="it-IT" sz="2800" b="1" dirty="0" err="1">
+                <a:solidFill>
+                  <a:schemeClr val="bg1"/>
+                </a:solidFill>
+              </a:rPr>
               <a:t>Vehicle</a:t>
             </a:r>
             <a:r>
-              <a:rPr lang="it-IT" sz="2800" b="1" dirty="0"/>
+              <a:rPr lang="it-IT" sz="2800" b="1" dirty="0">
+                <a:solidFill>
+                  <a:schemeClr val="bg1"/>
+                </a:solidFill>
+              </a:rPr>
               <a:t> tracking </a:t>
             </a:r>
             <a:r>
-              <a:rPr lang="it-IT" sz="2800" b="1" dirty="0" err="1"/>
+              <a:rPr lang="it-IT" sz="2800" b="1" dirty="0" err="1">
+                <a:solidFill>
+                  <a:schemeClr val="bg1"/>
+                </a:solidFill>
+              </a:rPr>
               <a:t>algorithm</a:t>
             </a:r>
             <a:r>
-              <a:rPr lang="it-IT" sz="2800" b="1" dirty="0"/>
-              <a:t> (2)</a:t>
-            </a:r>
+              <a:rPr lang="it-IT" sz="2800" b="1" dirty="0">
+                <a:solidFill>
+                  <a:schemeClr val="bg1"/>
+                </a:solidFill>
+              </a:rPr>
+              <a:t> (1)</a:t>
+            </a:r>
+          </a:p>
+          <a:p>
+            <a:endParaRPr lang="it-IT" sz="2000" dirty="0"/>
+          </a:p>
+        </p:txBody>
+      </p:sp>
+      <p:sp>
+        <p:nvSpPr>
+          <p:cNvPr id="2" name="CasellaDiTesto 1">
+            <a:extLst>
+              <a:ext uri="{FF2B5EF4-FFF2-40B4-BE49-F238E27FC236}">
+                <a16:creationId xmlns:a16="http://schemas.microsoft.com/office/drawing/2014/main" id="{AFD761F4-BFD0-4105-B3A3-F9DCF711F31E}"/>
+              </a:ext>
+            </a:extLst>
+          </p:cNvPr>
+          <p:cNvSpPr txBox="1"/>
+          <p:nvPr/>
+        </p:nvSpPr>
+        <p:spPr>
+          <a:xfrm>
+            <a:off x="807396" y="931325"/>
+            <a:ext cx="10554510" cy="338554"/>
+          </a:xfrm>
+          <a:prstGeom prst="rect">
+            <a:avLst/>
+          </a:prstGeom>
+          <a:noFill/>
+        </p:spPr>
+        <p:txBody>
+          <a:bodyPr wrap="square" rtlCol="0">
+            <a:spAutoFit/>
+          </a:bodyPr>
+          <a:lstStyle/>
+          <a:p>
+            <a:pPr algn="ctr"/>
+            <a:r>
+              <a:rPr lang="it-IT" sz="1600" dirty="0" err="1"/>
+              <a:t>We</a:t>
+            </a:r>
+            <a:r>
+              <a:rPr lang="it-IT" sz="1600" dirty="0"/>
+              <a:t> start from the </a:t>
+            </a:r>
+            <a:r>
+              <a:rPr lang="it-IT" sz="1600" dirty="0" err="1"/>
+              <a:t>definitions</a:t>
+            </a:r>
+            <a:r>
+              <a:rPr lang="it-IT" sz="1600" dirty="0"/>
+              <a:t> of </a:t>
+            </a:r>
+            <a:r>
+              <a:rPr lang="it-IT" sz="1600" dirty="0" err="1"/>
+              <a:t>velocity</a:t>
+            </a:r>
+            <a:r>
+              <a:rPr lang="it-IT" sz="1600" dirty="0"/>
+              <a:t> and </a:t>
+            </a:r>
+            <a:r>
+              <a:rPr lang="it-IT" sz="1600" dirty="0" err="1"/>
+              <a:t>acceleration</a:t>
+            </a:r>
+            <a:r>
+              <a:rPr lang="it-IT" sz="1600" dirty="0"/>
+              <a:t> in a discrete system:</a:t>
+            </a:r>
+          </a:p>
+        </p:txBody>
+      </p:sp>
+      <p:sp>
+        <p:nvSpPr>
+          <p:cNvPr id="10" name="CasellaDiTesto 9">
+            <a:extLst>
+              <a:ext uri="{FF2B5EF4-FFF2-40B4-BE49-F238E27FC236}">
+                <a16:creationId xmlns:a16="http://schemas.microsoft.com/office/drawing/2014/main" id="{D2211A88-5946-4562-B6B1-6DBBFAB13960}"/>
+              </a:ext>
+            </a:extLst>
+          </p:cNvPr>
+          <p:cNvSpPr txBox="1"/>
+          <p:nvPr/>
+        </p:nvSpPr>
+        <p:spPr>
+          <a:xfrm>
+            <a:off x="807396" y="2300771"/>
+            <a:ext cx="10554510" cy="338554"/>
+          </a:xfrm>
+          <a:prstGeom prst="rect">
+            <a:avLst/>
+          </a:prstGeom>
+          <a:noFill/>
+        </p:spPr>
+        <p:txBody>
+          <a:bodyPr wrap="square" rtlCol="0">
+            <a:spAutoFit/>
+          </a:bodyPr>
+          <a:lstStyle/>
+          <a:p>
+            <a:pPr algn="ctr"/>
+            <a:r>
+              <a:rPr lang="it-IT" sz="1600" dirty="0"/>
+              <a:t>and </a:t>
+            </a:r>
+            <a:r>
+              <a:rPr lang="it-IT" sz="1600" dirty="0" err="1"/>
+              <a:t>accordingly</a:t>
+            </a:r>
+            <a:r>
+              <a:rPr lang="it-IT" sz="1600" dirty="0"/>
+              <a:t> </a:t>
+            </a:r>
+            <a:r>
+              <a:rPr lang="it-IT" sz="1600" dirty="0" err="1"/>
+              <a:t>we</a:t>
+            </a:r>
+            <a:r>
+              <a:rPr lang="it-IT" sz="1600" dirty="0"/>
+              <a:t> can update the </a:t>
+            </a:r>
+            <a:r>
+              <a:rPr lang="it-IT" sz="1600" b="1" dirty="0"/>
+              <a:t>speed</a:t>
+            </a:r>
+            <a:r>
+              <a:rPr lang="it-IT" sz="1600" dirty="0"/>
+              <a:t> and </a:t>
+            </a:r>
+            <a:r>
+              <a:rPr lang="it-IT" sz="1600" b="1" dirty="0"/>
+              <a:t>position</a:t>
+            </a:r>
+            <a:r>
+              <a:rPr lang="it-IT" sz="1600" dirty="0"/>
+              <a:t> of the </a:t>
+            </a:r>
+            <a:r>
+              <a:rPr lang="it-IT" sz="1600" dirty="0" err="1"/>
+              <a:t>vehicles</a:t>
+            </a:r>
+            <a:r>
+              <a:rPr lang="it-IT" sz="1600" dirty="0"/>
+              <a:t> in </a:t>
+            </a:r>
+            <a:r>
+              <a:rPr lang="it-IT" sz="1600" dirty="0" err="1"/>
+              <a:t>this</a:t>
+            </a:r>
+            <a:r>
+              <a:rPr lang="it-IT" sz="1600" dirty="0"/>
+              <a:t> way:</a:t>
+            </a:r>
+          </a:p>
+        </p:txBody>
+      </p:sp>
+      <p:sp>
+        <p:nvSpPr>
+          <p:cNvPr id="11" name="CasellaDiTesto 10">
+            <a:extLst>
+              <a:ext uri="{FF2B5EF4-FFF2-40B4-BE49-F238E27FC236}">
+                <a16:creationId xmlns:a16="http://schemas.microsoft.com/office/drawing/2014/main" id="{AED3574B-2758-47F2-8B57-33531CC5D11D}"/>
+              </a:ext>
+            </a:extLst>
+          </p:cNvPr>
+          <p:cNvSpPr txBox="1"/>
+          <p:nvPr/>
+        </p:nvSpPr>
+        <p:spPr>
+          <a:xfrm>
+            <a:off x="807396" y="3714097"/>
+            <a:ext cx="10554510" cy="338554"/>
+          </a:xfrm>
+          <a:prstGeom prst="rect">
+            <a:avLst/>
+          </a:prstGeom>
+          <a:noFill/>
+        </p:spPr>
+        <p:txBody>
+          <a:bodyPr wrap="square" rtlCol="0">
+            <a:spAutoFit/>
+          </a:bodyPr>
+          <a:lstStyle/>
+          <a:p>
+            <a:pPr algn="ctr"/>
+            <a:r>
+              <a:rPr lang="it-IT" sz="1600" dirty="0"/>
+              <a:t>By </a:t>
+            </a:r>
+            <a:r>
+              <a:rPr lang="it-IT" sz="1600" dirty="0" err="1"/>
+              <a:t>combining</a:t>
+            </a:r>
+            <a:r>
+              <a:rPr lang="it-IT" sz="1600" dirty="0"/>
+              <a:t> </a:t>
+            </a:r>
+            <a:r>
+              <a:rPr lang="it-IT" sz="1600" dirty="0" err="1"/>
+              <a:t>these</a:t>
+            </a:r>
+            <a:r>
+              <a:rPr lang="it-IT" sz="1600" dirty="0"/>
+              <a:t> </a:t>
+            </a:r>
+            <a:r>
+              <a:rPr lang="it-IT" sz="1600" dirty="0" err="1"/>
+              <a:t>two</a:t>
+            </a:r>
+            <a:r>
+              <a:rPr lang="it-IT" sz="1600" dirty="0"/>
+              <a:t> </a:t>
+            </a:r>
+            <a:r>
+              <a:rPr lang="it-IT" sz="1600" dirty="0" err="1"/>
+              <a:t>equations</a:t>
+            </a:r>
+            <a:r>
+              <a:rPr lang="it-IT" sz="1600" dirty="0"/>
+              <a:t> </a:t>
+            </a:r>
+            <a:r>
+              <a:rPr lang="it-IT" sz="1600" dirty="0" err="1"/>
+              <a:t>we</a:t>
+            </a:r>
+            <a:r>
+              <a:rPr lang="it-IT" sz="1600" dirty="0"/>
+              <a:t> can </a:t>
+            </a:r>
+            <a:r>
+              <a:rPr lang="it-IT" sz="1600" dirty="0" err="1"/>
+              <a:t>rewrite</a:t>
+            </a:r>
+            <a:r>
+              <a:rPr lang="it-IT" sz="1600" dirty="0"/>
+              <a:t> the position update </a:t>
+            </a:r>
+            <a:r>
+              <a:rPr lang="it-IT" sz="1600" dirty="0" err="1"/>
+              <a:t>as</a:t>
+            </a:r>
+            <a:r>
+              <a:rPr lang="it-IT" sz="1600" dirty="0"/>
+              <a:t> follow:</a:t>
+            </a:r>
+          </a:p>
+        </p:txBody>
+      </p:sp>
+      <p:sp>
+        <p:nvSpPr>
+          <p:cNvPr id="16" name="CasellaDiTesto 15">
+            <a:extLst>
+              <a:ext uri="{FF2B5EF4-FFF2-40B4-BE49-F238E27FC236}">
+                <a16:creationId xmlns:a16="http://schemas.microsoft.com/office/drawing/2014/main" id="{EEAEA45E-3BBE-42DE-9F55-DCE7EA3AEA98}"/>
+              </a:ext>
+            </a:extLst>
+          </p:cNvPr>
+          <p:cNvSpPr txBox="1"/>
+          <p:nvPr/>
+        </p:nvSpPr>
+        <p:spPr>
+          <a:xfrm>
+            <a:off x="843116" y="5007744"/>
+            <a:ext cx="10554510" cy="1107996"/>
+          </a:xfrm>
+          <a:prstGeom prst="rect">
+            <a:avLst/>
+          </a:prstGeom>
+          <a:noFill/>
+        </p:spPr>
+        <p:txBody>
+          <a:bodyPr wrap="square" rtlCol="0">
+            <a:spAutoFit/>
+          </a:bodyPr>
+          <a:lstStyle/>
+          <a:p>
+            <a:pPr algn="ctr"/>
+            <a:r>
+              <a:rPr lang="it-IT" sz="1600" dirty="0"/>
+              <a:t>The key point for a </a:t>
+            </a:r>
+            <a:r>
+              <a:rPr lang="it-IT" sz="1600" b="1" dirty="0"/>
+              <a:t>safe tracking </a:t>
+            </a:r>
+            <a:r>
+              <a:rPr lang="it-IT" sz="1600" dirty="0" err="1"/>
+              <a:t>is</a:t>
+            </a:r>
+            <a:r>
+              <a:rPr lang="it-IT" sz="1600" dirty="0"/>
+              <a:t> </a:t>
+            </a:r>
+            <a:r>
+              <a:rPr lang="it-IT" sz="1600" dirty="0" err="1"/>
+              <a:t>that</a:t>
+            </a:r>
+            <a:r>
+              <a:rPr lang="it-IT" sz="1600" dirty="0"/>
+              <a:t> </a:t>
+            </a:r>
+            <a:r>
+              <a:rPr lang="el-GR" sz="1600" b="1" dirty="0"/>
+              <a:t>Δ</a:t>
+            </a:r>
+            <a:r>
+              <a:rPr lang="it-IT" sz="1600" b="1" dirty="0"/>
+              <a:t>x </a:t>
+            </a:r>
+            <a:r>
+              <a:rPr lang="it-IT" sz="1600" b="1" dirty="0" err="1"/>
+              <a:t>between</a:t>
+            </a:r>
+            <a:r>
+              <a:rPr lang="it-IT" sz="1600" b="1" dirty="0"/>
+              <a:t> successive </a:t>
+            </a:r>
+            <a:r>
+              <a:rPr lang="it-IT" sz="1600" b="1" dirty="0" err="1"/>
+              <a:t>vehicles</a:t>
+            </a:r>
+            <a:r>
+              <a:rPr lang="it-IT" sz="1600" b="1" dirty="0"/>
+              <a:t> </a:t>
+            </a:r>
+            <a:r>
+              <a:rPr lang="it-IT" sz="1600" b="1" dirty="0" err="1"/>
+              <a:t>has</a:t>
+            </a:r>
+            <a:r>
+              <a:rPr lang="it-IT" sz="1600" b="1" dirty="0"/>
+              <a:t> to be </a:t>
+            </a:r>
+            <a:r>
+              <a:rPr lang="it-IT" sz="1600" b="1" dirty="0" err="1"/>
+              <a:t>greater</a:t>
+            </a:r>
+            <a:r>
+              <a:rPr lang="it-IT" sz="1600" b="1" dirty="0"/>
+              <a:t> </a:t>
+            </a:r>
+            <a:r>
+              <a:rPr lang="it-IT" sz="1600" b="1" dirty="0" err="1"/>
+              <a:t>than</a:t>
+            </a:r>
+            <a:r>
+              <a:rPr lang="it-IT" sz="1600" b="1" dirty="0"/>
+              <a:t> </a:t>
+            </a:r>
+            <a:r>
+              <a:rPr lang="el-GR" sz="1600" b="1" dirty="0"/>
+              <a:t>Δ</a:t>
+            </a:r>
+            <a:r>
+              <a:rPr lang="it-IT" sz="1600" b="1" dirty="0" err="1"/>
+              <a:t>x</a:t>
+            </a:r>
+            <a:r>
+              <a:rPr lang="it-IT" sz="1200" b="1" dirty="0" err="1"/>
+              <a:t>min</a:t>
+            </a:r>
+            <a:r>
+              <a:rPr lang="it-IT" sz="1600" b="1" dirty="0"/>
+              <a:t> for </a:t>
+            </a:r>
+            <a:r>
+              <a:rPr lang="it-IT" sz="1600" b="1" dirty="0" err="1"/>
+              <a:t>all</a:t>
+            </a:r>
+            <a:r>
+              <a:rPr lang="it-IT" sz="1600" b="1" dirty="0"/>
+              <a:t> times</a:t>
+            </a:r>
+            <a:r>
+              <a:rPr lang="it-IT" sz="1600" dirty="0"/>
+              <a:t>. S</a:t>
+            </a:r>
+            <a:r>
+              <a:rPr lang="it-IT" sz="1600" b="0" i="0" u="none" strike="noStrike" baseline="0" dirty="0"/>
+              <a:t>o </a:t>
+            </a:r>
+            <a:r>
+              <a:rPr lang="it-IT" sz="1600" b="0" i="0" u="none" strike="noStrike" baseline="0" dirty="0" err="1"/>
+              <a:t>if</a:t>
+            </a:r>
+            <a:r>
+              <a:rPr lang="it-IT" sz="1600" dirty="0"/>
+              <a:t> </a:t>
+            </a:r>
+            <a:r>
+              <a:rPr lang="it-IT" sz="1600" b="0" i="0" u="none" strike="noStrike" baseline="0" dirty="0"/>
+              <a:t>the</a:t>
+            </a:r>
+            <a:r>
+              <a:rPr lang="it-IT" sz="1600" dirty="0"/>
+              <a:t> </a:t>
+            </a:r>
+            <a:r>
+              <a:rPr lang="en-US" sz="1600" b="0" i="0" u="none" strike="noStrike" baseline="0" dirty="0"/>
+              <a:t>leading vehicle makes its speed lower or it stops, the following one has to change its speed accordingly in order to prevent any collisions. </a:t>
+            </a:r>
+            <a:endParaRPr lang="it-IT" sz="1600" dirty="0"/>
+          </a:p>
+          <a:p>
+            <a:endParaRPr lang="it-IT" dirty="0"/>
           </a:p>
         </p:txBody>
       </p:sp>
     </p:spTree>
     <p:extLst>
       <p:ext uri="{BB962C8B-B14F-4D97-AF65-F5344CB8AC3E}">
-        <p14:creationId xmlns:p14="http://schemas.microsoft.com/office/powerpoint/2010/main" val="2380785986"/>
+        <p14:creationId xmlns:p14="http://schemas.microsoft.com/office/powerpoint/2010/main" val="3780226227"/>
       </p:ext>
     </p:extLst>
   </p:cSld>
@@ -7203,72 +8631,12 @@
           <a:chExt cx="0" cy="0"/>
         </a:xfrm>
       </p:grpSpPr>
-      <p:sp>
-        <p:nvSpPr>
-          <p:cNvPr id="5" name="CasellaDiTesto 4">
-            <a:extLst>
-              <a:ext uri="{FF2B5EF4-FFF2-40B4-BE49-F238E27FC236}">
-                <a16:creationId xmlns:a16="http://schemas.microsoft.com/office/drawing/2014/main" id="{7D6AE129-8FDF-48B8-9155-711EC172CE0A}"/>
-              </a:ext>
-            </a:extLst>
-          </p:cNvPr>
-          <p:cNvSpPr txBox="1"/>
-          <p:nvPr/>
-        </p:nvSpPr>
-        <p:spPr>
-          <a:xfrm>
-            <a:off x="276225" y="272534"/>
-            <a:ext cx="7067550" cy="523220"/>
-          </a:xfrm>
-          <a:prstGeom prst="rect">
-            <a:avLst/>
-          </a:prstGeom>
-          <a:noFill/>
-        </p:spPr>
-        <p:txBody>
-          <a:bodyPr wrap="square">
-            <a:spAutoFit/>
-          </a:bodyPr>
-          <a:lstStyle/>
-          <a:p>
-            <a:r>
-              <a:rPr lang="it-IT" sz="2800" b="1" dirty="0" err="1">
-                <a:solidFill>
-                  <a:schemeClr val="bg1"/>
-                </a:solidFill>
-              </a:rPr>
-              <a:t>Merging</a:t>
-            </a:r>
-            <a:r>
-              <a:rPr lang="it-IT" sz="2800" b="1" dirty="0">
-                <a:solidFill>
-                  <a:schemeClr val="bg1"/>
-                </a:solidFill>
-              </a:rPr>
-              <a:t> control </a:t>
-            </a:r>
-            <a:r>
-              <a:rPr lang="it-IT" sz="2800" b="1" dirty="0" err="1">
-                <a:solidFill>
-                  <a:schemeClr val="bg1"/>
-                </a:solidFill>
-              </a:rPr>
-              <a:t>algorithm</a:t>
-            </a:r>
-            <a:endParaRPr lang="it-IT" sz="2800" b="1" dirty="0">
-              <a:solidFill>
-                <a:schemeClr val="bg1"/>
-              </a:solidFill>
-            </a:endParaRPr>
-          </a:p>
-        </p:txBody>
-      </p:sp>
       <p:pic>
         <p:nvPicPr>
-          <p:cNvPr id="9" name="Immagine 8">
-            <a:extLst>
-              <a:ext uri="{FF2B5EF4-FFF2-40B4-BE49-F238E27FC236}">
-                <a16:creationId xmlns:a16="http://schemas.microsoft.com/office/drawing/2014/main" id="{2726CA00-F3FA-41CB-A609-F57B91ABB555}"/>
+          <p:cNvPr id="3" name="Immagine 2">
+            <a:extLst>
+              <a:ext uri="{FF2B5EF4-FFF2-40B4-BE49-F238E27FC236}">
+                <a16:creationId xmlns:a16="http://schemas.microsoft.com/office/drawing/2014/main" id="{AE988B39-7FE7-4930-8363-2E3C9D5F75BE}"/>
               </a:ext>
             </a:extLst>
           </p:cNvPr>
@@ -7291,18 +8659,486 @@
         </p:blipFill>
         <p:spPr>
           <a:xfrm>
-            <a:off x="1888066" y="1638300"/>
-            <a:ext cx="7484534" cy="4210050"/>
+            <a:off x="5753806" y="2171257"/>
+            <a:ext cx="5538692" cy="2599612"/>
           </a:xfrm>
           <a:prstGeom prst="rect">
             <a:avLst/>
           </a:prstGeom>
         </p:spPr>
       </p:pic>
+      <p:sp>
+        <p:nvSpPr>
+          <p:cNvPr id="9" name="CasellaDiTesto 8">
+            <a:extLst>
+              <a:ext uri="{FF2B5EF4-FFF2-40B4-BE49-F238E27FC236}">
+                <a16:creationId xmlns:a16="http://schemas.microsoft.com/office/drawing/2014/main" id="{BBEC0838-1DB6-48D0-856B-CC108AEAC156}"/>
+              </a:ext>
+            </a:extLst>
+          </p:cNvPr>
+          <p:cNvSpPr txBox="1"/>
+          <p:nvPr/>
+        </p:nvSpPr>
+        <p:spPr>
+          <a:xfrm>
+            <a:off x="937682" y="207257"/>
+            <a:ext cx="6148918" cy="830997"/>
+          </a:xfrm>
+          <a:prstGeom prst="rect">
+            <a:avLst/>
+          </a:prstGeom>
+          <a:noFill/>
+        </p:spPr>
+        <p:txBody>
+          <a:bodyPr wrap="square" rtlCol="0">
+            <a:spAutoFit/>
+          </a:bodyPr>
+          <a:lstStyle/>
+          <a:p>
+            <a:r>
+              <a:rPr lang="it-IT" sz="2800" b="1" dirty="0" err="1">
+                <a:solidFill>
+                  <a:schemeClr val="bg1"/>
+                </a:solidFill>
+              </a:rPr>
+              <a:t>Vehicle</a:t>
+            </a:r>
+            <a:r>
+              <a:rPr lang="it-IT" sz="2800" b="1" dirty="0">
+                <a:solidFill>
+                  <a:schemeClr val="bg1"/>
+                </a:solidFill>
+              </a:rPr>
+              <a:t> tracking </a:t>
+            </a:r>
+            <a:r>
+              <a:rPr lang="it-IT" sz="2800" b="1" dirty="0" err="1">
+                <a:solidFill>
+                  <a:schemeClr val="bg1"/>
+                </a:solidFill>
+              </a:rPr>
+              <a:t>algorithm</a:t>
+            </a:r>
+            <a:r>
+              <a:rPr lang="it-IT" sz="2800" b="1" dirty="0">
+                <a:solidFill>
+                  <a:schemeClr val="bg1"/>
+                </a:solidFill>
+              </a:rPr>
+              <a:t> (2)</a:t>
+            </a:r>
+          </a:p>
+          <a:p>
+            <a:endParaRPr lang="it-IT" sz="2000" dirty="0"/>
+          </a:p>
+        </p:txBody>
+      </p:sp>
+      <p:pic>
+        <p:nvPicPr>
+          <p:cNvPr id="12" name="Immagine 11">
+            <a:extLst>
+              <a:ext uri="{FF2B5EF4-FFF2-40B4-BE49-F238E27FC236}">
+                <a16:creationId xmlns:a16="http://schemas.microsoft.com/office/drawing/2014/main" id="{52F14384-1700-4672-875B-420D0EBA9FEC}"/>
+              </a:ext>
+            </a:extLst>
+          </p:cNvPr>
+          <p:cNvPicPr>
+            <a:picLocks noChangeAspect="1"/>
+          </p:cNvPicPr>
+          <p:nvPr/>
+        </p:nvPicPr>
+        <p:blipFill>
+          <a:blip r:embed="rId4"/>
+          <a:stretch>
+            <a:fillRect/>
+          </a:stretch>
+        </p:blipFill>
+        <p:spPr>
+          <a:xfrm>
+            <a:off x="1119949" y="3875573"/>
+            <a:ext cx="2732231" cy="514560"/>
+          </a:xfrm>
+          <a:prstGeom prst="rect">
+            <a:avLst/>
+          </a:prstGeom>
+        </p:spPr>
+      </p:pic>
+      <p:sp>
+        <p:nvSpPr>
+          <p:cNvPr id="14" name="CasellaDiTesto 13">
+            <a:extLst>
+              <a:ext uri="{FF2B5EF4-FFF2-40B4-BE49-F238E27FC236}">
+                <a16:creationId xmlns:a16="http://schemas.microsoft.com/office/drawing/2014/main" id="{40AC8378-45EC-4E48-A236-C9C3CC614098}"/>
+              </a:ext>
+            </a:extLst>
+          </p:cNvPr>
+          <p:cNvSpPr txBox="1"/>
+          <p:nvPr/>
+        </p:nvSpPr>
+        <p:spPr>
+          <a:xfrm>
+            <a:off x="1047259" y="3343941"/>
+            <a:ext cx="4928080" cy="338554"/>
+          </a:xfrm>
+          <a:prstGeom prst="rect">
+            <a:avLst/>
+          </a:prstGeom>
+          <a:noFill/>
+        </p:spPr>
+        <p:txBody>
+          <a:bodyPr wrap="none" rtlCol="0">
+            <a:spAutoFit/>
+          </a:bodyPr>
+          <a:lstStyle/>
+          <a:p>
+            <a:r>
+              <a:rPr lang="it-IT" sz="1600" dirty="0"/>
+              <a:t>And </a:t>
+            </a:r>
+            <a:r>
+              <a:rPr lang="it-IT" sz="1600" dirty="0" err="1"/>
+              <a:t>combining</a:t>
+            </a:r>
+            <a:r>
+              <a:rPr lang="it-IT" sz="1600" dirty="0"/>
+              <a:t> </a:t>
+            </a:r>
+            <a:r>
+              <a:rPr lang="it-IT" sz="1600" dirty="0" err="1"/>
+              <a:t>them</a:t>
+            </a:r>
+            <a:r>
+              <a:rPr lang="it-IT" sz="1600" dirty="0"/>
+              <a:t> with the </a:t>
+            </a:r>
+            <a:r>
+              <a:rPr lang="it-IT" sz="1600" b="1" dirty="0"/>
+              <a:t>safe </a:t>
+            </a:r>
+            <a:r>
+              <a:rPr lang="it-IT" sz="1600" b="1" dirty="0" err="1"/>
+              <a:t>traffic</a:t>
+            </a:r>
+            <a:r>
+              <a:rPr lang="it-IT" sz="1600" b="1" dirty="0"/>
+              <a:t> flow </a:t>
+            </a:r>
+            <a:r>
+              <a:rPr lang="it-IT" sz="1600" dirty="0" err="1"/>
+              <a:t>equation</a:t>
+            </a:r>
+            <a:r>
+              <a:rPr lang="it-IT" sz="1600" dirty="0"/>
+              <a:t>:</a:t>
+            </a:r>
+            <a:r>
+              <a:rPr lang="it-IT" sz="1600" b="1" dirty="0"/>
+              <a:t> </a:t>
+            </a:r>
+          </a:p>
+        </p:txBody>
+      </p:sp>
+      <p:pic>
+        <p:nvPicPr>
+          <p:cNvPr id="15" name="Immagine 14">
+            <a:extLst>
+              <a:ext uri="{FF2B5EF4-FFF2-40B4-BE49-F238E27FC236}">
+                <a16:creationId xmlns:a16="http://schemas.microsoft.com/office/drawing/2014/main" id="{55EC92D5-AA1C-4077-8623-9E754CE5F791}"/>
+              </a:ext>
+            </a:extLst>
+          </p:cNvPr>
+          <p:cNvPicPr>
+            <a:picLocks noChangeAspect="1"/>
+          </p:cNvPicPr>
+          <p:nvPr/>
+        </p:nvPicPr>
+        <p:blipFill>
+          <a:blip r:embed="rId5">
+            <a:extLst>
+              <a:ext uri="{28A0092B-C50C-407E-A947-70E740481C1C}">
+                <a14:useLocalDpi xmlns:a14="http://schemas.microsoft.com/office/drawing/2010/main" val="0"/>
+              </a:ext>
+            </a:extLst>
+          </a:blip>
+          <a:stretch>
+            <a:fillRect/>
+          </a:stretch>
+        </p:blipFill>
+        <p:spPr>
+          <a:xfrm>
+            <a:off x="3065481" y="4947106"/>
+            <a:ext cx="4766849" cy="925993"/>
+          </a:xfrm>
+          <a:prstGeom prst="rect">
+            <a:avLst/>
+          </a:prstGeom>
+        </p:spPr>
+      </p:pic>
+      <p:pic>
+        <p:nvPicPr>
+          <p:cNvPr id="18" name="Immagine 17">
+            <a:extLst>
+              <a:ext uri="{FF2B5EF4-FFF2-40B4-BE49-F238E27FC236}">
+                <a16:creationId xmlns:a16="http://schemas.microsoft.com/office/drawing/2014/main" id="{F56F5EE0-B418-4528-83C8-3A0BD1C80B2E}"/>
+              </a:ext>
+            </a:extLst>
+          </p:cNvPr>
+          <p:cNvPicPr>
+            <a:picLocks noChangeAspect="1"/>
+          </p:cNvPicPr>
+          <p:nvPr/>
+        </p:nvPicPr>
+        <p:blipFill>
+          <a:blip r:embed="rId6">
+            <a:extLst>
+              <a:ext uri="{28A0092B-C50C-407E-A947-70E740481C1C}">
+                <a14:useLocalDpi xmlns:a14="http://schemas.microsoft.com/office/drawing/2010/main" val="0"/>
+              </a:ext>
+            </a:extLst>
+          </a:blip>
+          <a:stretch>
+            <a:fillRect/>
+          </a:stretch>
+        </p:blipFill>
+        <p:spPr>
+          <a:xfrm>
+            <a:off x="1047258" y="2171257"/>
+            <a:ext cx="3091621" cy="1172684"/>
+          </a:xfrm>
+          <a:prstGeom prst="rect">
+            <a:avLst/>
+          </a:prstGeom>
+        </p:spPr>
+      </p:pic>
+      <p:sp>
+        <p:nvSpPr>
+          <p:cNvPr id="19" name="CasellaDiTesto 18">
+            <a:extLst>
+              <a:ext uri="{FF2B5EF4-FFF2-40B4-BE49-F238E27FC236}">
+                <a16:creationId xmlns:a16="http://schemas.microsoft.com/office/drawing/2014/main" id="{6EBA91E9-4C6A-4239-BB33-BACC6639BCD9}"/>
+              </a:ext>
+            </a:extLst>
+          </p:cNvPr>
+          <p:cNvSpPr txBox="1"/>
+          <p:nvPr/>
+        </p:nvSpPr>
+        <p:spPr>
+          <a:xfrm>
+            <a:off x="1047258" y="1267899"/>
+            <a:ext cx="9678099" cy="830997"/>
+          </a:xfrm>
+          <a:prstGeom prst="rect">
+            <a:avLst/>
+          </a:prstGeom>
+          <a:noFill/>
+        </p:spPr>
+        <p:txBody>
+          <a:bodyPr wrap="none" rtlCol="0">
+            <a:spAutoFit/>
+          </a:bodyPr>
+          <a:lstStyle/>
+          <a:p>
+            <a:r>
+              <a:rPr lang="it-IT" sz="1600" dirty="0"/>
+              <a:t>So </a:t>
+            </a:r>
+            <a:r>
+              <a:rPr lang="it-IT" sz="1600" dirty="0" err="1"/>
+              <a:t>we</a:t>
+            </a:r>
+            <a:r>
+              <a:rPr lang="it-IT" sz="1600" dirty="0"/>
+              <a:t> </a:t>
+            </a:r>
+            <a:r>
+              <a:rPr lang="it-IT" sz="1600" dirty="0" err="1"/>
+              <a:t>consider</a:t>
+            </a:r>
+            <a:r>
+              <a:rPr lang="it-IT" sz="1600" dirty="0"/>
+              <a:t> </a:t>
+            </a:r>
+            <a:r>
+              <a:rPr lang="it-IT" sz="1600" b="1" dirty="0" err="1"/>
+              <a:t>two</a:t>
+            </a:r>
+            <a:r>
+              <a:rPr lang="it-IT" sz="1600" b="1" dirty="0"/>
+              <a:t> successive </a:t>
+            </a:r>
+            <a:r>
+              <a:rPr lang="it-IT" sz="1600" b="1" dirty="0" err="1"/>
+              <a:t>vehicle</a:t>
+            </a:r>
+            <a:r>
+              <a:rPr lang="it-IT" sz="1600" b="1" dirty="0"/>
+              <a:t> A-&gt;B</a:t>
+            </a:r>
+            <a:r>
+              <a:rPr lang="it-IT" sz="1600" dirty="0"/>
+              <a:t>. A</a:t>
+            </a:r>
+            <a:r>
+              <a:rPr lang="it-IT" sz="1600" b="0" i="0" u="none" strike="noStrike" baseline="0" dirty="0"/>
+              <a:t>ssume </a:t>
+            </a:r>
+            <a:r>
+              <a:rPr lang="it-IT" sz="1600" b="0" i="0" u="none" strike="noStrike" baseline="0" dirty="0" err="1"/>
+              <a:t>that</a:t>
+            </a:r>
+            <a:r>
+              <a:rPr lang="it-IT" sz="1600" b="0" i="0" u="none" strike="noStrike" baseline="0" dirty="0"/>
+              <a:t> </a:t>
+            </a:r>
+            <a:r>
+              <a:rPr lang="it-IT" sz="1600" b="0" i="0" u="none" strike="noStrike" baseline="0" dirty="0" err="1"/>
+              <a:t>both</a:t>
+            </a:r>
+            <a:r>
+              <a:rPr lang="it-IT" sz="1600" dirty="0"/>
+              <a:t> </a:t>
+            </a:r>
+            <a:r>
+              <a:rPr lang="en-US" sz="1600" b="0" i="0" u="none" strike="noStrike" baseline="0" dirty="0"/>
+              <a:t>vehicles stop for final case. </a:t>
+            </a:r>
+          </a:p>
+          <a:p>
+            <a:pPr algn="l"/>
+            <a:r>
+              <a:rPr lang="en-US" sz="1600" b="0" i="0" u="none" strike="noStrike" baseline="0" dirty="0"/>
+              <a:t>Since vehicles speed of each one will be zero for the final condition, </a:t>
+            </a:r>
+            <a:r>
+              <a:rPr lang="en-US" sz="1600" dirty="0"/>
+              <a:t>t</a:t>
+            </a:r>
+            <a:r>
+              <a:rPr lang="en-US" sz="1600" b="0" i="0" u="none" strike="noStrike" baseline="0" dirty="0"/>
+              <a:t>he equation of the position can be rewritten </a:t>
+            </a:r>
+          </a:p>
+          <a:p>
+            <a:pPr algn="l"/>
+            <a:r>
+              <a:rPr lang="en-US" sz="1600" b="0" i="0" u="none" strike="noStrike" baseline="0" dirty="0"/>
+              <a:t>for </a:t>
+            </a:r>
+            <a:r>
+              <a:rPr lang="it-IT" sz="1600" b="0" i="0" u="none" strike="noStrike" baseline="0" dirty="0" err="1"/>
+              <a:t>each</a:t>
+            </a:r>
+            <a:r>
+              <a:rPr lang="it-IT" sz="1600" b="0" i="0" u="none" strike="noStrike" baseline="0" dirty="0"/>
+              <a:t> </a:t>
+            </a:r>
+            <a:r>
+              <a:rPr lang="it-IT" sz="1600" b="0" i="0" u="none" strike="noStrike" baseline="0" dirty="0" err="1"/>
+              <a:t>vehicle</a:t>
+            </a:r>
+            <a:r>
+              <a:rPr lang="it-IT" sz="1600" b="0" i="0" u="none" strike="noStrike" baseline="0" dirty="0"/>
+              <a:t> </a:t>
+            </a:r>
+            <a:r>
+              <a:rPr lang="it-IT" sz="1600" b="0" i="0" u="none" strike="noStrike" baseline="0" dirty="0" err="1"/>
+              <a:t>as</a:t>
+            </a:r>
+            <a:r>
+              <a:rPr lang="it-IT" sz="1600" b="0" i="0" u="none" strike="noStrike" baseline="0" dirty="0"/>
+              <a:t> follows:</a:t>
+            </a:r>
+            <a:endParaRPr lang="it-IT" sz="1600" dirty="0"/>
+          </a:p>
+        </p:txBody>
+      </p:sp>
+      <p:sp>
+        <p:nvSpPr>
+          <p:cNvPr id="21" name="CasellaDiTesto 20">
+            <a:extLst>
+              <a:ext uri="{FF2B5EF4-FFF2-40B4-BE49-F238E27FC236}">
+                <a16:creationId xmlns:a16="http://schemas.microsoft.com/office/drawing/2014/main" id="{0D6F49FD-43E4-43F5-B7AA-C38D3476D7D9}"/>
+              </a:ext>
+            </a:extLst>
+          </p:cNvPr>
+          <p:cNvSpPr txBox="1"/>
+          <p:nvPr/>
+        </p:nvSpPr>
+        <p:spPr>
+          <a:xfrm>
+            <a:off x="1119949" y="4608552"/>
+            <a:ext cx="5238229" cy="338554"/>
+          </a:xfrm>
+          <a:prstGeom prst="rect">
+            <a:avLst/>
+          </a:prstGeom>
+          <a:noFill/>
+        </p:spPr>
+        <p:txBody>
+          <a:bodyPr wrap="none" rtlCol="0">
+            <a:spAutoFit/>
+          </a:bodyPr>
+          <a:lstStyle/>
+          <a:p>
+            <a:r>
+              <a:rPr lang="it-IT" sz="1600" dirty="0" err="1"/>
+              <a:t>We</a:t>
+            </a:r>
+            <a:r>
+              <a:rPr lang="it-IT" sz="1600" dirty="0"/>
+              <a:t> </a:t>
+            </a:r>
+            <a:r>
+              <a:rPr lang="it-IT" sz="1600" dirty="0" err="1"/>
+              <a:t>obtain</a:t>
+            </a:r>
+            <a:r>
+              <a:rPr lang="it-IT" sz="1600" dirty="0"/>
+              <a:t> </a:t>
+            </a:r>
+            <a:r>
+              <a:rPr lang="it-IT" sz="1600" b="1" dirty="0"/>
+              <a:t>the </a:t>
+            </a:r>
+            <a:r>
+              <a:rPr lang="it-IT" sz="1600" b="1" dirty="0" err="1"/>
+              <a:t>condition</a:t>
+            </a:r>
+            <a:r>
+              <a:rPr lang="it-IT" sz="1600" b="1" dirty="0"/>
+              <a:t> </a:t>
+            </a:r>
+            <a:r>
+              <a:rPr lang="it-IT" sz="1600" b="1" dirty="0" err="1"/>
+              <a:t>thath</a:t>
+            </a:r>
+            <a:r>
+              <a:rPr lang="it-IT" sz="1600" b="1" dirty="0"/>
+              <a:t> must be </a:t>
+            </a:r>
+            <a:r>
+              <a:rPr lang="it-IT" sz="1600" b="1" dirty="0" err="1"/>
+              <a:t>ensured</a:t>
+            </a:r>
+            <a:r>
+              <a:rPr lang="it-IT" sz="1600" b="1" dirty="0"/>
+              <a:t> for </a:t>
+            </a:r>
+            <a:r>
+              <a:rPr lang="it-IT" sz="1600" b="1" dirty="0" err="1"/>
+              <a:t>all</a:t>
+            </a:r>
+            <a:r>
+              <a:rPr lang="it-IT" sz="1600" b="1" dirty="0"/>
+              <a:t> time:</a:t>
+            </a:r>
+          </a:p>
+        </p:txBody>
+      </p:sp>
     </p:spTree>
     <p:extLst>
       <p:ext uri="{BB962C8B-B14F-4D97-AF65-F5344CB8AC3E}">
-        <p14:creationId xmlns:p14="http://schemas.microsoft.com/office/powerpoint/2010/main" val="3400627943"/>
+        <p14:creationId xmlns:p14="http://schemas.microsoft.com/office/powerpoint/2010/main" val="2498254127"/>
       </p:ext>
     </p:extLst>
   </p:cSld>
@@ -7343,12 +9179,84 @@
           <a:chExt cx="0" cy="0"/>
         </a:xfrm>
       </p:grpSpPr>
-      <p:sp>
-        <p:nvSpPr>
-          <p:cNvPr id="2" name="CasellaDiTesto 1">
-            <a:extLst>
-              <a:ext uri="{FF2B5EF4-FFF2-40B4-BE49-F238E27FC236}">
-                <a16:creationId xmlns:a16="http://schemas.microsoft.com/office/drawing/2014/main" id="{6190FF48-4A6F-4D81-AD6C-7104959DBE8A}"/>
+      <p:pic>
+        <p:nvPicPr>
+          <p:cNvPr id="3" name="Immagine 2">
+            <a:extLst>
+              <a:ext uri="{FF2B5EF4-FFF2-40B4-BE49-F238E27FC236}">
+                <a16:creationId xmlns:a16="http://schemas.microsoft.com/office/drawing/2014/main" id="{FB8BD74F-A7FB-4F19-B5DE-94F0A00E2F18}"/>
+              </a:ext>
+            </a:extLst>
+          </p:cNvPr>
+          <p:cNvPicPr>
+            <a:picLocks noChangeAspect="1"/>
+          </p:cNvPicPr>
+          <p:nvPr/>
+        </p:nvPicPr>
+        <p:blipFill>
+          <a:blip r:embed="rId3">
+            <a:extLst>
+              <a:ext uri="{28A0092B-C50C-407E-A947-70E740481C1C}">
+                <a14:useLocalDpi xmlns:a14="http://schemas.microsoft.com/office/drawing/2010/main" val="0"/>
+              </a:ext>
+            </a:extLst>
+          </a:blip>
+          <a:stretch>
+            <a:fillRect/>
+          </a:stretch>
+        </p:blipFill>
+        <p:spPr>
+          <a:xfrm>
+            <a:off x="371475" y="1726164"/>
+            <a:ext cx="5481305" cy="3913724"/>
+          </a:xfrm>
+          <a:prstGeom prst="rect">
+            <a:avLst/>
+          </a:prstGeom>
+        </p:spPr>
+      </p:pic>
+      <p:pic>
+        <p:nvPicPr>
+          <p:cNvPr id="23" name="Immagine 22">
+            <a:extLst>
+              <a:ext uri="{FF2B5EF4-FFF2-40B4-BE49-F238E27FC236}">
+                <a16:creationId xmlns:a16="http://schemas.microsoft.com/office/drawing/2014/main" id="{4AE58046-946A-4FBD-AEDB-6CDBE4F86CBC}"/>
+              </a:ext>
+            </a:extLst>
+          </p:cNvPr>
+          <p:cNvPicPr>
+            <a:picLocks noChangeAspect="1"/>
+          </p:cNvPicPr>
+          <p:nvPr/>
+        </p:nvPicPr>
+        <p:blipFill>
+          <a:blip r:embed="rId4">
+            <a:extLst>
+              <a:ext uri="{28A0092B-C50C-407E-A947-70E740481C1C}">
+                <a14:useLocalDpi xmlns:a14="http://schemas.microsoft.com/office/drawing/2010/main" val="0"/>
+              </a:ext>
+            </a:extLst>
+          </a:blip>
+          <a:stretch>
+            <a:fillRect/>
+          </a:stretch>
+        </p:blipFill>
+        <p:spPr>
+          <a:xfrm>
+            <a:off x="6947568" y="3530984"/>
+            <a:ext cx="4480443" cy="870356"/>
+          </a:xfrm>
+          <a:prstGeom prst="rect">
+            <a:avLst/>
+          </a:prstGeom>
+        </p:spPr>
+      </p:pic>
+      <p:sp>
+        <p:nvSpPr>
+          <p:cNvPr id="25" name="CasellaDiTesto 24">
+            <a:extLst>
+              <a:ext uri="{FF2B5EF4-FFF2-40B4-BE49-F238E27FC236}">
+                <a16:creationId xmlns:a16="http://schemas.microsoft.com/office/drawing/2014/main" id="{7F24B239-0015-4E6E-B566-8D93328F75BC}"/>
               </a:ext>
             </a:extLst>
           </p:cNvPr>
@@ -7357,8 +9265,8 @@
         </p:nvSpPr>
         <p:spPr>
           <a:xfrm>
-            <a:off x="7686675" y="3050143"/>
-            <a:ext cx="3562349" cy="584775"/>
+            <a:off x="371475" y="409936"/>
+            <a:ext cx="6096000" cy="523220"/>
           </a:xfrm>
           <a:prstGeom prst="rect">
             <a:avLst/>
@@ -7366,28 +9274,415 @@
           <a:noFill/>
         </p:spPr>
         <p:txBody>
+          <a:bodyPr wrap="square">
+            <a:spAutoFit/>
+          </a:bodyPr>
+          <a:lstStyle/>
+          <a:p>
+            <a:r>
+              <a:rPr lang="it-IT" sz="2800" b="1" dirty="0" err="1"/>
+              <a:t>Vehicle</a:t>
+            </a:r>
+            <a:r>
+              <a:rPr lang="it-IT" sz="2800" b="1" dirty="0"/>
+              <a:t> tracking </a:t>
+            </a:r>
+            <a:r>
+              <a:rPr lang="it-IT" sz="2800" b="1" dirty="0" err="1"/>
+              <a:t>algorithm</a:t>
+            </a:r>
+            <a:r>
+              <a:rPr lang="it-IT" sz="2800" b="1" dirty="0"/>
+              <a:t> (3)</a:t>
+            </a:r>
+          </a:p>
+        </p:txBody>
+      </p:sp>
+      <p:sp>
+        <p:nvSpPr>
+          <p:cNvPr id="2" name="CasellaDiTesto 1">
+            <a:extLst>
+              <a:ext uri="{FF2B5EF4-FFF2-40B4-BE49-F238E27FC236}">
+                <a16:creationId xmlns:a16="http://schemas.microsoft.com/office/drawing/2014/main" id="{996D5949-310E-4D45-B815-A4D8A7887CC5}"/>
+              </a:ext>
+            </a:extLst>
+          </p:cNvPr>
+          <p:cNvSpPr txBox="1"/>
+          <p:nvPr/>
+        </p:nvSpPr>
+        <p:spPr>
+          <a:xfrm>
+            <a:off x="6485512" y="2782669"/>
+            <a:ext cx="5852778" cy="646331"/>
+          </a:xfrm>
+          <a:prstGeom prst="rect">
+            <a:avLst/>
+          </a:prstGeom>
+          <a:noFill/>
+        </p:spPr>
+        <p:txBody>
           <a:bodyPr wrap="square" rtlCol="0">
             <a:spAutoFit/>
           </a:bodyPr>
           <a:lstStyle/>
           <a:p>
             <a:r>
-              <a:rPr lang="it-IT" sz="3200" b="1" dirty="0"/>
-              <a:t>IMPLEMENTATION</a:t>
-            </a:r>
-          </a:p>
-        </p:txBody>
-      </p:sp>
+              <a:rPr lang="it-IT" b="1" dirty="0"/>
+              <a:t>With </a:t>
+            </a:r>
+            <a:r>
+              <a:rPr lang="it-IT" b="1" dirty="0" err="1"/>
+              <a:t>this</a:t>
+            </a:r>
+            <a:r>
+              <a:rPr lang="it-IT" b="1" dirty="0"/>
+              <a:t> speed, can I stop </a:t>
+            </a:r>
+            <a:r>
+              <a:rPr lang="it-IT" b="1" dirty="0" err="1"/>
+              <a:t>myself</a:t>
+            </a:r>
+            <a:r>
+              <a:rPr lang="it-IT" b="1" dirty="0"/>
+              <a:t> </a:t>
+            </a:r>
+            <a:r>
+              <a:rPr lang="it-IT" b="1" dirty="0" err="1"/>
+              <a:t>ensuring</a:t>
+            </a:r>
+            <a:r>
+              <a:rPr lang="it-IT" b="1" dirty="0"/>
+              <a:t> the minimum </a:t>
+            </a:r>
+          </a:p>
+          <a:p>
+            <a:r>
+              <a:rPr lang="it-IT" b="1" dirty="0" err="1"/>
+              <a:t>distance</a:t>
+            </a:r>
+            <a:r>
+              <a:rPr lang="it-IT" b="1" dirty="0"/>
+              <a:t> </a:t>
+            </a:r>
+            <a:r>
+              <a:rPr lang="it-IT" b="1" dirty="0" err="1"/>
+              <a:t>between</a:t>
+            </a:r>
+            <a:r>
+              <a:rPr lang="it-IT" b="1" dirty="0"/>
+              <a:t> me and the successive </a:t>
+            </a:r>
+            <a:r>
+              <a:rPr lang="it-IT" b="1" dirty="0" err="1"/>
+              <a:t>vehicle</a:t>
+            </a:r>
+            <a:r>
+              <a:rPr lang="it-IT" b="1" dirty="0"/>
+              <a:t>?</a:t>
+            </a:r>
+          </a:p>
+        </p:txBody>
+      </p:sp>
+      <p:sp>
+        <p:nvSpPr>
+          <p:cNvPr id="5" name="Rettangolo 4">
+            <a:extLst>
+              <a:ext uri="{FF2B5EF4-FFF2-40B4-BE49-F238E27FC236}">
+                <a16:creationId xmlns:a16="http://schemas.microsoft.com/office/drawing/2014/main" id="{829F4063-88DC-4292-AB3F-C81A1B23A7D8}"/>
+              </a:ext>
+            </a:extLst>
+          </p:cNvPr>
+          <p:cNvSpPr/>
+          <p:nvPr/>
+        </p:nvSpPr>
+        <p:spPr>
+          <a:xfrm>
+            <a:off x="763989" y="3864178"/>
+            <a:ext cx="1848582" cy="203969"/>
+          </a:xfrm>
+          <a:prstGeom prst="rect">
+            <a:avLst/>
+          </a:prstGeom>
+          <a:noFill/>
+          <a:ln>
+            <a:solidFill>
+              <a:srgbClr val="FF0000"/>
+            </a:solidFill>
+          </a:ln>
+        </p:spPr>
+        <p:style>
+          <a:lnRef idx="2">
+            <a:schemeClr val="dk1"/>
+          </a:lnRef>
+          <a:fillRef idx="1">
+            <a:schemeClr val="lt1"/>
+          </a:fillRef>
+          <a:effectRef idx="0">
+            <a:schemeClr val="dk1"/>
+          </a:effectRef>
+          <a:fontRef idx="minor">
+            <a:schemeClr val="dk1"/>
+          </a:fontRef>
+        </p:style>
+        <p:txBody>
+          <a:bodyPr rtlCol="0" anchor="ctr"/>
+          <a:lstStyle/>
+          <a:p>
+            <a:pPr algn="ctr"/>
+            <a:endParaRPr lang="it-IT"/>
+          </a:p>
+        </p:txBody>
+      </p:sp>
+      <p:cxnSp>
+        <p:nvCxnSpPr>
+          <p:cNvPr id="7" name="Connettore 2 6">
+            <a:extLst>
+              <a:ext uri="{FF2B5EF4-FFF2-40B4-BE49-F238E27FC236}">
+                <a16:creationId xmlns:a16="http://schemas.microsoft.com/office/drawing/2014/main" id="{4FFB8E76-22B6-4565-9FFB-1CF9448B0D5F}"/>
+              </a:ext>
+            </a:extLst>
+          </p:cNvPr>
+          <p:cNvCxnSpPr>
+            <a:endCxn id="23" idx="1"/>
+          </p:cNvCxnSpPr>
+          <p:nvPr/>
+        </p:nvCxnSpPr>
+        <p:spPr>
+          <a:xfrm>
+            <a:off x="2612571" y="3966162"/>
+            <a:ext cx="4334997" cy="0"/>
+          </a:xfrm>
+          <a:prstGeom prst="straightConnector1">
+            <a:avLst/>
+          </a:prstGeom>
+          <a:ln>
+            <a:solidFill>
+              <a:srgbClr val="FF0000"/>
+            </a:solidFill>
+            <a:tailEnd type="triangle"/>
+          </a:ln>
+        </p:spPr>
+        <p:style>
+          <a:lnRef idx="1">
+            <a:schemeClr val="accent1"/>
+          </a:lnRef>
+          <a:fillRef idx="0">
+            <a:schemeClr val="accent1"/>
+          </a:fillRef>
+          <a:effectRef idx="0">
+            <a:schemeClr val="accent1"/>
+          </a:effectRef>
+          <a:fontRef idx="minor">
+            <a:schemeClr val="tx1"/>
+          </a:fontRef>
+        </p:style>
+      </p:cxnSp>
     </p:spTree>
     <p:extLst>
       <p:ext uri="{BB962C8B-B14F-4D97-AF65-F5344CB8AC3E}">
-        <p14:creationId xmlns:p14="http://schemas.microsoft.com/office/powerpoint/2010/main" val="3391242016"/>
+        <p14:creationId xmlns:p14="http://schemas.microsoft.com/office/powerpoint/2010/main" val="2380785986"/>
       </p:ext>
     </p:extLst>
   </p:cSld>
   <p:clrMapOvr>
     <a:masterClrMapping/>
   </p:clrMapOvr>
+  <p:timing>
+    <p:tnLst>
+      <p:par>
+        <p:cTn id="1" dur="indefinite" restart="never" nodeType="tmRoot">
+          <p:childTnLst>
+            <p:seq concurrent="1" nextAc="seek">
+              <p:cTn id="2" dur="indefinite" nodeType="mainSeq">
+                <p:childTnLst>
+                  <p:par>
+                    <p:cTn id="3" fill="hold">
+                      <p:stCondLst>
+                        <p:cond delay="indefinite"/>
+                      </p:stCondLst>
+                      <p:childTnLst>
+                        <p:par>
+                          <p:cTn id="4" fill="hold">
+                            <p:stCondLst>
+                              <p:cond delay="0"/>
+                            </p:stCondLst>
+                            <p:childTnLst>
+                              <p:par>
+                                <p:cTn id="5" presetID="1" presetClass="entr" presetSubtype="0" fill="hold" grpId="0" nodeType="clickEffect">
+                                  <p:stCondLst>
+                                    <p:cond delay="0"/>
+                                  </p:stCondLst>
+                                  <p:childTnLst>
+                                    <p:set>
+                                      <p:cBhvr>
+                                        <p:cTn id="6" dur="1" fill="hold">
+                                          <p:stCondLst>
+                                            <p:cond delay="0"/>
+                                          </p:stCondLst>
+                                        </p:cTn>
+                                        <p:tgtEl>
+                                          <p:spTgt spid="5"/>
+                                        </p:tgtEl>
+                                        <p:attrNameLst>
+                                          <p:attrName>style.visibility</p:attrName>
+                                        </p:attrNameLst>
+                                      </p:cBhvr>
+                                      <p:to>
+                                        <p:strVal val="visible"/>
+                                      </p:to>
+                                    </p:set>
+                                  </p:childTnLst>
+                                </p:cTn>
+                              </p:par>
+                            </p:childTnLst>
+                          </p:cTn>
+                        </p:par>
+                      </p:childTnLst>
+                    </p:cTn>
+                  </p:par>
+                  <p:par>
+                    <p:cTn id="7" fill="hold">
+                      <p:stCondLst>
+                        <p:cond delay="indefinite"/>
+                      </p:stCondLst>
+                      <p:childTnLst>
+                        <p:par>
+                          <p:cTn id="8" fill="hold">
+                            <p:stCondLst>
+                              <p:cond delay="0"/>
+                            </p:stCondLst>
+                            <p:childTnLst>
+                              <p:par>
+                                <p:cTn id="9" presetID="1" presetClass="entr" presetSubtype="0" fill="hold" nodeType="clickEffect">
+                                  <p:stCondLst>
+                                    <p:cond delay="0"/>
+                                  </p:stCondLst>
+                                  <p:childTnLst>
+                                    <p:set>
+                                      <p:cBhvr>
+                                        <p:cTn id="10" dur="1" fill="hold">
+                                          <p:stCondLst>
+                                            <p:cond delay="0"/>
+                                          </p:stCondLst>
+                                        </p:cTn>
+                                        <p:tgtEl>
+                                          <p:spTgt spid="7"/>
+                                        </p:tgtEl>
+                                        <p:attrNameLst>
+                                          <p:attrName>style.visibility</p:attrName>
+                                        </p:attrNameLst>
+                                      </p:cBhvr>
+                                      <p:to>
+                                        <p:strVal val="visible"/>
+                                      </p:to>
+                                    </p:set>
+                                  </p:childTnLst>
+                                </p:cTn>
+                              </p:par>
+                            </p:childTnLst>
+                          </p:cTn>
+                        </p:par>
+                      </p:childTnLst>
+                    </p:cTn>
+                  </p:par>
+                  <p:par>
+                    <p:cTn id="11" fill="hold">
+                      <p:stCondLst>
+                        <p:cond delay="indefinite"/>
+                      </p:stCondLst>
+                      <p:childTnLst>
+                        <p:par>
+                          <p:cTn id="12" fill="hold">
+                            <p:stCondLst>
+                              <p:cond delay="0"/>
+                            </p:stCondLst>
+                            <p:childTnLst>
+                              <p:par>
+                                <p:cTn id="13" presetID="1" presetClass="entr" presetSubtype="0" fill="hold" grpId="0" nodeType="clickEffect">
+                                  <p:stCondLst>
+                                    <p:cond delay="0"/>
+                                  </p:stCondLst>
+                                  <p:childTnLst>
+                                    <p:set>
+                                      <p:cBhvr>
+                                        <p:cTn id="14" dur="1" fill="hold">
+                                          <p:stCondLst>
+                                            <p:cond delay="0"/>
+                                          </p:stCondLst>
+                                        </p:cTn>
+                                        <p:tgtEl>
+                                          <p:spTgt spid="2"/>
+                                        </p:tgtEl>
+                                        <p:attrNameLst>
+                                          <p:attrName>style.visibility</p:attrName>
+                                        </p:attrNameLst>
+                                      </p:cBhvr>
+                                      <p:to>
+                                        <p:strVal val="visible"/>
+                                      </p:to>
+                                    </p:set>
+                                  </p:childTnLst>
+                                </p:cTn>
+                              </p:par>
+                              <p:par>
+                                <p:cTn id="15" presetID="1" presetClass="entr" presetSubtype="0" fill="hold" nodeType="withEffect">
+                                  <p:stCondLst>
+                                    <p:cond delay="0"/>
+                                  </p:stCondLst>
+                                  <p:childTnLst>
+                                    <p:set>
+                                      <p:cBhvr>
+                                        <p:cTn id="16" dur="1" fill="hold">
+                                          <p:stCondLst>
+                                            <p:cond delay="0"/>
+                                          </p:stCondLst>
+                                        </p:cTn>
+                                        <p:tgtEl>
+                                          <p:spTgt spid="23"/>
+                                        </p:tgtEl>
+                                        <p:attrNameLst>
+                                          <p:attrName>style.visibility</p:attrName>
+                                        </p:attrNameLst>
+                                      </p:cBhvr>
+                                      <p:to>
+                                        <p:strVal val="visible"/>
+                                      </p:to>
+                                    </p:set>
+                                  </p:childTnLst>
+                                </p:cTn>
+                              </p:par>
+                            </p:childTnLst>
+                          </p:cTn>
+                        </p:par>
+                      </p:childTnLst>
+                    </p:cTn>
+                  </p:par>
+                </p:childTnLst>
+              </p:cTn>
+              <p:prevCondLst>
+                <p:cond evt="onPrev" delay="0">
+                  <p:tgtEl>
+                    <p:sldTgt/>
+                  </p:tgtEl>
+                </p:cond>
+              </p:prevCondLst>
+              <p:nextCondLst>
+                <p:cond evt="onNext" delay="0">
+                  <p:tgtEl>
+                    <p:sldTgt/>
+                  </p:tgtEl>
+                </p:cond>
+              </p:nextCondLst>
+            </p:seq>
+          </p:childTnLst>
+        </p:cTn>
+      </p:par>
+    </p:tnLst>
+    <p:bldLst>
+      <p:bldP spid="2" grpId="0"/>
+      <p:bldP spid="5" grpId="0" animBg="1"/>
+    </p:bldLst>
+  </p:timing>
 </p:sld>
 </file>
 
@@ -7424,10 +9719,10 @@
       </p:grpSpPr>
       <p:sp>
         <p:nvSpPr>
-          <p:cNvPr id="2" name="CasellaDiTesto 1">
-            <a:extLst>
-              <a:ext uri="{FF2B5EF4-FFF2-40B4-BE49-F238E27FC236}">
-                <a16:creationId xmlns:a16="http://schemas.microsoft.com/office/drawing/2014/main" id="{20ED1360-C7DE-4590-BF95-B8C84642AC34}"/>
+          <p:cNvPr id="5" name="CasellaDiTesto 4">
+            <a:extLst>
+              <a:ext uri="{FF2B5EF4-FFF2-40B4-BE49-F238E27FC236}">
+                <a16:creationId xmlns:a16="http://schemas.microsoft.com/office/drawing/2014/main" id="{7D6AE129-8FDF-48B8-9155-711EC172CE0A}"/>
               </a:ext>
             </a:extLst>
           </p:cNvPr>
@@ -7436,8 +9731,8 @@
         </p:nvSpPr>
         <p:spPr>
           <a:xfrm>
-            <a:off x="742949" y="114300"/>
-            <a:ext cx="8010525" cy="523220"/>
+            <a:off x="276225" y="272534"/>
+            <a:ext cx="7067550" cy="523220"/>
           </a:xfrm>
           <a:prstGeom prst="rect">
             <a:avLst/>
@@ -7445,7 +9740,7 @@
           <a:noFill/>
         </p:spPr>
         <p:txBody>
-          <a:bodyPr wrap="square" rtlCol="0">
+          <a:bodyPr wrap="square">
             <a:spAutoFit/>
           </a:bodyPr>
           <a:lstStyle/>
@@ -7456,7 +9751,23 @@
                   <a:schemeClr val="bg1"/>
                 </a:solidFill>
               </a:rPr>
-              <a:t>Implementation</a:t>
+              <a:t>Merging</a:t>
+            </a:r>
+            <a:r>
+              <a:rPr lang="it-IT" sz="2800" b="1" dirty="0">
+                <a:solidFill>
+                  <a:schemeClr val="bg1"/>
+                </a:solidFill>
+              </a:rPr>
+              <a:t> control </a:t>
+            </a:r>
+            <a:r>
+              <a:rPr lang="it-IT" sz="2800" b="1" dirty="0" err="1">
+                <a:solidFill>
+                  <a:schemeClr val="bg1"/>
+                </a:solidFill>
+              </a:rPr>
+              <a:t>algorithm</a:t>
             </a:r>
             <a:endParaRPr lang="it-IT" sz="2800" b="1" dirty="0">
               <a:solidFill>
@@ -7468,10 +9779,10 @@
       </p:sp>
       <p:pic>
         <p:nvPicPr>
-          <p:cNvPr id="4" name="Immagine 3">
-            <a:extLst>
-              <a:ext uri="{FF2B5EF4-FFF2-40B4-BE49-F238E27FC236}">
-                <a16:creationId xmlns:a16="http://schemas.microsoft.com/office/drawing/2014/main" id="{16F62B99-886F-4785-AE71-BE4CCBF542A6}"/>
+          <p:cNvPr id="9" name="Immagine 8">
+            <a:extLst>
+              <a:ext uri="{FF2B5EF4-FFF2-40B4-BE49-F238E27FC236}">
+                <a16:creationId xmlns:a16="http://schemas.microsoft.com/office/drawing/2014/main" id="{2726CA00-F3FA-41CB-A609-F57B91ABB555}"/>
               </a:ext>
             </a:extLst>
           </p:cNvPr>
@@ -7481,27 +9792,347 @@
           <p:nvPr/>
         </p:nvPicPr>
         <p:blipFill>
-          <a:blip r:embed="rId3"/>
+          <a:blip r:embed="rId3">
+            <a:extLst>
+              <a:ext uri="{28A0092B-C50C-407E-A947-70E740481C1C}">
+                <a14:useLocalDpi xmlns:a14="http://schemas.microsoft.com/office/drawing/2010/main" val="0"/>
+              </a:ext>
+            </a:extLst>
+          </a:blip>
           <a:stretch>
             <a:fillRect/>
           </a:stretch>
         </p:blipFill>
         <p:spPr>
           <a:xfrm>
-            <a:off x="952185" y="1831762"/>
-            <a:ext cx="10287629" cy="1348619"/>
+            <a:off x="2673651" y="1811460"/>
+            <a:ext cx="7329887" cy="4123061"/>
           </a:xfrm>
           <a:prstGeom prst="rect">
             <a:avLst/>
           </a:prstGeom>
         </p:spPr>
       </p:pic>
+      <p:sp>
+        <p:nvSpPr>
+          <p:cNvPr id="3" name="CasellaDiTesto 2">
+            <a:extLst>
+              <a:ext uri="{FF2B5EF4-FFF2-40B4-BE49-F238E27FC236}">
+                <a16:creationId xmlns:a16="http://schemas.microsoft.com/office/drawing/2014/main" id="{3080CDA2-EFE2-4C1F-96FE-8AB5FC18AEFD}"/>
+              </a:ext>
+            </a:extLst>
+          </p:cNvPr>
+          <p:cNvSpPr txBox="1"/>
+          <p:nvPr/>
+        </p:nvSpPr>
+        <p:spPr>
+          <a:xfrm>
+            <a:off x="910578" y="6104243"/>
+            <a:ext cx="9383334" cy="646331"/>
+          </a:xfrm>
+          <a:prstGeom prst="rect">
+            <a:avLst/>
+          </a:prstGeom>
+          <a:noFill/>
+        </p:spPr>
+        <p:txBody>
+          <a:bodyPr wrap="square" rtlCol="0">
+            <a:spAutoFit/>
+          </a:bodyPr>
+          <a:lstStyle/>
+          <a:p>
+            <a:pPr marL="342900" indent="-342900">
+              <a:buFont typeface="Arial" panose="020B0604020202020204" pitchFamily="34" charset="0"/>
+              <a:buChar char="•"/>
+            </a:pPr>
+            <a:r>
+              <a:rPr lang="el-GR" dirty="0"/>
+              <a:t>Δ</a:t>
+            </a:r>
+            <a:r>
+              <a:rPr lang="it-IT" dirty="0" err="1"/>
+              <a:t>x</a:t>
+            </a:r>
+            <a:r>
+              <a:rPr lang="it-IT" sz="1050" dirty="0" err="1"/>
+              <a:t>M</a:t>
+            </a:r>
+            <a:r>
+              <a:rPr lang="it-IT" sz="1050" dirty="0"/>
+              <a:t> </a:t>
+            </a:r>
+            <a:r>
+              <a:rPr lang="it-IT" dirty="0"/>
+              <a:t> </a:t>
+            </a:r>
+            <a:r>
+              <a:rPr lang="it-IT" dirty="0">
+                <a:sym typeface="Wingdings" panose="05000000000000000000" pitchFamily="2" charset="2"/>
+              </a:rPr>
+              <a:t> </a:t>
+            </a:r>
+            <a:r>
+              <a:rPr lang="it-IT" dirty="0" err="1">
+                <a:sym typeface="Wingdings" panose="05000000000000000000" pitchFamily="2" charset="2"/>
+              </a:rPr>
+              <a:t>distance</a:t>
+            </a:r>
+            <a:r>
+              <a:rPr lang="it-IT" dirty="0">
+                <a:sym typeface="Wingdings" panose="05000000000000000000" pitchFamily="2" charset="2"/>
+              </a:rPr>
+              <a:t> </a:t>
+            </a:r>
+            <a:r>
+              <a:rPr lang="it-IT" dirty="0" err="1">
+                <a:sym typeface="Wingdings" panose="05000000000000000000" pitchFamily="2" charset="2"/>
+              </a:rPr>
+              <a:t>between</a:t>
+            </a:r>
+            <a:r>
+              <a:rPr lang="it-IT" dirty="0">
+                <a:sym typeface="Wingdings" panose="05000000000000000000" pitchFamily="2" charset="2"/>
+              </a:rPr>
+              <a:t> the position of the car on the </a:t>
+            </a:r>
+            <a:r>
+              <a:rPr lang="it-IT" dirty="0" err="1">
+                <a:sym typeface="Wingdings" panose="05000000000000000000" pitchFamily="2" charset="2"/>
+              </a:rPr>
+              <a:t>main</a:t>
+            </a:r>
+            <a:r>
+              <a:rPr lang="it-IT" dirty="0">
+                <a:sym typeface="Wingdings" panose="05000000000000000000" pitchFamily="2" charset="2"/>
+              </a:rPr>
+              <a:t> lane and the </a:t>
+            </a:r>
+            <a:r>
+              <a:rPr lang="it-IT" dirty="0" err="1">
+                <a:sym typeface="Wingdings" panose="05000000000000000000" pitchFamily="2" charset="2"/>
+              </a:rPr>
+              <a:t>merging</a:t>
+            </a:r>
+            <a:r>
+              <a:rPr lang="it-IT" dirty="0">
+                <a:sym typeface="Wingdings" panose="05000000000000000000" pitchFamily="2" charset="2"/>
+              </a:rPr>
+              <a:t> point</a:t>
+            </a:r>
+            <a:endParaRPr lang="it-IT" sz="1050" dirty="0"/>
+          </a:p>
+          <a:p>
+            <a:pPr marL="342900" indent="-342900">
+              <a:buFont typeface="Arial" panose="020B0604020202020204" pitchFamily="34" charset="0"/>
+              <a:buChar char="•"/>
+            </a:pPr>
+            <a:r>
+              <a:rPr lang="el-GR" dirty="0"/>
+              <a:t>Δ</a:t>
+            </a:r>
+            <a:r>
+              <a:rPr lang="it-IT" dirty="0" err="1"/>
+              <a:t>x</a:t>
+            </a:r>
+            <a:r>
+              <a:rPr lang="it-IT" sz="1100" dirty="0" err="1"/>
+              <a:t>S</a:t>
+            </a:r>
+            <a:r>
+              <a:rPr lang="it-IT" sz="1100" dirty="0"/>
+              <a:t> </a:t>
+            </a:r>
+            <a:r>
+              <a:rPr lang="it-IT" dirty="0">
+                <a:sym typeface="Wingdings" panose="05000000000000000000" pitchFamily="2" charset="2"/>
+              </a:rPr>
+              <a:t> </a:t>
+            </a:r>
+            <a:r>
+              <a:rPr lang="it-IT" dirty="0" err="1">
+                <a:sym typeface="Wingdings" panose="05000000000000000000" pitchFamily="2" charset="2"/>
+              </a:rPr>
+              <a:t>distance</a:t>
+            </a:r>
+            <a:r>
+              <a:rPr lang="it-IT" dirty="0">
+                <a:sym typeface="Wingdings" panose="05000000000000000000" pitchFamily="2" charset="2"/>
+              </a:rPr>
+              <a:t> </a:t>
+            </a:r>
+            <a:r>
+              <a:rPr lang="it-IT" dirty="0" err="1">
+                <a:sym typeface="Wingdings" panose="05000000000000000000" pitchFamily="2" charset="2"/>
+              </a:rPr>
+              <a:t>between</a:t>
+            </a:r>
+            <a:r>
+              <a:rPr lang="it-IT" dirty="0">
+                <a:sym typeface="Wingdings" panose="05000000000000000000" pitchFamily="2" charset="2"/>
+              </a:rPr>
+              <a:t> the position of the car on the </a:t>
+            </a:r>
+            <a:r>
+              <a:rPr lang="it-IT" dirty="0" err="1">
+                <a:sym typeface="Wingdings" panose="05000000000000000000" pitchFamily="2" charset="2"/>
+              </a:rPr>
+              <a:t>secondary</a:t>
+            </a:r>
+            <a:r>
+              <a:rPr lang="it-IT" dirty="0">
+                <a:sym typeface="Wingdings" panose="05000000000000000000" pitchFamily="2" charset="2"/>
+              </a:rPr>
+              <a:t> lane and the </a:t>
+            </a:r>
+            <a:r>
+              <a:rPr lang="it-IT" dirty="0" err="1">
+                <a:sym typeface="Wingdings" panose="05000000000000000000" pitchFamily="2" charset="2"/>
+              </a:rPr>
+              <a:t>merging</a:t>
+            </a:r>
+            <a:r>
+              <a:rPr lang="it-IT" dirty="0">
+                <a:sym typeface="Wingdings" panose="05000000000000000000" pitchFamily="2" charset="2"/>
+              </a:rPr>
+              <a:t> point</a:t>
+            </a:r>
+            <a:endParaRPr lang="it-IT" dirty="0"/>
+          </a:p>
+        </p:txBody>
+      </p:sp>
+      <p:sp>
+        <p:nvSpPr>
+          <p:cNvPr id="4" name="CasellaDiTesto 3">
+            <a:extLst>
+              <a:ext uri="{FF2B5EF4-FFF2-40B4-BE49-F238E27FC236}">
+                <a16:creationId xmlns:a16="http://schemas.microsoft.com/office/drawing/2014/main" id="{5F70CECC-39F3-487B-8449-0DE422C65A33}"/>
+              </a:ext>
+            </a:extLst>
+          </p:cNvPr>
+          <p:cNvSpPr txBox="1"/>
+          <p:nvPr/>
+        </p:nvSpPr>
+        <p:spPr>
+          <a:xfrm>
+            <a:off x="276225" y="992506"/>
+            <a:ext cx="9092489" cy="1107996"/>
+          </a:xfrm>
+          <a:prstGeom prst="rect">
+            <a:avLst/>
+          </a:prstGeom>
+          <a:noFill/>
+        </p:spPr>
+        <p:txBody>
+          <a:bodyPr wrap="none" rtlCol="0">
+            <a:spAutoFit/>
+          </a:bodyPr>
+          <a:lstStyle/>
+          <a:p>
+            <a:r>
+              <a:rPr lang="it-IT" sz="1600" dirty="0"/>
+              <a:t>A </a:t>
+            </a:r>
+            <a:r>
+              <a:rPr lang="it-IT" sz="1600" dirty="0" err="1"/>
+              <a:t>vehicle</a:t>
+            </a:r>
+            <a:r>
+              <a:rPr lang="it-IT" sz="1600" dirty="0"/>
+              <a:t> on the </a:t>
+            </a:r>
+            <a:r>
+              <a:rPr lang="it-IT" sz="1600" dirty="0" err="1"/>
+              <a:t>secondary</a:t>
+            </a:r>
+            <a:r>
+              <a:rPr lang="it-IT" sz="1600" dirty="0"/>
+              <a:t> lane </a:t>
+            </a:r>
+            <a:r>
+              <a:rPr lang="it-IT" sz="1600" dirty="0" err="1"/>
+              <a:t>seeks</a:t>
+            </a:r>
+            <a:r>
+              <a:rPr lang="it-IT" sz="1600" dirty="0"/>
+              <a:t> a </a:t>
+            </a:r>
+            <a:r>
+              <a:rPr lang="it-IT" sz="1600" dirty="0" err="1"/>
+              <a:t>vehicle</a:t>
+            </a:r>
+            <a:r>
+              <a:rPr lang="it-IT" sz="1600" dirty="0"/>
+              <a:t> on the </a:t>
+            </a:r>
+            <a:r>
+              <a:rPr lang="it-IT" sz="1600" dirty="0" err="1"/>
+              <a:t>main</a:t>
+            </a:r>
+            <a:r>
+              <a:rPr lang="it-IT" sz="1600" dirty="0"/>
+              <a:t> lane in order to associate </a:t>
+            </a:r>
+            <a:r>
+              <a:rPr lang="it-IT" sz="1600" dirty="0" err="1"/>
+              <a:t>itself</a:t>
+            </a:r>
+            <a:r>
+              <a:rPr lang="it-IT" sz="1600" dirty="0"/>
+              <a:t> with </a:t>
+            </a:r>
+            <a:r>
+              <a:rPr lang="it-IT" sz="1600" dirty="0" err="1"/>
+              <a:t>him</a:t>
+            </a:r>
+            <a:r>
+              <a:rPr lang="it-IT" sz="1600" dirty="0"/>
+              <a:t>.</a:t>
+            </a:r>
+          </a:p>
+          <a:p>
+            <a:r>
+              <a:rPr lang="en-US" sz="1600" dirty="0"/>
+              <a:t>Associated</a:t>
+            </a:r>
+            <a:r>
+              <a:rPr lang="en-US" sz="1600" b="0" i="0" u="none" strike="noStrike" baseline="0" dirty="0"/>
+              <a:t> vehicles are lined up by increasing or decreasing their speed before the critical zone.</a:t>
+            </a:r>
+          </a:p>
+          <a:p>
+            <a:r>
+              <a:rPr lang="en-US" sz="1600" dirty="0"/>
+              <a:t>In this way the </a:t>
+            </a:r>
+            <a:r>
+              <a:rPr lang="en-US" sz="1600" b="0" i="0" u="none" strike="noStrike" baseline="0" dirty="0"/>
+              <a:t>secondary vehicle can merge to the main road before or after the companion vehicle safely. </a:t>
+            </a:r>
+          </a:p>
+          <a:p>
+            <a:pPr algn="l"/>
+            <a:r>
+              <a:rPr lang="en-US" sz="1600" b="0" i="0" u="none" strike="noStrike" baseline="0" dirty="0"/>
+              <a:t>Companion vehicles have to obey the following </a:t>
+            </a:r>
+            <a:r>
+              <a:rPr lang="en-US" sz="1600" b="1" i="0" u="none" strike="noStrike" baseline="0" dirty="0"/>
+              <a:t>merging algorithm</a:t>
+            </a:r>
+            <a:r>
+              <a:rPr lang="en-US" sz="1600" b="0" i="0" u="none" strike="noStrike" baseline="0" dirty="0"/>
+              <a:t>:</a:t>
+            </a:r>
+            <a:endParaRPr lang="it-IT" sz="1600" dirty="0"/>
+          </a:p>
+        </p:txBody>
+      </p:sp>
       <p:pic>
         <p:nvPicPr>
           <p:cNvPr id="8" name="Immagine 7">
             <a:extLst>
               <a:ext uri="{FF2B5EF4-FFF2-40B4-BE49-F238E27FC236}">
-                <a16:creationId xmlns:a16="http://schemas.microsoft.com/office/drawing/2014/main" id="{522B42AA-BC08-4D9F-A67B-18AB54BE20DD}"/>
+                <a16:creationId xmlns:a16="http://schemas.microsoft.com/office/drawing/2014/main" id="{9E8473B4-689C-458E-80F0-A22F7DC28430}"/>
               </a:ext>
             </a:extLst>
           </p:cNvPr>
@@ -7511,31 +10142,247 @@
           <p:nvPr/>
         </p:nvPicPr>
         <p:blipFill>
-          <a:blip r:embed="rId4">
-            <a:extLst>
-              <a:ext uri="{28A0092B-C50C-407E-A947-70E740481C1C}">
-                <a14:useLocalDpi xmlns:a14="http://schemas.microsoft.com/office/drawing/2010/main" val="0"/>
-              </a:ext>
-            </a:extLst>
-          </a:blip>
+          <a:blip r:embed="rId4"/>
           <a:stretch>
             <a:fillRect/>
           </a:stretch>
         </p:blipFill>
         <p:spPr>
           <a:xfrm>
-            <a:off x="1788318" y="3747192"/>
-            <a:ext cx="8615363" cy="1348620"/>
+            <a:off x="8288044" y="2715851"/>
+            <a:ext cx="3014676" cy="1426298"/>
           </a:xfrm>
           <a:prstGeom prst="rect">
             <a:avLst/>
           </a:prstGeom>
         </p:spPr>
       </p:pic>
+      <p:pic>
+        <p:nvPicPr>
+          <p:cNvPr id="11" name="Immagine 10">
+            <a:extLst>
+              <a:ext uri="{FF2B5EF4-FFF2-40B4-BE49-F238E27FC236}">
+                <a16:creationId xmlns:a16="http://schemas.microsoft.com/office/drawing/2014/main" id="{CE3E80D2-58B0-463C-83A8-EB3C2F46986C}"/>
+              </a:ext>
+            </a:extLst>
+          </p:cNvPr>
+          <p:cNvPicPr>
+            <a:picLocks noChangeAspect="1"/>
+          </p:cNvPicPr>
+          <p:nvPr/>
+        </p:nvPicPr>
+        <p:blipFill>
+          <a:blip r:embed="rId5"/>
+          <a:stretch>
+            <a:fillRect/>
+          </a:stretch>
+        </p:blipFill>
+        <p:spPr>
+          <a:xfrm>
+            <a:off x="64629" y="4301411"/>
+            <a:ext cx="2827692" cy="1463387"/>
+          </a:xfrm>
+          <a:prstGeom prst="rect">
+            <a:avLst/>
+          </a:prstGeom>
+        </p:spPr>
+      </p:pic>
+      <p:sp>
+        <p:nvSpPr>
+          <p:cNvPr id="13" name="CasellaDiTesto 12">
+            <a:extLst>
+              <a:ext uri="{FF2B5EF4-FFF2-40B4-BE49-F238E27FC236}">
+                <a16:creationId xmlns:a16="http://schemas.microsoft.com/office/drawing/2014/main" id="{1A1F4A1B-82EA-47D5-B37F-251918F6824A}"/>
+              </a:ext>
+            </a:extLst>
+          </p:cNvPr>
+          <p:cNvSpPr txBox="1"/>
+          <p:nvPr/>
+        </p:nvSpPr>
+        <p:spPr>
+          <a:xfrm>
+            <a:off x="1160530" y="4301411"/>
+            <a:ext cx="534177" cy="307777"/>
+          </a:xfrm>
+          <a:prstGeom prst="rect">
+            <a:avLst/>
+          </a:prstGeom>
+          <a:noFill/>
+        </p:spPr>
+        <p:txBody>
+          <a:bodyPr wrap="square">
+            <a:spAutoFit/>
+          </a:bodyPr>
+          <a:lstStyle/>
+          <a:p>
+            <a:r>
+              <a:rPr lang="el-GR" sz="1400" dirty="0"/>
+              <a:t>Δ</a:t>
+            </a:r>
+            <a:r>
+              <a:rPr lang="it-IT" sz="1400" dirty="0" err="1"/>
+              <a:t>x</a:t>
+            </a:r>
+            <a:r>
+              <a:rPr lang="it-IT" sz="900" dirty="0" err="1"/>
+              <a:t>M</a:t>
+            </a:r>
+            <a:r>
+              <a:rPr lang="it-IT" sz="900" dirty="0"/>
+              <a:t> </a:t>
+            </a:r>
+            <a:endParaRPr lang="it-IT" sz="1400" dirty="0"/>
+          </a:p>
+        </p:txBody>
+      </p:sp>
+      <p:sp>
+        <p:nvSpPr>
+          <p:cNvPr id="14" name="CasellaDiTesto 13">
+            <a:extLst>
+              <a:ext uri="{FF2B5EF4-FFF2-40B4-BE49-F238E27FC236}">
+                <a16:creationId xmlns:a16="http://schemas.microsoft.com/office/drawing/2014/main" id="{CF8E3C8B-2A00-4F16-9C3A-C612BB043F6D}"/>
+              </a:ext>
+            </a:extLst>
+          </p:cNvPr>
+          <p:cNvSpPr txBox="1"/>
+          <p:nvPr/>
+        </p:nvSpPr>
+        <p:spPr>
+          <a:xfrm>
+            <a:off x="9458901" y="2695393"/>
+            <a:ext cx="534177" cy="307777"/>
+          </a:xfrm>
+          <a:prstGeom prst="rect">
+            <a:avLst/>
+          </a:prstGeom>
+          <a:noFill/>
+        </p:spPr>
+        <p:txBody>
+          <a:bodyPr wrap="square">
+            <a:spAutoFit/>
+          </a:bodyPr>
+          <a:lstStyle/>
+          <a:p>
+            <a:r>
+              <a:rPr lang="el-GR" sz="1400" dirty="0"/>
+              <a:t>Δ</a:t>
+            </a:r>
+            <a:r>
+              <a:rPr lang="it-IT" sz="1400" dirty="0" err="1"/>
+              <a:t>x</a:t>
+            </a:r>
+            <a:r>
+              <a:rPr lang="it-IT" sz="900" dirty="0" err="1"/>
+              <a:t>M</a:t>
+            </a:r>
+            <a:r>
+              <a:rPr lang="it-IT" sz="900" dirty="0"/>
+              <a:t> </a:t>
+            </a:r>
+            <a:endParaRPr lang="it-IT" sz="1400" dirty="0"/>
+          </a:p>
+        </p:txBody>
+      </p:sp>
+      <p:sp>
+        <p:nvSpPr>
+          <p:cNvPr id="15" name="CasellaDiTesto 14">
+            <a:extLst>
+              <a:ext uri="{FF2B5EF4-FFF2-40B4-BE49-F238E27FC236}">
+                <a16:creationId xmlns:a16="http://schemas.microsoft.com/office/drawing/2014/main" id="{A1CAE10B-CFD9-43F0-B317-E76194F474B5}"/>
+              </a:ext>
+            </a:extLst>
+          </p:cNvPr>
+          <p:cNvSpPr txBox="1"/>
+          <p:nvPr/>
+        </p:nvSpPr>
+        <p:spPr>
+          <a:xfrm>
+            <a:off x="944298" y="5557717"/>
+            <a:ext cx="534177" cy="307777"/>
+          </a:xfrm>
+          <a:prstGeom prst="rect">
+            <a:avLst/>
+          </a:prstGeom>
+          <a:noFill/>
+        </p:spPr>
+        <p:txBody>
+          <a:bodyPr wrap="square">
+            <a:spAutoFit/>
+          </a:bodyPr>
+          <a:lstStyle/>
+          <a:p>
+            <a:r>
+              <a:rPr lang="el-GR" sz="1400" dirty="0"/>
+              <a:t>Δ</a:t>
+            </a:r>
+            <a:r>
+              <a:rPr lang="it-IT" sz="1400" dirty="0" err="1"/>
+              <a:t>x</a:t>
+            </a:r>
+            <a:r>
+              <a:rPr lang="it-IT" sz="900" dirty="0" err="1"/>
+              <a:t>S</a:t>
+            </a:r>
+            <a:r>
+              <a:rPr lang="it-IT" sz="900" dirty="0"/>
+              <a:t> </a:t>
+            </a:r>
+            <a:endParaRPr lang="it-IT" sz="1400" dirty="0"/>
+          </a:p>
+        </p:txBody>
+      </p:sp>
+      <p:sp>
+        <p:nvSpPr>
+          <p:cNvPr id="17" name="CasellaDiTesto 16">
+            <a:extLst>
+              <a:ext uri="{FF2B5EF4-FFF2-40B4-BE49-F238E27FC236}">
+                <a16:creationId xmlns:a16="http://schemas.microsoft.com/office/drawing/2014/main" id="{58EAD17E-E6A5-451D-AE95-A5EA5EE1FEF2}"/>
+              </a:ext>
+            </a:extLst>
+          </p:cNvPr>
+          <p:cNvSpPr txBox="1"/>
+          <p:nvPr/>
+        </p:nvSpPr>
+        <p:spPr>
+          <a:xfrm>
+            <a:off x="9546954" y="3988260"/>
+            <a:ext cx="496855" cy="307777"/>
+          </a:xfrm>
+          <a:prstGeom prst="rect">
+            <a:avLst/>
+          </a:prstGeom>
+          <a:noFill/>
+        </p:spPr>
+        <p:txBody>
+          <a:bodyPr wrap="square">
+            <a:spAutoFit/>
+          </a:bodyPr>
+          <a:lstStyle/>
+          <a:p>
+            <a:r>
+              <a:rPr lang="el-GR" sz="1400" dirty="0"/>
+              <a:t>Δ</a:t>
+            </a:r>
+            <a:r>
+              <a:rPr lang="it-IT" sz="1400" dirty="0" err="1"/>
+              <a:t>x</a:t>
+            </a:r>
+            <a:r>
+              <a:rPr lang="it-IT" sz="900" dirty="0" err="1"/>
+              <a:t>S</a:t>
+            </a:r>
+            <a:r>
+              <a:rPr lang="it-IT" sz="900" dirty="0"/>
+              <a:t> </a:t>
+            </a:r>
+            <a:endParaRPr lang="it-IT" sz="1400" dirty="0"/>
+          </a:p>
+        </p:txBody>
+      </p:sp>
     </p:spTree>
     <p:extLst>
       <p:ext uri="{BB962C8B-B14F-4D97-AF65-F5344CB8AC3E}">
-        <p14:creationId xmlns:p14="http://schemas.microsoft.com/office/powerpoint/2010/main" val="3733230904"/>
+        <p14:creationId xmlns:p14="http://schemas.microsoft.com/office/powerpoint/2010/main" val="1760246021"/>
       </p:ext>
     </p:extLst>
   </p:cSld>
@@ -7581,7 +10428,7 @@
           <p:cNvPr id="2" name="CasellaDiTesto 1">
             <a:extLst>
               <a:ext uri="{FF2B5EF4-FFF2-40B4-BE49-F238E27FC236}">
-                <a16:creationId xmlns:a16="http://schemas.microsoft.com/office/drawing/2014/main" id="{20ED1360-C7DE-4590-BF95-B8C84642AC34}"/>
+                <a16:creationId xmlns:a16="http://schemas.microsoft.com/office/drawing/2014/main" id="{6190FF48-4A6F-4D81-AD6C-7104959DBE8A}"/>
               </a:ext>
             </a:extLst>
           </p:cNvPr>
@@ -7590,8 +10437,8 @@
         </p:nvSpPr>
         <p:spPr>
           <a:xfrm>
-            <a:off x="742949" y="114300"/>
-            <a:ext cx="7705725" cy="523220"/>
+            <a:off x="7686675" y="3050143"/>
+            <a:ext cx="3562349" cy="584775"/>
           </a:xfrm>
           <a:prstGeom prst="rect">
             <a:avLst/>
@@ -7605,198 +10452,8 @@
           <a:lstStyle/>
           <a:p>
             <a:r>
-              <a:rPr lang="it-IT" sz="2800" b="1" dirty="0" err="1">
-                <a:solidFill>
-                  <a:schemeClr val="bg1"/>
-                </a:solidFill>
-              </a:rPr>
-              <a:t>Vehicle</a:t>
-            </a:r>
-            <a:r>
-              <a:rPr lang="it-IT" sz="2800" b="1" dirty="0">
-                <a:solidFill>
-                  <a:schemeClr val="bg1"/>
-                </a:solidFill>
-              </a:rPr>
-              <a:t> tracking </a:t>
-            </a:r>
-            <a:r>
-              <a:rPr lang="it-IT" sz="2800" b="1" dirty="0" err="1">
-                <a:solidFill>
-                  <a:schemeClr val="bg1"/>
-                </a:solidFill>
-              </a:rPr>
-              <a:t>algorithm</a:t>
-            </a:r>
-            <a:r>
-              <a:rPr lang="it-IT" sz="2800" b="1" dirty="0">
-                <a:solidFill>
-                  <a:schemeClr val="bg1"/>
-                </a:solidFill>
-              </a:rPr>
-              <a:t> </a:t>
-            </a:r>
-            <a:r>
-              <a:rPr lang="it-IT" sz="2800" b="1" dirty="0" err="1">
-                <a:solidFill>
-                  <a:schemeClr val="bg1"/>
-                </a:solidFill>
-              </a:rPr>
-              <a:t>Implementation</a:t>
-            </a:r>
-            <a:r>
-              <a:rPr lang="it-IT" sz="2800" b="1" dirty="0">
-                <a:solidFill>
-                  <a:schemeClr val="bg1"/>
-                </a:solidFill>
-              </a:rPr>
-              <a:t> (1)</a:t>
-            </a:r>
-          </a:p>
-        </p:txBody>
-      </p:sp>
-      <p:pic>
-        <p:nvPicPr>
-          <p:cNvPr id="3" name="Immagine 2">
-            <a:extLst>
-              <a:ext uri="{FF2B5EF4-FFF2-40B4-BE49-F238E27FC236}">
-                <a16:creationId xmlns:a16="http://schemas.microsoft.com/office/drawing/2014/main" id="{91BE1F48-9FF7-440C-9C6E-67EC770DB0B4}"/>
-              </a:ext>
-            </a:extLst>
-          </p:cNvPr>
-          <p:cNvPicPr>
-            <a:picLocks noChangeAspect="1"/>
-          </p:cNvPicPr>
-          <p:nvPr/>
-        </p:nvPicPr>
-        <p:blipFill rotWithShape="1">
-          <a:blip r:embed="rId3"/>
-          <a:srcRect r="3479"/>
-          <a:stretch/>
-        </p:blipFill>
-        <p:spPr>
-          <a:xfrm>
-            <a:off x="914724" y="1838325"/>
-            <a:ext cx="10459292" cy="3676066"/>
-          </a:xfrm>
-          <a:prstGeom prst="rect">
-            <a:avLst/>
-          </a:prstGeom>
-        </p:spPr>
-      </p:pic>
-      <p:sp>
-        <p:nvSpPr>
-          <p:cNvPr id="4" name="CasellaDiTesto 3">
-            <a:extLst>
-              <a:ext uri="{FF2B5EF4-FFF2-40B4-BE49-F238E27FC236}">
-                <a16:creationId xmlns:a16="http://schemas.microsoft.com/office/drawing/2014/main" id="{62C5354B-A5C4-45A6-89B6-013FC6FAF650}"/>
-              </a:ext>
-            </a:extLst>
-          </p:cNvPr>
-          <p:cNvSpPr txBox="1"/>
-          <p:nvPr/>
-        </p:nvSpPr>
-        <p:spPr>
-          <a:xfrm>
-            <a:off x="1201340" y="1191994"/>
-            <a:ext cx="8605133" cy="646331"/>
-          </a:xfrm>
-          <a:prstGeom prst="rect">
-            <a:avLst/>
-          </a:prstGeom>
-          <a:noFill/>
-        </p:spPr>
-        <p:txBody>
-          <a:bodyPr wrap="square" rtlCol="0">
-            <a:spAutoFit/>
-          </a:bodyPr>
-          <a:lstStyle/>
-          <a:p>
-            <a:r>
-              <a:rPr lang="it-IT" dirty="0" err="1"/>
-              <a:t>All</a:t>
-            </a:r>
-            <a:r>
-              <a:rPr lang="it-IT" dirty="0"/>
-              <a:t> cars </a:t>
-            </a:r>
-            <a:r>
-              <a:rPr lang="it-IT" dirty="0" err="1"/>
-              <a:t>have</a:t>
-            </a:r>
-            <a:r>
-              <a:rPr lang="it-IT" dirty="0"/>
-              <a:t> to </a:t>
-            </a:r>
-            <a:r>
-              <a:rPr lang="it-IT" dirty="0" err="1"/>
-              <a:t>find</a:t>
-            </a:r>
-            <a:r>
-              <a:rPr lang="it-IT" dirty="0"/>
-              <a:t> </a:t>
-            </a:r>
-            <a:r>
-              <a:rPr lang="it-IT" dirty="0" err="1"/>
-              <a:t>their</a:t>
-            </a:r>
-            <a:r>
-              <a:rPr lang="it-IT" dirty="0"/>
-              <a:t> </a:t>
-            </a:r>
-            <a:r>
-              <a:rPr lang="it-IT" dirty="0" err="1"/>
-              <a:t>forward</a:t>
-            </a:r>
-            <a:r>
-              <a:rPr lang="it-IT" dirty="0"/>
-              <a:t> car in order to </a:t>
-            </a:r>
-            <a:r>
-              <a:rPr lang="it-IT" dirty="0" err="1"/>
-              <a:t>adjust</a:t>
-            </a:r>
-            <a:r>
-              <a:rPr lang="it-IT" dirty="0"/>
-              <a:t> </a:t>
-            </a:r>
-            <a:r>
-              <a:rPr lang="it-IT" dirty="0" err="1"/>
-              <a:t>their</a:t>
-            </a:r>
-            <a:r>
-              <a:rPr lang="it-IT" dirty="0"/>
-              <a:t> speed </a:t>
-            </a:r>
-            <a:r>
-              <a:rPr lang="it-IT" dirty="0" err="1"/>
-              <a:t>accordingly</a:t>
-            </a:r>
-            <a:r>
-              <a:rPr lang="it-IT" dirty="0"/>
-              <a:t>.</a:t>
-            </a:r>
-          </a:p>
-          <a:p>
-            <a:r>
-              <a:rPr lang="it-IT" dirty="0"/>
-              <a:t>Procedure to </a:t>
-            </a:r>
-            <a:r>
-              <a:rPr lang="it-IT" dirty="0" err="1"/>
-              <a:t>find</a:t>
-            </a:r>
-            <a:r>
-              <a:rPr lang="it-IT" dirty="0"/>
-              <a:t> the </a:t>
-            </a:r>
-            <a:r>
-              <a:rPr lang="it-IT" dirty="0" err="1"/>
-              <a:t>forward</a:t>
-            </a:r>
-            <a:r>
-              <a:rPr lang="it-IT" dirty="0"/>
-              <a:t> car: </a:t>
+              <a:rPr lang="it-IT" sz="3200" b="1" dirty="0"/>
+              <a:t>IMPLEMENTATION</a:t>
             </a:r>
           </a:p>
         </p:txBody>
@@ -7804,7 +10461,7 @@
     </p:spTree>
     <p:extLst>
       <p:ext uri="{BB962C8B-B14F-4D97-AF65-F5344CB8AC3E}">
-        <p14:creationId xmlns:p14="http://schemas.microsoft.com/office/powerpoint/2010/main" val="2247678644"/>
+        <p14:creationId xmlns:p14="http://schemas.microsoft.com/office/powerpoint/2010/main" val="3391242016"/>
       </p:ext>
     </p:extLst>
   </p:cSld>
